--- a/figures/tcga MK2 survival analysis_082020.pptx
+++ b/figures/tcga MK2 survival analysis_082020.pptx
@@ -8,14 +8,14 @@
     <p:sldId id="257" r:id="rId2"/>
     <p:sldId id="278" r:id="rId3"/>
     <p:sldId id="295" r:id="rId4"/>
-    <p:sldId id="281" r:id="rId5"/>
-    <p:sldId id="294" r:id="rId6"/>
-    <p:sldId id="293" r:id="rId7"/>
-    <p:sldId id="282" r:id="rId8"/>
-    <p:sldId id="283" r:id="rId9"/>
-    <p:sldId id="288" r:id="rId10"/>
-    <p:sldId id="284" r:id="rId11"/>
-    <p:sldId id="291" r:id="rId12"/>
+    <p:sldId id="294" r:id="rId5"/>
+    <p:sldId id="282" r:id="rId6"/>
+    <p:sldId id="297" r:id="rId7"/>
+    <p:sldId id="296" r:id="rId8"/>
+    <p:sldId id="291" r:id="rId9"/>
+    <p:sldId id="283" r:id="rId10"/>
+    <p:sldId id="288" r:id="rId11"/>
+    <p:sldId id="284" r:id="rId12"/>
     <p:sldId id="269" r:id="rId13"/>
     <p:sldId id="270" r:id="rId14"/>
     <p:sldId id="272" r:id="rId15"/>
@@ -126,14 +126,15 @@
             <p14:sldId id="257"/>
             <p14:sldId id="278"/>
             <p14:sldId id="295"/>
-            <p14:sldId id="281"/>
             <p14:sldId id="294"/>
-            <p14:sldId id="293"/>
           </p14:sldIdLst>
         </p14:section>
         <p14:section name="Figures for supplemental" id="{351EA98A-7CEC-4220-A649-E80DA792D276}">
           <p14:sldIdLst>
             <p14:sldId id="282"/>
+            <p14:sldId id="297"/>
+            <p14:sldId id="296"/>
+            <p14:sldId id="291"/>
           </p14:sldIdLst>
         </p14:section>
         <p14:section name="Other data - not included in paper" id="{CE1BF992-DFEC-4A3A-910F-B1038E088787}">
@@ -141,7 +142,6 @@
             <p14:sldId id="283"/>
             <p14:sldId id="288"/>
             <p14:sldId id="284"/>
-            <p14:sldId id="291"/>
             <p14:sldId id="269"/>
             <p14:sldId id="270"/>
             <p14:sldId id="272"/>
@@ -199,10 +199,9 @@
           </a:lstStyle>
           <a:p>
             <a:r>
-              <a:rPr lang="en-US" smtClean="0"/>
+              <a:rPr lang="en-US"/>
               <a:t>Click to edit Master title style</a:t>
             </a:r>
-            <a:endParaRPr lang="en-US"/>
           </a:p>
         </p:txBody>
       </p:sp>
@@ -264,10 +263,9 @@
           </a:lstStyle>
           <a:p>
             <a:r>
-              <a:rPr lang="en-US" smtClean="0"/>
+              <a:rPr lang="en-US"/>
               <a:t>Click to edit Master subtitle style</a:t>
             </a:r>
-            <a:endParaRPr lang="en-US"/>
           </a:p>
         </p:txBody>
       </p:sp>
@@ -288,7 +286,7 @@
           <a:p>
             <a:fld id="{59862215-C9F9-4F8F-B287-5DE5F4FB318C}" type="datetimeFigureOut">
               <a:rPr lang="en-US" smtClean="0"/>
-              <a:t>8/14/2020</a:t>
+              <a:t>8/27/2020</a:t>
             </a:fld>
             <a:endParaRPr lang="en-US"/>
           </a:p>
@@ -382,10 +380,9 @@
           <a:lstStyle/>
           <a:p>
             <a:r>
-              <a:rPr lang="en-US" smtClean="0"/>
+              <a:rPr lang="en-US"/>
               <a:t>Click to edit Master title style</a:t>
             </a:r>
-            <a:endParaRPr lang="en-US"/>
           </a:p>
         </p:txBody>
       </p:sp>
@@ -406,38 +403,37 @@
           <a:p>
             <a:pPr lvl="0"/>
             <a:r>
-              <a:rPr lang="en-US" smtClean="0"/>
+              <a:rPr lang="en-US"/>
               <a:t>Edit Master text styles</a:t>
             </a:r>
           </a:p>
           <a:p>
             <a:pPr lvl="1"/>
             <a:r>
-              <a:rPr lang="en-US" smtClean="0"/>
+              <a:rPr lang="en-US"/>
               <a:t>Second level</a:t>
             </a:r>
           </a:p>
           <a:p>
             <a:pPr lvl="2"/>
             <a:r>
-              <a:rPr lang="en-US" smtClean="0"/>
+              <a:rPr lang="en-US"/>
               <a:t>Third level</a:t>
             </a:r>
           </a:p>
           <a:p>
             <a:pPr lvl="3"/>
             <a:r>
-              <a:rPr lang="en-US" smtClean="0"/>
+              <a:rPr lang="en-US"/>
               <a:t>Fourth level</a:t>
             </a:r>
           </a:p>
           <a:p>
             <a:pPr lvl="4"/>
             <a:r>
-              <a:rPr lang="en-US" smtClean="0"/>
+              <a:rPr lang="en-US"/>
               <a:t>Fifth level</a:t>
             </a:r>
-            <a:endParaRPr lang="en-US"/>
           </a:p>
         </p:txBody>
       </p:sp>
@@ -458,7 +454,7 @@
           <a:p>
             <a:fld id="{59862215-C9F9-4F8F-B287-5DE5F4FB318C}" type="datetimeFigureOut">
               <a:rPr lang="en-US" smtClean="0"/>
-              <a:t>8/14/2020</a:t>
+              <a:t>8/27/2020</a:t>
             </a:fld>
             <a:endParaRPr lang="en-US"/>
           </a:p>
@@ -557,10 +553,9 @@
           <a:lstStyle/>
           <a:p>
             <a:r>
-              <a:rPr lang="en-US" smtClean="0"/>
+              <a:rPr lang="en-US"/>
               <a:t>Click to edit Master title style</a:t>
             </a:r>
-            <a:endParaRPr lang="en-US"/>
           </a:p>
         </p:txBody>
       </p:sp>
@@ -586,38 +581,37 @@
           <a:p>
             <a:pPr lvl="0"/>
             <a:r>
-              <a:rPr lang="en-US" smtClean="0"/>
+              <a:rPr lang="en-US"/>
               <a:t>Edit Master text styles</a:t>
             </a:r>
           </a:p>
           <a:p>
             <a:pPr lvl="1"/>
             <a:r>
-              <a:rPr lang="en-US" smtClean="0"/>
+              <a:rPr lang="en-US"/>
               <a:t>Second level</a:t>
             </a:r>
           </a:p>
           <a:p>
             <a:pPr lvl="2"/>
             <a:r>
-              <a:rPr lang="en-US" smtClean="0"/>
+              <a:rPr lang="en-US"/>
               <a:t>Third level</a:t>
             </a:r>
           </a:p>
           <a:p>
             <a:pPr lvl="3"/>
             <a:r>
-              <a:rPr lang="en-US" smtClean="0"/>
+              <a:rPr lang="en-US"/>
               <a:t>Fourth level</a:t>
             </a:r>
           </a:p>
           <a:p>
             <a:pPr lvl="4"/>
             <a:r>
-              <a:rPr lang="en-US" smtClean="0"/>
+              <a:rPr lang="en-US"/>
               <a:t>Fifth level</a:t>
             </a:r>
-            <a:endParaRPr lang="en-US"/>
           </a:p>
         </p:txBody>
       </p:sp>
@@ -638,7 +632,7 @@
           <a:p>
             <a:fld id="{59862215-C9F9-4F8F-B287-5DE5F4FB318C}" type="datetimeFigureOut">
               <a:rPr lang="en-US" smtClean="0"/>
-              <a:t>8/14/2020</a:t>
+              <a:t>8/27/2020</a:t>
             </a:fld>
             <a:endParaRPr lang="en-US"/>
           </a:p>
@@ -732,10 +726,9 @@
           <a:lstStyle/>
           <a:p>
             <a:r>
-              <a:rPr lang="en-US" smtClean="0"/>
+              <a:rPr lang="en-US"/>
               <a:t>Click to edit Master title style</a:t>
             </a:r>
-            <a:endParaRPr lang="en-US"/>
           </a:p>
         </p:txBody>
       </p:sp>
@@ -756,38 +749,37 @@
           <a:p>
             <a:pPr lvl="0"/>
             <a:r>
-              <a:rPr lang="en-US" smtClean="0"/>
+              <a:rPr lang="en-US"/>
               <a:t>Edit Master text styles</a:t>
             </a:r>
           </a:p>
           <a:p>
             <a:pPr lvl="1"/>
             <a:r>
-              <a:rPr lang="en-US" smtClean="0"/>
+              <a:rPr lang="en-US"/>
               <a:t>Second level</a:t>
             </a:r>
           </a:p>
           <a:p>
             <a:pPr lvl="2"/>
             <a:r>
-              <a:rPr lang="en-US" smtClean="0"/>
+              <a:rPr lang="en-US"/>
               <a:t>Third level</a:t>
             </a:r>
           </a:p>
           <a:p>
             <a:pPr lvl="3"/>
             <a:r>
-              <a:rPr lang="en-US" smtClean="0"/>
+              <a:rPr lang="en-US"/>
               <a:t>Fourth level</a:t>
             </a:r>
           </a:p>
           <a:p>
             <a:pPr lvl="4"/>
             <a:r>
-              <a:rPr lang="en-US" smtClean="0"/>
+              <a:rPr lang="en-US"/>
               <a:t>Fifth level</a:t>
             </a:r>
-            <a:endParaRPr lang="en-US"/>
           </a:p>
         </p:txBody>
       </p:sp>
@@ -808,7 +800,7 @@
           <a:p>
             <a:fld id="{59862215-C9F9-4F8F-B287-5DE5F4FB318C}" type="datetimeFigureOut">
               <a:rPr lang="en-US" smtClean="0"/>
-              <a:t>8/14/2020</a:t>
+              <a:t>8/27/2020</a:t>
             </a:fld>
             <a:endParaRPr lang="en-US"/>
           </a:p>
@@ -911,10 +903,9 @@
           </a:lstStyle>
           <a:p>
             <a:r>
-              <a:rPr lang="en-US" smtClean="0"/>
+              <a:rPr lang="en-US"/>
               <a:t>Click to edit Master title style</a:t>
             </a:r>
-            <a:endParaRPr lang="en-US"/>
           </a:p>
         </p:txBody>
       </p:sp>
@@ -1031,7 +1022,7 @@
           <a:p>
             <a:pPr lvl="0"/>
             <a:r>
-              <a:rPr lang="en-US" smtClean="0"/>
+              <a:rPr lang="en-US"/>
               <a:t>Edit Master text styles</a:t>
             </a:r>
           </a:p>
@@ -1054,7 +1045,7 @@
           <a:p>
             <a:fld id="{59862215-C9F9-4F8F-B287-5DE5F4FB318C}" type="datetimeFigureOut">
               <a:rPr lang="en-US" smtClean="0"/>
-              <a:t>8/14/2020</a:t>
+              <a:t>8/27/2020</a:t>
             </a:fld>
             <a:endParaRPr lang="en-US"/>
           </a:p>
@@ -1148,10 +1139,9 @@
           <a:lstStyle/>
           <a:p>
             <a:r>
-              <a:rPr lang="en-US" smtClean="0"/>
+              <a:rPr lang="en-US"/>
               <a:t>Click to edit Master title style</a:t>
             </a:r>
-            <a:endParaRPr lang="en-US"/>
           </a:p>
         </p:txBody>
       </p:sp>
@@ -1177,38 +1167,37 @@
           <a:p>
             <a:pPr lvl="0"/>
             <a:r>
-              <a:rPr lang="en-US" smtClean="0"/>
+              <a:rPr lang="en-US"/>
               <a:t>Edit Master text styles</a:t>
             </a:r>
           </a:p>
           <a:p>
             <a:pPr lvl="1"/>
             <a:r>
-              <a:rPr lang="en-US" smtClean="0"/>
+              <a:rPr lang="en-US"/>
               <a:t>Second level</a:t>
             </a:r>
           </a:p>
           <a:p>
             <a:pPr lvl="2"/>
             <a:r>
-              <a:rPr lang="en-US" smtClean="0"/>
+              <a:rPr lang="en-US"/>
               <a:t>Third level</a:t>
             </a:r>
           </a:p>
           <a:p>
             <a:pPr lvl="3"/>
             <a:r>
-              <a:rPr lang="en-US" smtClean="0"/>
+              <a:rPr lang="en-US"/>
               <a:t>Fourth level</a:t>
             </a:r>
           </a:p>
           <a:p>
             <a:pPr lvl="4"/>
             <a:r>
-              <a:rPr lang="en-US" smtClean="0"/>
+              <a:rPr lang="en-US"/>
               <a:t>Fifth level</a:t>
             </a:r>
-            <a:endParaRPr lang="en-US"/>
           </a:p>
         </p:txBody>
       </p:sp>
@@ -1234,38 +1223,37 @@
           <a:p>
             <a:pPr lvl="0"/>
             <a:r>
-              <a:rPr lang="en-US" smtClean="0"/>
+              <a:rPr lang="en-US"/>
               <a:t>Edit Master text styles</a:t>
             </a:r>
           </a:p>
           <a:p>
             <a:pPr lvl="1"/>
             <a:r>
-              <a:rPr lang="en-US" smtClean="0"/>
+              <a:rPr lang="en-US"/>
               <a:t>Second level</a:t>
             </a:r>
           </a:p>
           <a:p>
             <a:pPr lvl="2"/>
             <a:r>
-              <a:rPr lang="en-US" smtClean="0"/>
+              <a:rPr lang="en-US"/>
               <a:t>Third level</a:t>
             </a:r>
           </a:p>
           <a:p>
             <a:pPr lvl="3"/>
             <a:r>
-              <a:rPr lang="en-US" smtClean="0"/>
+              <a:rPr lang="en-US"/>
               <a:t>Fourth level</a:t>
             </a:r>
           </a:p>
           <a:p>
             <a:pPr lvl="4"/>
             <a:r>
-              <a:rPr lang="en-US" smtClean="0"/>
+              <a:rPr lang="en-US"/>
               <a:t>Fifth level</a:t>
             </a:r>
-            <a:endParaRPr lang="en-US"/>
           </a:p>
         </p:txBody>
       </p:sp>
@@ -1286,7 +1274,7 @@
           <a:p>
             <a:fld id="{59862215-C9F9-4F8F-B287-5DE5F4FB318C}" type="datetimeFigureOut">
               <a:rPr lang="en-US" smtClean="0"/>
-              <a:t>8/14/2020</a:t>
+              <a:t>8/27/2020</a:t>
             </a:fld>
             <a:endParaRPr lang="en-US"/>
           </a:p>
@@ -1385,10 +1373,9 @@
           <a:lstStyle/>
           <a:p>
             <a:r>
-              <a:rPr lang="en-US" smtClean="0"/>
+              <a:rPr lang="en-US"/>
               <a:t>Click to edit Master title style</a:t>
             </a:r>
-            <a:endParaRPr lang="en-US"/>
           </a:p>
         </p:txBody>
       </p:sp>
@@ -1451,7 +1438,7 @@
           <a:p>
             <a:pPr lvl="0"/>
             <a:r>
-              <a:rPr lang="en-US" smtClean="0"/>
+              <a:rPr lang="en-US"/>
               <a:t>Edit Master text styles</a:t>
             </a:r>
           </a:p>
@@ -1479,38 +1466,37 @@
           <a:p>
             <a:pPr lvl="0"/>
             <a:r>
-              <a:rPr lang="en-US" smtClean="0"/>
+              <a:rPr lang="en-US"/>
               <a:t>Edit Master text styles</a:t>
             </a:r>
           </a:p>
           <a:p>
             <a:pPr lvl="1"/>
             <a:r>
-              <a:rPr lang="en-US" smtClean="0"/>
+              <a:rPr lang="en-US"/>
               <a:t>Second level</a:t>
             </a:r>
           </a:p>
           <a:p>
             <a:pPr lvl="2"/>
             <a:r>
-              <a:rPr lang="en-US" smtClean="0"/>
+              <a:rPr lang="en-US"/>
               <a:t>Third level</a:t>
             </a:r>
           </a:p>
           <a:p>
             <a:pPr lvl="3"/>
             <a:r>
-              <a:rPr lang="en-US" smtClean="0"/>
+              <a:rPr lang="en-US"/>
               <a:t>Fourth level</a:t>
             </a:r>
           </a:p>
           <a:p>
             <a:pPr lvl="4"/>
             <a:r>
-              <a:rPr lang="en-US" smtClean="0"/>
+              <a:rPr lang="en-US"/>
               <a:t>Fifth level</a:t>
             </a:r>
-            <a:endParaRPr lang="en-US"/>
           </a:p>
         </p:txBody>
       </p:sp>
@@ -1573,7 +1559,7 @@
           <a:p>
             <a:pPr lvl="0"/>
             <a:r>
-              <a:rPr lang="en-US" smtClean="0"/>
+              <a:rPr lang="en-US"/>
               <a:t>Edit Master text styles</a:t>
             </a:r>
           </a:p>
@@ -1601,38 +1587,37 @@
           <a:p>
             <a:pPr lvl="0"/>
             <a:r>
-              <a:rPr lang="en-US" smtClean="0"/>
+              <a:rPr lang="en-US"/>
               <a:t>Edit Master text styles</a:t>
             </a:r>
           </a:p>
           <a:p>
             <a:pPr lvl="1"/>
             <a:r>
-              <a:rPr lang="en-US" smtClean="0"/>
+              <a:rPr lang="en-US"/>
               <a:t>Second level</a:t>
             </a:r>
           </a:p>
           <a:p>
             <a:pPr lvl="2"/>
             <a:r>
-              <a:rPr lang="en-US" smtClean="0"/>
+              <a:rPr lang="en-US"/>
               <a:t>Third level</a:t>
             </a:r>
           </a:p>
           <a:p>
             <a:pPr lvl="3"/>
             <a:r>
-              <a:rPr lang="en-US" smtClean="0"/>
+              <a:rPr lang="en-US"/>
               <a:t>Fourth level</a:t>
             </a:r>
           </a:p>
           <a:p>
             <a:pPr lvl="4"/>
             <a:r>
-              <a:rPr lang="en-US" smtClean="0"/>
+              <a:rPr lang="en-US"/>
               <a:t>Fifth level</a:t>
             </a:r>
-            <a:endParaRPr lang="en-US"/>
           </a:p>
         </p:txBody>
       </p:sp>
@@ -1653,7 +1638,7 @@
           <a:p>
             <a:fld id="{59862215-C9F9-4F8F-B287-5DE5F4FB318C}" type="datetimeFigureOut">
               <a:rPr lang="en-US" smtClean="0"/>
-              <a:t>8/14/2020</a:t>
+              <a:t>8/27/2020</a:t>
             </a:fld>
             <a:endParaRPr lang="en-US"/>
           </a:p>
@@ -1747,10 +1732,9 @@
           <a:lstStyle/>
           <a:p>
             <a:r>
-              <a:rPr lang="en-US" smtClean="0"/>
+              <a:rPr lang="en-US"/>
               <a:t>Click to edit Master title style</a:t>
             </a:r>
-            <a:endParaRPr lang="en-US"/>
           </a:p>
         </p:txBody>
       </p:sp>
@@ -1771,7 +1755,7 @@
           <a:p>
             <a:fld id="{59862215-C9F9-4F8F-B287-5DE5F4FB318C}" type="datetimeFigureOut">
               <a:rPr lang="en-US" smtClean="0"/>
-              <a:t>8/14/2020</a:t>
+              <a:t>8/27/2020</a:t>
             </a:fld>
             <a:endParaRPr lang="en-US"/>
           </a:p>
@@ -1866,7 +1850,7 @@
           <a:p>
             <a:fld id="{59862215-C9F9-4F8F-B287-5DE5F4FB318C}" type="datetimeFigureOut">
               <a:rPr lang="en-US" smtClean="0"/>
-              <a:t>8/14/2020</a:t>
+              <a:t>8/27/2020</a:t>
             </a:fld>
             <a:endParaRPr lang="en-US"/>
           </a:p>
@@ -1969,10 +1953,9 @@
           </a:lstStyle>
           <a:p>
             <a:r>
-              <a:rPr lang="en-US" smtClean="0"/>
+              <a:rPr lang="en-US"/>
               <a:t>Click to edit Master title style</a:t>
             </a:r>
-            <a:endParaRPr lang="en-US"/>
           </a:p>
         </p:txBody>
       </p:sp>
@@ -2026,38 +2009,37 @@
           <a:p>
             <a:pPr lvl="0"/>
             <a:r>
-              <a:rPr lang="en-US" smtClean="0"/>
+              <a:rPr lang="en-US"/>
               <a:t>Edit Master text styles</a:t>
             </a:r>
           </a:p>
           <a:p>
             <a:pPr lvl="1"/>
             <a:r>
-              <a:rPr lang="en-US" smtClean="0"/>
+              <a:rPr lang="en-US"/>
               <a:t>Second level</a:t>
             </a:r>
           </a:p>
           <a:p>
             <a:pPr lvl="2"/>
             <a:r>
-              <a:rPr lang="en-US" smtClean="0"/>
+              <a:rPr lang="en-US"/>
               <a:t>Third level</a:t>
             </a:r>
           </a:p>
           <a:p>
             <a:pPr lvl="3"/>
             <a:r>
-              <a:rPr lang="en-US" smtClean="0"/>
+              <a:rPr lang="en-US"/>
               <a:t>Fourth level</a:t>
             </a:r>
           </a:p>
           <a:p>
             <a:pPr lvl="4"/>
             <a:r>
-              <a:rPr lang="en-US" smtClean="0"/>
+              <a:rPr lang="en-US"/>
               <a:t>Fifth level</a:t>
             </a:r>
-            <a:endParaRPr lang="en-US"/>
           </a:p>
         </p:txBody>
       </p:sp>
@@ -2120,7 +2102,7 @@
           <a:p>
             <a:pPr lvl="0"/>
             <a:r>
-              <a:rPr lang="en-US" smtClean="0"/>
+              <a:rPr lang="en-US"/>
               <a:t>Edit Master text styles</a:t>
             </a:r>
           </a:p>
@@ -2143,7 +2125,7 @@
           <a:p>
             <a:fld id="{59862215-C9F9-4F8F-B287-5DE5F4FB318C}" type="datetimeFigureOut">
               <a:rPr lang="en-US" smtClean="0"/>
-              <a:t>8/14/2020</a:t>
+              <a:t>8/27/2020</a:t>
             </a:fld>
             <a:endParaRPr lang="en-US"/>
           </a:p>
@@ -2246,10 +2228,9 @@
           </a:lstStyle>
           <a:p>
             <a:r>
-              <a:rPr lang="en-US" smtClean="0"/>
+              <a:rPr lang="en-US"/>
               <a:t>Click to edit Master title style</a:t>
             </a:r>
-            <a:endParaRPr lang="en-US"/>
           </a:p>
         </p:txBody>
       </p:sp>
@@ -2373,7 +2354,7 @@
           <a:p>
             <a:pPr lvl="0"/>
             <a:r>
-              <a:rPr lang="en-US" smtClean="0"/>
+              <a:rPr lang="en-US"/>
               <a:t>Edit Master text styles</a:t>
             </a:r>
           </a:p>
@@ -2396,7 +2377,7 @@
           <a:p>
             <a:fld id="{59862215-C9F9-4F8F-B287-5DE5F4FB318C}" type="datetimeFigureOut">
               <a:rPr lang="en-US" smtClean="0"/>
-              <a:t>8/14/2020</a:t>
+              <a:t>8/27/2020</a:t>
             </a:fld>
             <a:endParaRPr lang="en-US"/>
           </a:p>
@@ -2505,10 +2486,9 @@
           <a:lstStyle/>
           <a:p>
             <a:r>
-              <a:rPr lang="en-US" smtClean="0"/>
+              <a:rPr lang="en-US"/>
               <a:t>Click to edit Master title style</a:t>
             </a:r>
-            <a:endParaRPr lang="en-US"/>
           </a:p>
         </p:txBody>
       </p:sp>
@@ -2539,38 +2519,37 @@
           <a:p>
             <a:pPr lvl="0"/>
             <a:r>
-              <a:rPr lang="en-US" smtClean="0"/>
+              <a:rPr lang="en-US"/>
               <a:t>Edit Master text styles</a:t>
             </a:r>
           </a:p>
           <a:p>
             <a:pPr lvl="1"/>
             <a:r>
-              <a:rPr lang="en-US" smtClean="0"/>
+              <a:rPr lang="en-US"/>
               <a:t>Second level</a:t>
             </a:r>
           </a:p>
           <a:p>
             <a:pPr lvl="2"/>
             <a:r>
-              <a:rPr lang="en-US" smtClean="0"/>
+              <a:rPr lang="en-US"/>
               <a:t>Third level</a:t>
             </a:r>
           </a:p>
           <a:p>
             <a:pPr lvl="3"/>
             <a:r>
-              <a:rPr lang="en-US" smtClean="0"/>
+              <a:rPr lang="en-US"/>
               <a:t>Fourth level</a:t>
             </a:r>
           </a:p>
           <a:p>
             <a:pPr lvl="4"/>
             <a:r>
-              <a:rPr lang="en-US" smtClean="0"/>
+              <a:rPr lang="en-US"/>
               <a:t>Fifth level</a:t>
             </a:r>
-            <a:endParaRPr lang="en-US"/>
           </a:p>
         </p:txBody>
       </p:sp>
@@ -2609,7 +2588,7 @@
           <a:p>
             <a:fld id="{59862215-C9F9-4F8F-B287-5DE5F4FB318C}" type="datetimeFigureOut">
               <a:rPr lang="en-US" smtClean="0"/>
-              <a:t>8/14/2020</a:t>
+              <a:t>8/27/2020</a:t>
             </a:fld>
             <a:endParaRPr lang="en-US"/>
           </a:p>
@@ -3037,16 +3016,12 @@
           <a:lstStyle/>
           <a:p>
             <a:r>
-              <a:rPr lang="en-US" sz="1200" dirty="0" smtClean="0">
+              <a:rPr lang="en-US" sz="1200" dirty="0">
                 <a:latin typeface="Arial" panose="020B0604020202020204" pitchFamily="34" charset="0"/>
                 <a:cs typeface="Arial" panose="020B0604020202020204" pitchFamily="34" charset="0"/>
               </a:rPr>
               <a:t>Boxplot show mean+/- SD of MK2 transcript levels in the TCGA-LUAD (Lung cancer) dataset. We divided the tumor stage into Early (Stage I-IIB) and Late (Stage IIIA and IV). MK2 expression was extracted from TCGA mRNA sequencing data </a:t>
             </a:r>
-            <a:endParaRPr lang="en-US" sz="1200" dirty="0">
-              <a:latin typeface="Arial" panose="020B0604020202020204" pitchFamily="34" charset="0"/>
-              <a:cs typeface="Arial" panose="020B0604020202020204" pitchFamily="34" charset="0"/>
-            </a:endParaRPr>
           </a:p>
         </p:txBody>
       </p:sp>
@@ -3083,17 +3058,124 @@
   <p:clrMapOvr>
     <a:masterClrMapping/>
   </p:clrMapOvr>
-  <p:timing>
-    <p:tnLst>
-      <p:par>
-        <p:cTn id="1" dur="indefinite" restart="never" nodeType="tmRoot"/>
-      </p:par>
-    </p:tnLst>
-  </p:timing>
 </p:sld>
 </file>
 
 <file path=ppt/slides/slide10.xml><?xml version="1.0" encoding="utf-8"?>
+<p:sld xmlns:a="http://schemas.openxmlformats.org/drawingml/2006/main" xmlns:r="http://schemas.openxmlformats.org/officeDocument/2006/relationships" xmlns:p="http://schemas.openxmlformats.org/presentationml/2006/main">
+  <p:cSld>
+    <p:spTree>
+      <p:nvGrpSpPr>
+        <p:cNvPr id="1" name=""/>
+        <p:cNvGrpSpPr/>
+        <p:nvPr/>
+      </p:nvGrpSpPr>
+      <p:grpSpPr>
+        <a:xfrm>
+          <a:off x="0" y="0"/>
+          <a:ext cx="0" cy="0"/>
+          <a:chOff x="0" y="0"/>
+          <a:chExt cx="0" cy="0"/>
+        </a:xfrm>
+      </p:grpSpPr>
+      <p:pic>
+        <p:nvPicPr>
+          <p:cNvPr id="6" name="Picture 5"/>
+          <p:cNvPicPr>
+            <a:picLocks noChangeAspect="1"/>
+          </p:cNvPicPr>
+          <p:nvPr/>
+        </p:nvPicPr>
+        <p:blipFill rotWithShape="1">
+          <a:blip r:embed="rId2"/>
+          <a:srcRect b="11308"/>
+          <a:stretch/>
+        </p:blipFill>
+        <p:spPr>
+          <a:xfrm>
+            <a:off x="2613037" y="656962"/>
+            <a:ext cx="7274383" cy="3981667"/>
+          </a:xfrm>
+          <a:prstGeom prst="rect">
+            <a:avLst/>
+          </a:prstGeom>
+        </p:spPr>
+      </p:pic>
+      <p:sp>
+        <p:nvSpPr>
+          <p:cNvPr id="7" name="TextBox 6"/>
+          <p:cNvSpPr txBox="1"/>
+          <p:nvPr/>
+        </p:nvSpPr>
+        <p:spPr>
+          <a:xfrm>
+            <a:off x="2452254" y="4771248"/>
+            <a:ext cx="6650182" cy="2031325"/>
+          </a:xfrm>
+          <a:prstGeom prst="rect">
+            <a:avLst/>
+          </a:prstGeom>
+          <a:noFill/>
+        </p:spPr>
+        <p:txBody>
+          <a:bodyPr wrap="square" rtlCol="0">
+            <a:spAutoFit/>
+          </a:bodyPr>
+          <a:lstStyle/>
+          <a:p>
+            <a:r>
+              <a:rPr lang="en-US" sz="1400" dirty="0">
+                <a:latin typeface="Arial" panose="020B0604020202020204" pitchFamily="34" charset="0"/>
+                <a:cs typeface="Arial" panose="020B0604020202020204" pitchFamily="34" charset="0"/>
+              </a:rPr>
+              <a:t>Validation plot to make sure that censoring at one year was done properly. So, we have colored each patient’s vital status by alive or dead, and we have faceted by whether they were assigned as “Death in one year” or not. So, if our code worked, all patients who died in less than one year (blue color; y &lt; 365) should be classified as dead at one year (“1”). All patients who were alive in that time period should be classified as red and in the “0” column. After 365 days, everyone should have gotten a classification of “0” for death at one year, since they are all by definition still alive at 1 year, regardless of subsequent alive or dead status (color should mix, all colors in the “0” column). And that’s what we see…</a:t>
+            </a:r>
+          </a:p>
+        </p:txBody>
+      </p:sp>
+      <p:sp>
+        <p:nvSpPr>
+          <p:cNvPr id="8" name="TextBox 7"/>
+          <p:cNvSpPr txBox="1"/>
+          <p:nvPr/>
+        </p:nvSpPr>
+        <p:spPr>
+          <a:xfrm>
+            <a:off x="4060769" y="287630"/>
+            <a:ext cx="2739043" cy="369332"/>
+          </a:xfrm>
+          <a:prstGeom prst="rect">
+            <a:avLst/>
+          </a:prstGeom>
+          <a:noFill/>
+        </p:spPr>
+        <p:txBody>
+          <a:bodyPr wrap="square" rtlCol="0">
+            <a:spAutoFit/>
+          </a:bodyPr>
+          <a:lstStyle/>
+          <a:p>
+            <a:r>
+              <a:rPr lang="en-US" dirty="0"/>
+              <a:t>Death at one year status </a:t>
+            </a:r>
+          </a:p>
+        </p:txBody>
+      </p:sp>
+    </p:spTree>
+    <p:extLst>
+      <p:ext uri="{BB962C8B-B14F-4D97-AF65-F5344CB8AC3E}">
+        <p14:creationId xmlns:p14="http://schemas.microsoft.com/office/powerpoint/2010/main" val="1795537270"/>
+      </p:ext>
+    </p:extLst>
+  </p:cSld>
+  <p:clrMapOvr>
+    <a:masterClrMapping/>
+  </p:clrMapOvr>
+</p:sld>
+</file>
+
+<file path=ppt/slides/slide11.xml><?xml version="1.0" encoding="utf-8"?>
 <p:sld xmlns:a="http://schemas.openxmlformats.org/drawingml/2006/main" xmlns:r="http://schemas.openxmlformats.org/officeDocument/2006/relationships" xmlns:p="http://schemas.openxmlformats.org/presentationml/2006/main">
   <p:cSld>
     <p:spTree>
@@ -3157,16 +3239,12 @@
           <a:lstStyle/>
           <a:p>
             <a:r>
-              <a:rPr lang="en-US" sz="1200" dirty="0" smtClean="0">
+              <a:rPr lang="en-US" sz="1200" dirty="0">
                 <a:latin typeface="Arial" panose="020B0604020202020204" pitchFamily="34" charset="0"/>
                 <a:cs typeface="Arial" panose="020B0604020202020204" pitchFamily="34" charset="0"/>
               </a:rPr>
               <a:t>Boxplot show mean+/- SD of MK2 transcript levels in the TCGA-LUAD (Lung cancer) dataset subdivided by both stage and tumor histology. Though LUAD is a adenocarcinoma dataset, it does include some non-adenocarcinoma samples. We divided the tumor stage into Early (Stage I-IIB) and Late (Stage IIIA and IV). MK2 expression was extracted from TCGA mRNA sequencing data </a:t>
             </a:r>
-            <a:endParaRPr lang="en-US" sz="1200" dirty="0">
-              <a:latin typeface="Arial" panose="020B0604020202020204" pitchFamily="34" charset="0"/>
-              <a:cs typeface="Arial" panose="020B0604020202020204" pitchFamily="34" charset="0"/>
-            </a:endParaRPr>
           </a:p>
         </p:txBody>
       </p:sp>
@@ -3180,170 +3258,6 @@
   <p:clrMapOvr>
     <a:masterClrMapping/>
   </p:clrMapOvr>
-  <p:timing>
-    <p:tnLst>
-      <p:par>
-        <p:cTn id="1" dur="indefinite" restart="never" nodeType="tmRoot"/>
-      </p:par>
-    </p:tnLst>
-  </p:timing>
-</p:sld>
-</file>
-
-<file path=ppt/slides/slide11.xml><?xml version="1.0" encoding="utf-8"?>
-<p:sld xmlns:a="http://schemas.openxmlformats.org/drawingml/2006/main" xmlns:r="http://schemas.openxmlformats.org/officeDocument/2006/relationships" xmlns:p="http://schemas.openxmlformats.org/presentationml/2006/main">
-  <p:cSld>
-    <p:spTree>
-      <p:nvGrpSpPr>
-        <p:cNvPr id="1" name=""/>
-        <p:cNvGrpSpPr/>
-        <p:nvPr/>
-      </p:nvGrpSpPr>
-      <p:grpSpPr>
-        <a:xfrm>
-          <a:off x="0" y="0"/>
-          <a:ext cx="0" cy="0"/>
-          <a:chOff x="0" y="0"/>
-          <a:chExt cx="0" cy="0"/>
-        </a:xfrm>
-      </p:grpSpPr>
-      <p:pic>
-        <p:nvPicPr>
-          <p:cNvPr id="4" name="Picture 3"/>
-          <p:cNvPicPr>
-            <a:picLocks noChangeAspect="1"/>
-          </p:cNvPicPr>
-          <p:nvPr/>
-        </p:nvPicPr>
-        <p:blipFill>
-          <a:blip r:embed="rId2"/>
-          <a:stretch>
-            <a:fillRect/>
-          </a:stretch>
-        </p:blipFill>
-        <p:spPr>
-          <a:xfrm>
-            <a:off x="2762666" y="1371857"/>
-            <a:ext cx="6666667" cy="4114286"/>
-          </a:xfrm>
-          <a:prstGeom prst="rect">
-            <a:avLst/>
-          </a:prstGeom>
-        </p:spPr>
-      </p:pic>
-      <p:sp>
-        <p:nvSpPr>
-          <p:cNvPr id="5" name="TextBox 4"/>
-          <p:cNvSpPr txBox="1"/>
-          <p:nvPr/>
-        </p:nvSpPr>
-        <p:spPr>
-          <a:xfrm>
-            <a:off x="3200400" y="5486143"/>
-            <a:ext cx="6603999" cy="523220"/>
-          </a:xfrm>
-          <a:prstGeom prst="rect">
-            <a:avLst/>
-          </a:prstGeom>
-          <a:noFill/>
-        </p:spPr>
-        <p:txBody>
-          <a:bodyPr wrap="square" rtlCol="0">
-            <a:spAutoFit/>
-          </a:bodyPr>
-          <a:lstStyle/>
-          <a:p>
-            <a:r>
-              <a:rPr lang="en-US" sz="1400" dirty="0" smtClean="0">
-                <a:latin typeface="Arial" panose="020B0604020202020204" pitchFamily="34" charset="0"/>
-                <a:cs typeface="Arial" panose="020B0604020202020204" pitchFamily="34" charset="0"/>
-              </a:rPr>
-              <a:t>Graphs showing proportion of people who died within each quantile of MK2 expression in early- and late-stage NSCLC</a:t>
-            </a:r>
-            <a:endParaRPr lang="en-US" sz="1400" dirty="0">
-              <a:latin typeface="Arial" panose="020B0604020202020204" pitchFamily="34" charset="0"/>
-              <a:cs typeface="Arial" panose="020B0604020202020204" pitchFamily="34" charset="0"/>
-            </a:endParaRPr>
-          </a:p>
-        </p:txBody>
-      </p:sp>
-      <p:sp>
-        <p:nvSpPr>
-          <p:cNvPr id="6" name="TextBox 5"/>
-          <p:cNvSpPr txBox="1"/>
-          <p:nvPr/>
-        </p:nvSpPr>
-        <p:spPr>
-          <a:xfrm>
-            <a:off x="3784600" y="1075266"/>
-            <a:ext cx="1188210" cy="369332"/>
-          </a:xfrm>
-          <a:prstGeom prst="rect">
-            <a:avLst/>
-          </a:prstGeom>
-          <a:noFill/>
-        </p:spPr>
-        <p:txBody>
-          <a:bodyPr wrap="none" rtlCol="0">
-            <a:spAutoFit/>
-          </a:bodyPr>
-          <a:lstStyle/>
-          <a:p>
-            <a:r>
-              <a:rPr lang="en-US" dirty="0" smtClean="0"/>
-              <a:t>Early stage</a:t>
-            </a:r>
-            <a:endParaRPr lang="en-US" dirty="0"/>
-          </a:p>
-        </p:txBody>
-      </p:sp>
-      <p:sp>
-        <p:nvSpPr>
-          <p:cNvPr id="7" name="TextBox 6"/>
-          <p:cNvSpPr txBox="1"/>
-          <p:nvPr/>
-        </p:nvSpPr>
-        <p:spPr>
-          <a:xfrm>
-            <a:off x="7315200" y="1060190"/>
-            <a:ext cx="1128129" cy="369332"/>
-          </a:xfrm>
-          <a:prstGeom prst="rect">
-            <a:avLst/>
-          </a:prstGeom>
-          <a:noFill/>
-        </p:spPr>
-        <p:txBody>
-          <a:bodyPr wrap="none" rtlCol="0">
-            <a:spAutoFit/>
-          </a:bodyPr>
-          <a:lstStyle/>
-          <a:p>
-            <a:r>
-              <a:rPr lang="en-US" dirty="0" smtClean="0"/>
-              <a:t>Late stage</a:t>
-            </a:r>
-            <a:endParaRPr lang="en-US" dirty="0"/>
-          </a:p>
-        </p:txBody>
-      </p:sp>
-    </p:spTree>
-    <p:extLst>
-      <p:ext uri="{BB962C8B-B14F-4D97-AF65-F5344CB8AC3E}">
-        <p14:creationId xmlns:p14="http://schemas.microsoft.com/office/powerpoint/2010/main" val="2012408562"/>
-      </p:ext>
-    </p:extLst>
-  </p:cSld>
-  <p:clrMapOvr>
-    <a:masterClrMapping/>
-  </p:clrMapOvr>
-  <p:timing>
-    <p:tnLst>
-      <p:par>
-        <p:cTn id="1" dur="indefinite" restart="never" nodeType="tmRoot"/>
-      </p:par>
-    </p:tnLst>
-  </p:timing>
 </p:sld>
 </file>
 
@@ -3382,11 +3296,11 @@
           <a:lstStyle/>
           <a:p>
             <a:r>
-              <a:rPr lang="en-US" dirty="0" smtClean="0"/>
+              <a:rPr lang="en-US" dirty="0"/>
               <a:t>Pan Cancer Analysis – not included in the current manuscript</a:t>
             </a:r>
             <a:br>
-              <a:rPr lang="en-US" dirty="0" smtClean="0"/>
+              <a:rPr lang="en-US" dirty="0"/>
             </a:br>
             <a:endParaRPr lang="en-US" dirty="0"/>
           </a:p>
@@ -3408,10 +3322,9 @@
           <a:lstStyle/>
           <a:p>
             <a:r>
-              <a:rPr lang="en-US" dirty="0" smtClean="0"/>
+              <a:rPr lang="en-US" dirty="0"/>
               <a:t>Here, we ask the question: is this relationship between MK2 transcript and improved 1 year survival in early stage cancer something that is specific to lung adenocarcinoma, or do we see this in other tumor types. For this, we downloaded MK2 transcript data and clinical data for a variety of tumor types. </a:t>
             </a:r>
-            <a:endParaRPr lang="en-US" dirty="0"/>
           </a:p>
         </p:txBody>
       </p:sp>
@@ -3425,13 +3338,6 @@
   <p:clrMapOvr>
     <a:masterClrMapping/>
   </p:clrMapOvr>
-  <p:timing>
-    <p:tnLst>
-      <p:par>
-        <p:cTn id="1" dur="indefinite" restart="never" nodeType="tmRoot"/>
-      </p:par>
-    </p:tnLst>
-  </p:timing>
 </p:sld>
 </file>
 
@@ -3537,16 +3443,12 @@
           <a:lstStyle/>
           <a:p>
             <a:r>
-              <a:rPr lang="en-US" sz="1200" dirty="0" smtClean="0">
+              <a:rPr lang="en-US" sz="1200" dirty="0">
                 <a:latin typeface="Arial" panose="020B0604020202020204" pitchFamily="34" charset="0"/>
                 <a:cs typeface="Arial" panose="020B0604020202020204" pitchFamily="34" charset="0"/>
               </a:rPr>
               <a:t>Boxplot show mean+/- SD of MK2 transcript levels in early vs. late stage cancer across cancer types. BLCA=bladder cancer, BRCA=breast cancer, COAD=colon adenocarcinoma; ESCA=Esophageal carcinoma; KIRC= Kidney renal clear cell carcinoma; KIRP=kidney renal papillary cell carcinoma; LIHC=liver hepatocellular carcinoma; LUAD=Lung adenocarcinoma; LUSC=Lung Squamous cell carcinoma; PAAD=pancreatic adenocarcinoma; READ=rectum adenocarcinoma; SKCM=skin cutaneous melanoma; STAD=stomach adenocarcinoma</a:t>
             </a:r>
-            <a:endParaRPr lang="en-US" sz="1200" dirty="0">
-              <a:latin typeface="Arial" panose="020B0604020202020204" pitchFamily="34" charset="0"/>
-              <a:cs typeface="Arial" panose="020B0604020202020204" pitchFamily="34" charset="0"/>
-            </a:endParaRPr>
           </a:p>
         </p:txBody>
       </p:sp>
@@ -3646,16 +3548,12 @@
           <a:lstStyle/>
           <a:p>
             <a:r>
-              <a:rPr lang="en-US" sz="1200" dirty="0" smtClean="0">
+              <a:rPr lang="en-US" sz="1200" dirty="0">
                 <a:latin typeface="Arial" panose="020B0604020202020204" pitchFamily="34" charset="0"/>
                 <a:cs typeface="Arial" panose="020B0604020202020204" pitchFamily="34" charset="0"/>
               </a:rPr>
               <a:t>Bar graphs showing difference in MK2 transcript levels between early and late (i.e. Early-late transcript level) across cancer types. BLCA=bladder cancer, BRCA=breast cancer, COAD=colon adenocarcinoma; ESCA=Esophageal carcinoma; KIRC= Kidney renal clear cell carcinoma; KIRP=kidney renal papillary cell carcinoma; LIHC=liver hepatocellular carcinoma; LUAD=Lung adenocarcinoma; LUSC=Lung Squamous cell carcinoma; PAAD=pancreatic adenocarcinoma; READ=rectum adenocarcinoma; SKCM=skin cutaneous melanoma; STAD=stomach adenocarcinoma</a:t>
             </a:r>
-            <a:endParaRPr lang="en-US" sz="1200" dirty="0">
-              <a:latin typeface="Arial" panose="020B0604020202020204" pitchFamily="34" charset="0"/>
-              <a:cs typeface="Arial" panose="020B0604020202020204" pitchFamily="34" charset="0"/>
-            </a:endParaRPr>
           </a:p>
         </p:txBody>
       </p:sp>
@@ -3736,16 +3634,12 @@
           <a:lstStyle/>
           <a:p>
             <a:r>
-              <a:rPr lang="en-US" sz="1200" dirty="0" smtClean="0">
+              <a:rPr lang="en-US" sz="1200" dirty="0">
                 <a:latin typeface="Arial" panose="020B0604020202020204" pitchFamily="34" charset="0"/>
                 <a:cs typeface="Arial" panose="020B0604020202020204" pitchFamily="34" charset="0"/>
               </a:rPr>
               <a:t>Forest plot showing Hazard ratio (and CI) for 1 year survival in patients with high MK2 transcript level (compared to low MK2 transcript level) in select early stage cancers. Interestingly, the phenomenon of lower HR is present only in lung adenocarcinoma (LUAD) and pancreatic adenocarcinoma (PAAD) </a:t>
             </a:r>
-            <a:endParaRPr lang="en-US" sz="1200" dirty="0">
-              <a:latin typeface="Arial" panose="020B0604020202020204" pitchFamily="34" charset="0"/>
-              <a:cs typeface="Arial" panose="020B0604020202020204" pitchFamily="34" charset="0"/>
-            </a:endParaRPr>
           </a:p>
         </p:txBody>
       </p:sp>
@@ -3759,13 +3653,6 @@
   <p:clrMapOvr>
     <a:masterClrMapping/>
   </p:clrMapOvr>
-  <p:timing>
-    <p:tnLst>
-      <p:par>
-        <p:cTn id="1" dur="indefinite" restart="never" nodeType="tmRoot"/>
-      </p:par>
-    </p:tnLst>
-  </p:timing>
 </p:sld>
 </file>
 
@@ -3795,14 +3682,14 @@
           <p:nvPr>
             <p:extLst>
               <p:ext uri="{D42A27DB-BD31-4B8C-83A1-F6EECF244321}">
-                <p14:modId xmlns:p14="http://schemas.microsoft.com/office/powerpoint/2010/main" val="1382101868"/>
+                <p14:modId xmlns:p14="http://schemas.microsoft.com/office/powerpoint/2010/main" val="4118420255"/>
               </p:ext>
             </p:extLst>
           </p:nvPr>
         </p:nvGraphicFramePr>
         <p:xfrm>
           <a:off x="307571" y="700741"/>
-          <a:ext cx="11629505" cy="2350328"/>
+          <a:ext cx="11629505" cy="2655128"/>
         </p:xfrm>
         <a:graphic>
           <a:graphicData uri="http://schemas.openxmlformats.org/drawingml/2006/table">
@@ -3868,16 +3755,12 @@
                     <a:lstStyle/>
                     <a:p>
                       <a:r>
-                        <a:rPr lang="en-US" sz="1400" dirty="0" smtClean="0">
+                        <a:rPr lang="en-US" sz="1400" dirty="0">
                           <a:latin typeface="Arial" panose="020B0604020202020204" pitchFamily="34" charset="0"/>
                           <a:cs typeface="Arial" panose="020B0604020202020204" pitchFamily="34" charset="0"/>
                         </a:rPr>
                         <a:t>Model type</a:t>
                       </a:r>
-                      <a:endParaRPr lang="en-US" sz="1400" dirty="0">
-                        <a:latin typeface="Arial" panose="020B0604020202020204" pitchFamily="34" charset="0"/>
-                        <a:cs typeface="Arial" panose="020B0604020202020204" pitchFamily="34" charset="0"/>
-                      </a:endParaRPr>
                     </a:p>
                   </a:txBody>
                   <a:tcPr/>
@@ -3889,12 +3772,21 @@
                     <a:p>
                       <a:pPr algn="ctr"/>
                       <a:r>
-                        <a:rPr lang="en-US" sz="1400" b="0" dirty="0" smtClean="0">
+                        <a:rPr lang="en-US" sz="1400" b="0" dirty="0">
                           <a:latin typeface="Arial" panose="020B0604020202020204" pitchFamily="34" charset="0"/>
                           <a:cs typeface="Arial" panose="020B0604020202020204" pitchFamily="34" charset="0"/>
                         </a:rPr>
                         <a:t>Early Stage</a:t>
                       </a:r>
+                    </a:p>
+                  </a:txBody>
+                  <a:tcPr/>
+                </a:tc>
+                <a:tc hMerge="1">
+                  <a:txBody>
+                    <a:bodyPr/>
+                    <a:lstStyle/>
+                    <a:p>
                       <a:endParaRPr lang="en-US" sz="1400" b="0" dirty="0">
                         <a:latin typeface="Arial" panose="020B0604020202020204" pitchFamily="34" charset="0"/>
                         <a:cs typeface="Arial" panose="020B0604020202020204" pitchFamily="34" charset="0"/>
@@ -3908,6 +3800,7 @@
                     <a:bodyPr/>
                     <a:lstStyle/>
                     <a:p>
+                      <a:pPr algn="ctr"/>
                       <a:endParaRPr lang="en-US" sz="1400" b="0" dirty="0">
                         <a:latin typeface="Arial" panose="020B0604020202020204" pitchFamily="34" charset="0"/>
                         <a:cs typeface="Arial" panose="020B0604020202020204" pitchFamily="34" charset="0"/>
@@ -3916,20 +3809,6 @@
                   </a:txBody>
                   <a:tcPr/>
                 </a:tc>
-                <a:tc hMerge="1">
-                  <a:txBody>
-                    <a:bodyPr/>
-                    <a:lstStyle/>
-                    <a:p>
-                      <a:pPr algn="ctr"/>
-                      <a:endParaRPr lang="en-US" sz="1400" b="0" dirty="0">
-                        <a:latin typeface="Arial" panose="020B0604020202020204" pitchFamily="34" charset="0"/>
-                        <a:cs typeface="Arial" panose="020B0604020202020204" pitchFamily="34" charset="0"/>
-                      </a:endParaRPr>
-                    </a:p>
-                  </a:txBody>
-                  <a:tcPr/>
-                </a:tc>
                 <a:tc gridSpan="3">
                   <a:txBody>
                     <a:bodyPr/>
@@ -3937,16 +3816,12 @@
                     <a:p>
                       <a:pPr algn="ctr"/>
                       <a:r>
-                        <a:rPr lang="en-US" sz="1400" b="0" dirty="0" smtClean="0">
+                        <a:rPr lang="en-US" sz="1400" b="0" dirty="0">
                           <a:latin typeface="Arial" panose="020B0604020202020204" pitchFamily="34" charset="0"/>
                           <a:cs typeface="Arial" panose="020B0604020202020204" pitchFamily="34" charset="0"/>
                         </a:rPr>
                         <a:t>Late Stage</a:t>
                       </a:r>
-                      <a:endParaRPr lang="en-US" sz="1400" b="0" dirty="0">
-                        <a:latin typeface="Arial" panose="020B0604020202020204" pitchFamily="34" charset="0"/>
-                        <a:cs typeface="Arial" panose="020B0604020202020204" pitchFamily="34" charset="0"/>
-                      </a:endParaRPr>
                     </a:p>
                   </a:txBody>
                   <a:tcPr/>
@@ -3992,16 +3867,12 @@
                     <a:lstStyle/>
                     <a:p>
                       <a:r>
-                        <a:rPr lang="en-US" sz="1400" dirty="0" smtClean="0">
+                        <a:rPr lang="en-US" sz="1400" dirty="0">
                           <a:latin typeface="Arial" panose="020B0604020202020204" pitchFamily="34" charset="0"/>
                           <a:cs typeface="Arial" panose="020B0604020202020204" pitchFamily="34" charset="0"/>
                         </a:rPr>
                         <a:t>Variable</a:t>
                       </a:r>
-                      <a:endParaRPr lang="en-US" sz="1400" dirty="0">
-                        <a:latin typeface="Arial" panose="020B0604020202020204" pitchFamily="34" charset="0"/>
-                        <a:cs typeface="Arial" panose="020B0604020202020204" pitchFamily="34" charset="0"/>
-                      </a:endParaRPr>
                     </a:p>
                   </a:txBody>
                   <a:tcPr/>
@@ -4013,14 +3884,14 @@
                     <a:p>
                       <a:pPr algn="ctr"/>
                       <a:r>
-                        <a:rPr lang="en-US" sz="1400" b="1" dirty="0" smtClean="0">
+                        <a:rPr lang="en-US" sz="1400" b="1" dirty="0">
                           <a:latin typeface="Arial" panose="020B0604020202020204" pitchFamily="34" charset="0"/>
                           <a:cs typeface="Arial" panose="020B0604020202020204" pitchFamily="34" charset="0"/>
                         </a:rPr>
                         <a:t>Model 1</a:t>
                       </a:r>
                       <a:r>
-                        <a:rPr lang="en-US" sz="1400" b="1" baseline="30000" dirty="0" smtClean="0">
+                        <a:rPr lang="en-US" sz="1400" b="1" baseline="30000" dirty="0">
                           <a:latin typeface="Arial" panose="020B0604020202020204" pitchFamily="34" charset="0"/>
                           <a:cs typeface="Arial" panose="020B0604020202020204" pitchFamily="34" charset="0"/>
                         </a:rPr>
@@ -4030,14 +3901,14 @@
                     <a:p>
                       <a:pPr algn="ctr"/>
                       <a:r>
-                        <a:rPr lang="en-US" sz="1400" b="0" dirty="0" smtClean="0">
+                        <a:rPr lang="en-US" sz="1400" b="0" dirty="0">
                           <a:latin typeface="Arial" panose="020B0604020202020204" pitchFamily="34" charset="0"/>
                           <a:cs typeface="Arial" panose="020B0604020202020204" pitchFamily="34" charset="0"/>
                         </a:rPr>
                         <a:t>HR</a:t>
                       </a:r>
                       <a:r>
-                        <a:rPr lang="en-US" sz="1400" b="0" baseline="0" dirty="0" smtClean="0">
+                        <a:rPr lang="en-US" sz="1400" b="0" baseline="0" dirty="0">
                           <a:latin typeface="Arial" panose="020B0604020202020204" pitchFamily="34" charset="0"/>
                           <a:cs typeface="Arial" panose="020B0604020202020204" pitchFamily="34" charset="0"/>
                         </a:rPr>
@@ -4058,21 +3929,21 @@
                     <a:p>
                       <a:pPr algn="ctr"/>
                       <a:r>
-                        <a:rPr lang="en-US" sz="1400" b="1" dirty="0" smtClean="0">
+                        <a:rPr lang="en-US" sz="1400" b="1" dirty="0">
                           <a:latin typeface="Arial" panose="020B0604020202020204" pitchFamily="34" charset="0"/>
                           <a:cs typeface="Arial" panose="020B0604020202020204" pitchFamily="34" charset="0"/>
                         </a:rPr>
                         <a:t>Model</a:t>
                       </a:r>
                       <a:r>
-                        <a:rPr lang="en-US" sz="1400" b="1" baseline="0" dirty="0" smtClean="0">
+                        <a:rPr lang="en-US" sz="1400" b="1" baseline="0" dirty="0">
                           <a:latin typeface="Arial" panose="020B0604020202020204" pitchFamily="34" charset="0"/>
                           <a:cs typeface="Arial" panose="020B0604020202020204" pitchFamily="34" charset="0"/>
                         </a:rPr>
                         <a:t> 2</a:t>
                       </a:r>
                       <a:r>
-                        <a:rPr lang="en-US" sz="1400" b="1" baseline="30000" dirty="0" smtClean="0">
+                        <a:rPr lang="en-US" sz="1400" b="1" baseline="30000" dirty="0">
                           <a:latin typeface="Arial" panose="020B0604020202020204" pitchFamily="34" charset="0"/>
                           <a:cs typeface="Arial" panose="020B0604020202020204" pitchFamily="34" charset="0"/>
                         </a:rPr>
@@ -4082,14 +3953,14 @@
                     <a:p>
                       <a:pPr algn="ctr"/>
                       <a:r>
-                        <a:rPr lang="en-US" sz="1400" b="0" dirty="0" smtClean="0">
+                        <a:rPr lang="en-US" sz="1400" b="0" dirty="0">
                           <a:latin typeface="Arial" panose="020B0604020202020204" pitchFamily="34" charset="0"/>
                           <a:cs typeface="Arial" panose="020B0604020202020204" pitchFamily="34" charset="0"/>
                         </a:rPr>
                         <a:t>HR</a:t>
                       </a:r>
                       <a:r>
-                        <a:rPr lang="en-US" sz="1400" b="0" baseline="0" dirty="0" smtClean="0">
+                        <a:rPr lang="en-US" sz="1400" b="0" baseline="0" dirty="0">
                           <a:latin typeface="Arial" panose="020B0604020202020204" pitchFamily="34" charset="0"/>
                           <a:cs typeface="Arial" panose="020B0604020202020204" pitchFamily="34" charset="0"/>
                         </a:rPr>
@@ -4110,14 +3981,14 @@
                     <a:p>
                       <a:pPr algn="ctr"/>
                       <a:r>
-                        <a:rPr lang="en-US" sz="1400" b="1" dirty="0" smtClean="0">
+                        <a:rPr lang="en-US" sz="1400" b="1" dirty="0">
                           <a:latin typeface="Arial" panose="020B0604020202020204" pitchFamily="34" charset="0"/>
                           <a:cs typeface="Arial" panose="020B0604020202020204" pitchFamily="34" charset="0"/>
                         </a:rPr>
                         <a:t>Model 3</a:t>
                       </a:r>
                       <a:r>
-                        <a:rPr lang="en-US" sz="1400" b="1" baseline="30000" dirty="0" smtClean="0">
+                        <a:rPr lang="en-US" sz="1400" b="1" baseline="30000" dirty="0">
                           <a:latin typeface="Arial" panose="020B0604020202020204" pitchFamily="34" charset="0"/>
                           <a:cs typeface="Arial" panose="020B0604020202020204" pitchFamily="34" charset="0"/>
                         </a:rPr>
@@ -4127,16 +3998,12 @@
                     <a:p>
                       <a:pPr algn="ctr"/>
                       <a:r>
-                        <a:rPr lang="en-US" sz="1400" b="0" baseline="0" dirty="0" smtClean="0">
+                        <a:rPr lang="en-US" sz="1400" b="0" baseline="0" dirty="0">
                           <a:latin typeface="Arial" panose="020B0604020202020204" pitchFamily="34" charset="0"/>
                           <a:cs typeface="Arial" panose="020B0604020202020204" pitchFamily="34" charset="0"/>
                         </a:rPr>
                         <a:t>OR (95% CI)</a:t>
                       </a:r>
-                      <a:endParaRPr lang="en-US" sz="1400" b="0" baseline="0" dirty="0">
-                        <a:latin typeface="Arial" panose="020B0604020202020204" pitchFamily="34" charset="0"/>
-                        <a:cs typeface="Arial" panose="020B0604020202020204" pitchFamily="34" charset="0"/>
-                      </a:endParaRPr>
                     </a:p>
                   </a:txBody>
                   <a:tcPr/>
@@ -4148,14 +4015,14 @@
                     <a:p>
                       <a:pPr algn="ctr"/>
                       <a:r>
-                        <a:rPr lang="en-US" sz="1400" b="1" dirty="0" smtClean="0">
+                        <a:rPr lang="en-US" sz="1400" b="1" dirty="0">
                           <a:latin typeface="Arial" panose="020B0604020202020204" pitchFamily="34" charset="0"/>
                           <a:cs typeface="Arial" panose="020B0604020202020204" pitchFamily="34" charset="0"/>
                         </a:rPr>
                         <a:t>Model</a:t>
                       </a:r>
                       <a:r>
-                        <a:rPr lang="en-US" sz="1400" b="1" baseline="0" dirty="0" smtClean="0">
+                        <a:rPr lang="en-US" sz="1400" b="1" baseline="0" dirty="0">
                           <a:latin typeface="Arial" panose="020B0604020202020204" pitchFamily="34" charset="0"/>
                           <a:cs typeface="Arial" panose="020B0604020202020204" pitchFamily="34" charset="0"/>
                         </a:rPr>
@@ -4165,7 +4032,7 @@
                     <a:p>
                       <a:pPr algn="ctr"/>
                       <a:r>
-                        <a:rPr lang="en-US" sz="1400" b="0" baseline="0" dirty="0" smtClean="0">
+                        <a:rPr lang="en-US" sz="1400" b="0" baseline="0" dirty="0">
                           <a:latin typeface="Arial" panose="020B0604020202020204" pitchFamily="34" charset="0"/>
                           <a:cs typeface="Arial" panose="020B0604020202020204" pitchFamily="34" charset="0"/>
                         </a:rPr>
@@ -4186,14 +4053,14 @@
                     <a:p>
                       <a:pPr algn="ctr"/>
                       <a:r>
-                        <a:rPr lang="en-US" sz="1400" b="1" dirty="0" smtClean="0">
+                        <a:rPr lang="en-US" sz="1400" b="1" dirty="0">
                           <a:latin typeface="Arial" panose="020B0604020202020204" pitchFamily="34" charset="0"/>
                           <a:cs typeface="Arial" panose="020B0604020202020204" pitchFamily="34" charset="0"/>
                         </a:rPr>
                         <a:t>Model</a:t>
                       </a:r>
                       <a:r>
-                        <a:rPr lang="en-US" sz="1400" b="1" baseline="0" dirty="0" smtClean="0">
+                        <a:rPr lang="en-US" sz="1400" b="1" baseline="0" dirty="0">
                           <a:latin typeface="Arial" panose="020B0604020202020204" pitchFamily="34" charset="0"/>
                           <a:cs typeface="Arial" panose="020B0604020202020204" pitchFamily="34" charset="0"/>
                         </a:rPr>
@@ -4203,7 +4070,7 @@
                     <a:p>
                       <a:pPr algn="ctr"/>
                       <a:r>
-                        <a:rPr lang="en-US" sz="1400" b="0" baseline="0" dirty="0" smtClean="0">
+                        <a:rPr lang="en-US" sz="1400" b="0" baseline="0" dirty="0">
                           <a:latin typeface="Arial" panose="020B0604020202020204" pitchFamily="34" charset="0"/>
                           <a:cs typeface="Arial" panose="020B0604020202020204" pitchFamily="34" charset="0"/>
                         </a:rPr>
@@ -4224,14 +4091,14 @@
                     <a:p>
                       <a:pPr algn="ctr"/>
                       <a:r>
-                        <a:rPr lang="en-US" sz="1400" b="1" dirty="0" smtClean="0">
+                        <a:rPr lang="en-US" sz="1400" b="1" dirty="0">
                           <a:latin typeface="Arial" panose="020B0604020202020204" pitchFamily="34" charset="0"/>
                           <a:cs typeface="Arial" panose="020B0604020202020204" pitchFamily="34" charset="0"/>
                         </a:rPr>
                         <a:t>Model 3</a:t>
                       </a:r>
                       <a:r>
-                        <a:rPr lang="en-US" sz="1400" b="1" baseline="30000" dirty="0" smtClean="0">
+                        <a:rPr lang="en-US" sz="1400" b="1" baseline="30000" dirty="0">
                           <a:latin typeface="Arial" panose="020B0604020202020204" pitchFamily="34" charset="0"/>
                           <a:cs typeface="Arial" panose="020B0604020202020204" pitchFamily="34" charset="0"/>
                         </a:rPr>
@@ -4241,7 +4108,7 @@
                     <a:p>
                       <a:pPr algn="ctr"/>
                       <a:r>
-                        <a:rPr lang="en-US" sz="1400" b="0" baseline="0" dirty="0" smtClean="0">
+                        <a:rPr lang="en-US" sz="1400" b="0" baseline="0" dirty="0">
                           <a:latin typeface="Arial" panose="020B0604020202020204" pitchFamily="34" charset="0"/>
                           <a:cs typeface="Arial" panose="020B0604020202020204" pitchFamily="34" charset="0"/>
                         </a:rPr>
@@ -4268,14 +4135,14 @@
                     <a:lstStyle/>
                     <a:p>
                       <a:r>
-                        <a:rPr lang="en-US" sz="1400" dirty="0" smtClean="0">
+                        <a:rPr lang="en-US" sz="1400" dirty="0">
                           <a:latin typeface="Arial" panose="020B0604020202020204" pitchFamily="34" charset="0"/>
                           <a:cs typeface="Arial" panose="020B0604020202020204" pitchFamily="34" charset="0"/>
                         </a:rPr>
                         <a:t>MK2</a:t>
                       </a:r>
                       <a:r>
-                        <a:rPr lang="en-US" sz="1400" baseline="0" dirty="0" smtClean="0">
+                        <a:rPr lang="en-US" sz="1400" baseline="0" dirty="0">
                           <a:latin typeface="Arial" panose="020B0604020202020204" pitchFamily="34" charset="0"/>
                           <a:cs typeface="Arial" panose="020B0604020202020204" pitchFamily="34" charset="0"/>
                         </a:rPr>
@@ -4296,14 +4163,14 @@
                     <a:p>
                       <a:pPr algn="ctr"/>
                       <a:r>
-                        <a:rPr lang="en-US" sz="1400" b="1" dirty="0" smtClean="0">
+                        <a:rPr lang="en-US" sz="1400" b="1" dirty="0">
                           <a:latin typeface="Arial" panose="020B0604020202020204" pitchFamily="34" charset="0"/>
                           <a:cs typeface="Arial" panose="020B0604020202020204" pitchFamily="34" charset="0"/>
                         </a:rPr>
                         <a:t>0.76 (0.58, 0.99)</a:t>
                       </a:r>
                       <a:r>
-                        <a:rPr lang="en-US" sz="1400" b="0" baseline="30000" dirty="0" smtClean="0">
+                        <a:rPr lang="en-US" sz="1400" b="0" baseline="30000" dirty="0">
                           <a:latin typeface="Arial" panose="020B0604020202020204" pitchFamily="34" charset="0"/>
                           <a:cs typeface="Arial" panose="020B0604020202020204" pitchFamily="34" charset="0"/>
                         </a:rPr>
@@ -4324,16 +4191,12 @@
                     <a:p>
                       <a:pPr algn="ctr"/>
                       <a:r>
-                        <a:rPr lang="en-US" sz="1400" b="1" dirty="0" smtClean="0">
+                        <a:rPr lang="en-US" sz="1400" b="1" dirty="0">
                           <a:latin typeface="Arial" panose="020B0604020202020204" pitchFamily="34" charset="0"/>
                           <a:cs typeface="Arial" panose="020B0604020202020204" pitchFamily="34" charset="0"/>
                         </a:rPr>
                         <a:t>-</a:t>
                       </a:r>
-                      <a:endParaRPr lang="en-US" sz="1400" b="1" dirty="0">
-                        <a:latin typeface="Arial" panose="020B0604020202020204" pitchFamily="34" charset="0"/>
-                        <a:cs typeface="Arial" panose="020B0604020202020204" pitchFamily="34" charset="0"/>
-                      </a:endParaRPr>
                     </a:p>
                   </a:txBody>
                   <a:tcPr/>
@@ -4345,16 +4208,12 @@
                     <a:p>
                       <a:pPr algn="ctr"/>
                       <a:r>
-                        <a:rPr lang="en-US" sz="1400" b="1" dirty="0" smtClean="0">
+                        <a:rPr lang="en-US" sz="1400" b="1" dirty="0">
                           <a:latin typeface="Arial" panose="020B0604020202020204" pitchFamily="34" charset="0"/>
                           <a:cs typeface="Arial" panose="020B0604020202020204" pitchFamily="34" charset="0"/>
                         </a:rPr>
                         <a:t>-</a:t>
                       </a:r>
-                      <a:endParaRPr lang="en-US" sz="1400" b="1" dirty="0">
-                        <a:latin typeface="Arial" panose="020B0604020202020204" pitchFamily="34" charset="0"/>
-                        <a:cs typeface="Arial" panose="020B0604020202020204" pitchFamily="34" charset="0"/>
-                      </a:endParaRPr>
                     </a:p>
                   </a:txBody>
                   <a:tcPr/>
@@ -4366,14 +4225,14 @@
                     <a:p>
                       <a:pPr algn="ctr"/>
                       <a:r>
-                        <a:rPr lang="en-US" sz="1400" b="0" dirty="0" smtClean="0">
+                        <a:rPr lang="en-US" sz="1400" b="0" dirty="0">
                           <a:latin typeface="Arial" panose="020B0604020202020204" pitchFamily="34" charset="0"/>
                           <a:cs typeface="Arial" panose="020B0604020202020204" pitchFamily="34" charset="0"/>
                         </a:rPr>
                         <a:t>0.87 (0.64,1.27)</a:t>
                       </a:r>
                       <a:r>
-                        <a:rPr lang="en-US" sz="1400" b="0" baseline="30000" dirty="0" smtClean="0">
+                        <a:rPr lang="en-US" sz="1400" b="0" baseline="30000" dirty="0">
                           <a:latin typeface="Arial" panose="020B0604020202020204" pitchFamily="34" charset="0"/>
                           <a:cs typeface="Arial" panose="020B0604020202020204" pitchFamily="34" charset="0"/>
                         </a:rPr>
@@ -4394,16 +4253,12 @@
                     <a:p>
                       <a:pPr algn="ctr"/>
                       <a:r>
-                        <a:rPr lang="en-US" sz="1400" b="1" dirty="0" smtClean="0">
+                        <a:rPr lang="en-US" sz="1400" b="1" dirty="0">
                           <a:latin typeface="Arial" panose="020B0604020202020204" pitchFamily="34" charset="0"/>
                           <a:cs typeface="Arial" panose="020B0604020202020204" pitchFamily="34" charset="0"/>
                         </a:rPr>
                         <a:t>-</a:t>
                       </a:r>
-                      <a:endParaRPr lang="en-US" sz="1400" b="1" dirty="0">
-                        <a:latin typeface="Arial" panose="020B0604020202020204" pitchFamily="34" charset="0"/>
-                        <a:cs typeface="Arial" panose="020B0604020202020204" pitchFamily="34" charset="0"/>
-                      </a:endParaRPr>
                     </a:p>
                   </a:txBody>
                   <a:tcPr/>
@@ -4415,16 +4270,12 @@
                     <a:p>
                       <a:pPr algn="ctr"/>
                       <a:r>
-                        <a:rPr lang="en-US" sz="1400" b="1" dirty="0" smtClean="0">
+                        <a:rPr lang="en-US" sz="1400" b="1" dirty="0">
                           <a:latin typeface="Arial" panose="020B0604020202020204" pitchFamily="34" charset="0"/>
                           <a:cs typeface="Arial" panose="020B0604020202020204" pitchFamily="34" charset="0"/>
                         </a:rPr>
                         <a:t>-</a:t>
                       </a:r>
-                      <a:endParaRPr lang="en-US" sz="1400" b="1" dirty="0">
-                        <a:latin typeface="Arial" panose="020B0604020202020204" pitchFamily="34" charset="0"/>
-                        <a:cs typeface="Arial" panose="020B0604020202020204" pitchFamily="34" charset="0"/>
-                      </a:endParaRPr>
                     </a:p>
                   </a:txBody>
                   <a:tcPr/>
@@ -4442,28 +4293,28 @@
                     <a:lstStyle/>
                     <a:p>
                       <a:r>
-                        <a:rPr lang="en-US" sz="1400" dirty="0" smtClean="0">
+                        <a:rPr lang="en-US" sz="1400" dirty="0">
                           <a:latin typeface="Arial" panose="020B0604020202020204" pitchFamily="34" charset="0"/>
                           <a:cs typeface="Arial" panose="020B0604020202020204" pitchFamily="34" charset="0"/>
                         </a:rPr>
                         <a:t>High MK2</a:t>
                       </a:r>
                       <a:r>
-                        <a:rPr lang="en-US" sz="1400" baseline="0" dirty="0" smtClean="0">
+                        <a:rPr lang="en-US" sz="1400" baseline="0" dirty="0">
                           <a:latin typeface="Arial" panose="020B0604020202020204" pitchFamily="34" charset="0"/>
                           <a:cs typeface="Arial" panose="020B0604020202020204" pitchFamily="34" charset="0"/>
                         </a:rPr>
                         <a:t> </a:t>
                       </a:r>
                       <a:r>
-                        <a:rPr lang="en-US" sz="1400" baseline="0" dirty="0" err="1" smtClean="0">
+                        <a:rPr lang="en-US" sz="1400" baseline="0" dirty="0" err="1">
                           <a:latin typeface="Arial" panose="020B0604020202020204" pitchFamily="34" charset="0"/>
                           <a:cs typeface="Arial" panose="020B0604020202020204" pitchFamily="34" charset="0"/>
                         </a:rPr>
                         <a:t>expression</a:t>
                       </a:r>
                       <a:r>
-                        <a:rPr lang="en-US" sz="1400" baseline="30000" dirty="0" err="1" smtClean="0">
+                        <a:rPr lang="en-US" sz="1400" baseline="30000" dirty="0" err="1">
                           <a:latin typeface="Arial" panose="020B0604020202020204" pitchFamily="34" charset="0"/>
                           <a:cs typeface="Arial" panose="020B0604020202020204" pitchFamily="34" charset="0"/>
                         </a:rPr>
@@ -4484,16 +4335,12 @@
                     <a:p>
                       <a:pPr algn="ctr"/>
                       <a:r>
-                        <a:rPr lang="en-US" sz="1400" b="1" dirty="0" smtClean="0">
+                        <a:rPr lang="en-US" sz="1400" b="1" dirty="0">
                           <a:latin typeface="Arial" panose="020B0604020202020204" pitchFamily="34" charset="0"/>
                           <a:cs typeface="Arial" panose="020B0604020202020204" pitchFamily="34" charset="0"/>
                         </a:rPr>
                         <a:t>-</a:t>
                       </a:r>
-                      <a:endParaRPr lang="en-US" sz="1400" b="1" dirty="0">
-                        <a:latin typeface="Arial" panose="020B0604020202020204" pitchFamily="34" charset="0"/>
-                        <a:cs typeface="Arial" panose="020B0604020202020204" pitchFamily="34" charset="0"/>
-                      </a:endParaRPr>
                     </a:p>
                   </a:txBody>
                   <a:tcPr/>
@@ -4505,16 +4352,12 @@
                     <a:p>
                       <a:pPr algn="ctr"/>
                       <a:r>
-                        <a:rPr lang="en-US" sz="1400" b="1" dirty="0" smtClean="0">
+                        <a:rPr lang="en-US" sz="1400" b="1" dirty="0">
                           <a:latin typeface="Arial" panose="020B0604020202020204" pitchFamily="34" charset="0"/>
                           <a:cs typeface="Arial" panose="020B0604020202020204" pitchFamily="34" charset="0"/>
                         </a:rPr>
                         <a:t>0.27 (0.09-0.79)</a:t>
                       </a:r>
-                      <a:endParaRPr lang="en-US" sz="1400" b="1" dirty="0">
-                        <a:latin typeface="Arial" panose="020B0604020202020204" pitchFamily="34" charset="0"/>
-                        <a:cs typeface="Arial" panose="020B0604020202020204" pitchFamily="34" charset="0"/>
-                      </a:endParaRPr>
                     </a:p>
                   </a:txBody>
                   <a:tcPr/>
@@ -4526,16 +4369,12 @@
                     <a:p>
                       <a:pPr algn="ctr"/>
                       <a:r>
-                        <a:rPr lang="en-US" sz="1400" b="1" dirty="0" smtClean="0">
-                          <a:latin typeface="Arial" panose="020B0604020202020204" pitchFamily="34" charset="0"/>
-                          <a:cs typeface="Arial" panose="020B0604020202020204" pitchFamily="34" charset="0"/>
-                        </a:rPr>
-                        <a:t>0.25 (0.08,0.76)</a:t>
-                      </a:r>
-                      <a:endParaRPr lang="en-US" sz="1400" b="1" dirty="0">
-                        <a:latin typeface="Arial" panose="020B0604020202020204" pitchFamily="34" charset="0"/>
-                        <a:cs typeface="Arial" panose="020B0604020202020204" pitchFamily="34" charset="0"/>
-                      </a:endParaRPr>
+                        <a:rPr lang="en-US" sz="1400" b="1" dirty="0">
+                          <a:latin typeface="Arial" panose="020B0604020202020204" pitchFamily="34" charset="0"/>
+                          <a:cs typeface="Arial" panose="020B0604020202020204" pitchFamily="34" charset="0"/>
+                        </a:rPr>
+                        <a:t>0.20 (0.08,0.76)</a:t>
+                      </a:r>
                     </a:p>
                   </a:txBody>
                   <a:tcPr/>
@@ -4547,11 +4386,35 @@
                     <a:p>
                       <a:pPr algn="ctr"/>
                       <a:r>
-                        <a:rPr lang="en-US" sz="1400" dirty="0" smtClean="0">
+                        <a:rPr lang="en-US" sz="1400" dirty="0">
                           <a:latin typeface="Arial" panose="020B0604020202020204" pitchFamily="34" charset="0"/>
                           <a:cs typeface="Arial" panose="020B0604020202020204" pitchFamily="34" charset="0"/>
                         </a:rPr>
                         <a:t>-</a:t>
+                      </a:r>
+                    </a:p>
+                  </a:txBody>
+                  <a:tcPr/>
+                </a:tc>
+                <a:tc>
+                  <a:txBody>
+                    <a:bodyPr/>
+                    <a:lstStyle/>
+                    <a:p>
+                      <a:pPr algn="ctr"/>
+                      <a:r>
+                        <a:rPr lang="en-US" sz="1400" dirty="0">
+                          <a:latin typeface="Arial" panose="020B0604020202020204" pitchFamily="34" charset="0"/>
+                          <a:cs typeface="Arial" panose="020B0604020202020204" pitchFamily="34" charset="0"/>
+                        </a:rPr>
+                        <a:t>0.55</a:t>
+                      </a:r>
+                      <a:r>
+                        <a:rPr lang="en-US" sz="1400" baseline="0" dirty="0">
+                          <a:latin typeface="Arial" panose="020B0604020202020204" pitchFamily="34" charset="0"/>
+                          <a:cs typeface="Arial" panose="020B0604020202020204" pitchFamily="34" charset="0"/>
+                        </a:rPr>
+                        <a:t> (0.17,1.73)</a:t>
                       </a:r>
                       <a:endParaRPr lang="en-US" sz="1400" dirty="0">
                         <a:latin typeface="Arial" panose="020B0604020202020204" pitchFamily="34" charset="0"/>
@@ -4568,44 +4431,12 @@
                     <a:p>
                       <a:pPr algn="ctr"/>
                       <a:r>
-                        <a:rPr lang="en-US" sz="1400" dirty="0" smtClean="0">
-                          <a:latin typeface="Arial" panose="020B0604020202020204" pitchFamily="34" charset="0"/>
-                          <a:cs typeface="Arial" panose="020B0604020202020204" pitchFamily="34" charset="0"/>
-                        </a:rPr>
-                        <a:t>0.55</a:t>
-                      </a:r>
-                      <a:r>
-                        <a:rPr lang="en-US" sz="1400" baseline="0" dirty="0" smtClean="0">
-                          <a:latin typeface="Arial" panose="020B0604020202020204" pitchFamily="34" charset="0"/>
-                          <a:cs typeface="Arial" panose="020B0604020202020204" pitchFamily="34" charset="0"/>
-                        </a:rPr>
-                        <a:t> (0.17,1.73)</a:t>
-                      </a:r>
-                      <a:endParaRPr lang="en-US" sz="1400" dirty="0">
-                        <a:latin typeface="Arial" panose="020B0604020202020204" pitchFamily="34" charset="0"/>
-                        <a:cs typeface="Arial" panose="020B0604020202020204" pitchFamily="34" charset="0"/>
-                      </a:endParaRPr>
-                    </a:p>
-                  </a:txBody>
-                  <a:tcPr/>
-                </a:tc>
-                <a:tc>
-                  <a:txBody>
-                    <a:bodyPr/>
-                    <a:lstStyle/>
-                    <a:p>
-                      <a:pPr algn="ctr"/>
-                      <a:r>
-                        <a:rPr lang="en-US" sz="1400" dirty="0" smtClean="0">
+                        <a:rPr lang="en-US" sz="1400" dirty="0">
                           <a:latin typeface="Arial" panose="020B0604020202020204" pitchFamily="34" charset="0"/>
                           <a:cs typeface="Arial" panose="020B0604020202020204" pitchFamily="34" charset="0"/>
                         </a:rPr>
                         <a:t>0.53 (0.14,1.64)</a:t>
                       </a:r>
-                      <a:endParaRPr lang="en-US" sz="1400" dirty="0">
-                        <a:latin typeface="Arial" panose="020B0604020202020204" pitchFamily="34" charset="0"/>
-                        <a:cs typeface="Arial" panose="020B0604020202020204" pitchFamily="34" charset="0"/>
-                      </a:endParaRPr>
                     </a:p>
                   </a:txBody>
                   <a:tcPr/>
@@ -4623,16 +4454,12 @@
                     <a:lstStyle/>
                     <a:p>
                       <a:r>
-                        <a:rPr lang="en-US" sz="1400" dirty="0" smtClean="0">
+                        <a:rPr lang="en-US" sz="1400" dirty="0">
                           <a:latin typeface="Arial" panose="020B0604020202020204" pitchFamily="34" charset="0"/>
                           <a:cs typeface="Arial" panose="020B0604020202020204" pitchFamily="34" charset="0"/>
                         </a:rPr>
                         <a:t>Male Sex</a:t>
                       </a:r>
-                      <a:endParaRPr lang="en-US" sz="1400" dirty="0">
-                        <a:latin typeface="Arial" panose="020B0604020202020204" pitchFamily="34" charset="0"/>
-                        <a:cs typeface="Arial" panose="020B0604020202020204" pitchFamily="34" charset="0"/>
-                      </a:endParaRPr>
                     </a:p>
                   </a:txBody>
                   <a:tcPr/>
@@ -4644,16 +4471,12 @@
                     <a:p>
                       <a:pPr algn="ctr"/>
                       <a:r>
-                        <a:rPr lang="en-US" sz="1400" dirty="0" smtClean="0">
+                        <a:rPr lang="en-US" sz="1400" dirty="0">
                           <a:latin typeface="Arial" panose="020B0604020202020204" pitchFamily="34" charset="0"/>
                           <a:cs typeface="Arial" panose="020B0604020202020204" pitchFamily="34" charset="0"/>
                         </a:rPr>
                         <a:t>2.05 (0.98, 4.29)</a:t>
                       </a:r>
-                      <a:endParaRPr lang="en-US" sz="1400" dirty="0">
-                        <a:latin typeface="Arial" panose="020B0604020202020204" pitchFamily="34" charset="0"/>
-                        <a:cs typeface="Arial" panose="020B0604020202020204" pitchFamily="34" charset="0"/>
-                      </a:endParaRPr>
                     </a:p>
                   </a:txBody>
                   <a:tcPr/>
@@ -4665,16 +4488,12 @@
                     <a:p>
                       <a:pPr algn="ctr"/>
                       <a:r>
-                        <a:rPr lang="en-US" sz="1400" dirty="0" smtClean="0">
+                        <a:rPr lang="en-US" sz="1400" dirty="0">
                           <a:latin typeface="Arial" panose="020B0604020202020204" pitchFamily="34" charset="0"/>
                           <a:cs typeface="Arial" panose="020B0604020202020204" pitchFamily="34" charset="0"/>
                         </a:rPr>
                         <a:t>2.0 (0.98,4.26)</a:t>
                       </a:r>
-                      <a:endParaRPr lang="en-US" sz="1400" dirty="0">
-                        <a:latin typeface="Arial" panose="020B0604020202020204" pitchFamily="34" charset="0"/>
-                        <a:cs typeface="Arial" panose="020B0604020202020204" pitchFamily="34" charset="0"/>
-                      </a:endParaRPr>
                     </a:p>
                   </a:txBody>
                   <a:tcPr/>
@@ -4686,16 +4505,12 @@
                     <a:p>
                       <a:pPr algn="ctr"/>
                       <a:r>
-                        <a:rPr lang="en-US" sz="1400" dirty="0" smtClean="0">
+                        <a:rPr lang="en-US" sz="1400" dirty="0">
                           <a:latin typeface="Arial" panose="020B0604020202020204" pitchFamily="34" charset="0"/>
                           <a:cs typeface="Arial" panose="020B0604020202020204" pitchFamily="34" charset="0"/>
                         </a:rPr>
                         <a:t>2.0 (0.90, 4.42)</a:t>
                       </a:r>
-                      <a:endParaRPr lang="en-US" sz="1400" dirty="0">
-                        <a:latin typeface="Arial" panose="020B0604020202020204" pitchFamily="34" charset="0"/>
-                        <a:cs typeface="Arial" panose="020B0604020202020204" pitchFamily="34" charset="0"/>
-                      </a:endParaRPr>
                     </a:p>
                   </a:txBody>
                   <a:tcPr/>
@@ -4707,11 +4522,35 @@
                     <a:p>
                       <a:pPr algn="ctr"/>
                       <a:r>
-                        <a:rPr lang="en-US" sz="1400" b="0" dirty="0" smtClean="0">
+                        <a:rPr lang="en-US" sz="1400" b="0" dirty="0">
                           <a:latin typeface="Arial" panose="020B0604020202020204" pitchFamily="34" charset="0"/>
                           <a:cs typeface="Arial" panose="020B0604020202020204" pitchFamily="34" charset="0"/>
                         </a:rPr>
                         <a:t>1.11 (0.50,2.45)</a:t>
+                      </a:r>
+                    </a:p>
+                  </a:txBody>
+                  <a:tcPr/>
+                </a:tc>
+                <a:tc>
+                  <a:txBody>
+                    <a:bodyPr/>
+                    <a:lstStyle/>
+                    <a:p>
+                      <a:pPr algn="ctr"/>
+                      <a:r>
+                        <a:rPr lang="en-US" sz="1400" b="0" dirty="0">
+                          <a:latin typeface="Arial" panose="020B0604020202020204" pitchFamily="34" charset="0"/>
+                          <a:cs typeface="Arial" panose="020B0604020202020204" pitchFamily="34" charset="0"/>
+                        </a:rPr>
+                        <a:t>1.09</a:t>
+                      </a:r>
+                      <a:r>
+                        <a:rPr lang="en-US" sz="1400" b="0" baseline="0" dirty="0">
+                          <a:latin typeface="Arial" panose="020B0604020202020204" pitchFamily="34" charset="0"/>
+                          <a:cs typeface="Arial" panose="020B0604020202020204" pitchFamily="34" charset="0"/>
+                        </a:rPr>
+                        <a:t> (0.50,2.40)</a:t>
                       </a:r>
                       <a:endParaRPr lang="en-US" sz="1400" b="0" dirty="0">
                         <a:latin typeface="Arial" panose="020B0604020202020204" pitchFamily="34" charset="0"/>
@@ -4728,44 +4567,12 @@
                     <a:p>
                       <a:pPr algn="ctr"/>
                       <a:r>
-                        <a:rPr lang="en-US" sz="1400" b="0" dirty="0" smtClean="0">
-                          <a:latin typeface="Arial" panose="020B0604020202020204" pitchFamily="34" charset="0"/>
-                          <a:cs typeface="Arial" panose="020B0604020202020204" pitchFamily="34" charset="0"/>
-                        </a:rPr>
-                        <a:t>1.09</a:t>
-                      </a:r>
-                      <a:r>
-                        <a:rPr lang="en-US" sz="1400" b="0" baseline="0" dirty="0" smtClean="0">
-                          <a:latin typeface="Arial" panose="020B0604020202020204" pitchFamily="34" charset="0"/>
-                          <a:cs typeface="Arial" panose="020B0604020202020204" pitchFamily="34" charset="0"/>
-                        </a:rPr>
-                        <a:t> (0.50,2.40)</a:t>
-                      </a:r>
-                      <a:endParaRPr lang="en-US" sz="1400" b="0" dirty="0">
-                        <a:latin typeface="Arial" panose="020B0604020202020204" pitchFamily="34" charset="0"/>
-                        <a:cs typeface="Arial" panose="020B0604020202020204" pitchFamily="34" charset="0"/>
-                      </a:endParaRPr>
-                    </a:p>
-                  </a:txBody>
-                  <a:tcPr/>
-                </a:tc>
-                <a:tc>
-                  <a:txBody>
-                    <a:bodyPr/>
-                    <a:lstStyle/>
-                    <a:p>
-                      <a:pPr algn="ctr"/>
-                      <a:r>
-                        <a:rPr lang="en-US" sz="1400" b="0" dirty="0" smtClean="0">
+                        <a:rPr lang="en-US" sz="1400" b="0" dirty="0">
                           <a:latin typeface="Arial" panose="020B0604020202020204" pitchFamily="34" charset="0"/>
                           <a:cs typeface="Arial" panose="020B0604020202020204" pitchFamily="34" charset="0"/>
                         </a:rPr>
                         <a:t>1.21 (0.47,3.13)</a:t>
                       </a:r>
-                      <a:endParaRPr lang="en-US" sz="1400" b="0" dirty="0">
-                        <a:latin typeface="Arial" panose="020B0604020202020204" pitchFamily="34" charset="0"/>
-                        <a:cs typeface="Arial" panose="020B0604020202020204" pitchFamily="34" charset="0"/>
-                      </a:endParaRPr>
                     </a:p>
                   </a:txBody>
                   <a:tcPr/>
@@ -4783,16 +4590,12 @@
                     <a:lstStyle/>
                     <a:p>
                       <a:r>
-                        <a:rPr lang="en-US" sz="1400" dirty="0" smtClean="0">
+                        <a:rPr lang="en-US" sz="1400" dirty="0">
                           <a:latin typeface="Arial" panose="020B0604020202020204" pitchFamily="34" charset="0"/>
                           <a:cs typeface="Arial" panose="020B0604020202020204" pitchFamily="34" charset="0"/>
                         </a:rPr>
                         <a:t>Smoking</a:t>
                       </a:r>
-                      <a:endParaRPr lang="en-US" sz="1400" dirty="0">
-                        <a:latin typeface="Arial" panose="020B0604020202020204" pitchFamily="34" charset="0"/>
-                        <a:cs typeface="Arial" panose="020B0604020202020204" pitchFamily="34" charset="0"/>
-                      </a:endParaRPr>
                     </a:p>
                   </a:txBody>
                   <a:tcPr/>
@@ -4804,16 +4607,12 @@
                     <a:p>
                       <a:pPr algn="ctr"/>
                       <a:r>
-                        <a:rPr lang="en-US" sz="1400" dirty="0" smtClean="0">
+                        <a:rPr lang="en-US" sz="1400" dirty="0">
                           <a:latin typeface="Arial" panose="020B0604020202020204" pitchFamily="34" charset="0"/>
                           <a:cs typeface="Arial" panose="020B0604020202020204" pitchFamily="34" charset="0"/>
                         </a:rPr>
                         <a:t>1.05 (0.46,2.41)</a:t>
                       </a:r>
-                      <a:endParaRPr lang="en-US" sz="1400" dirty="0">
-                        <a:latin typeface="Arial" panose="020B0604020202020204" pitchFamily="34" charset="0"/>
-                        <a:cs typeface="Arial" panose="020B0604020202020204" pitchFamily="34" charset="0"/>
-                      </a:endParaRPr>
                     </a:p>
                   </a:txBody>
                   <a:tcPr/>
@@ -4825,16 +4624,12 @@
                     <a:p>
                       <a:pPr algn="ctr"/>
                       <a:r>
-                        <a:rPr lang="en-US" sz="1400" dirty="0" smtClean="0">
+                        <a:rPr lang="en-US" sz="1400" dirty="0">
                           <a:latin typeface="Arial" panose="020B0604020202020204" pitchFamily="34" charset="0"/>
                           <a:cs typeface="Arial" panose="020B0604020202020204" pitchFamily="34" charset="0"/>
                         </a:rPr>
                         <a:t>1.08 (0.47,2.46)</a:t>
                       </a:r>
-                      <a:endParaRPr lang="en-US" sz="1400" dirty="0">
-                        <a:latin typeface="Arial" panose="020B0604020202020204" pitchFamily="34" charset="0"/>
-                        <a:cs typeface="Arial" panose="020B0604020202020204" pitchFamily="34" charset="0"/>
-                      </a:endParaRPr>
                     </a:p>
                   </a:txBody>
                   <a:tcPr/>
@@ -4846,16 +4641,12 @@
                     <a:p>
                       <a:pPr algn="ctr"/>
                       <a:r>
-                        <a:rPr lang="en-US" sz="1400" dirty="0" smtClean="0">
-                          <a:latin typeface="Arial" panose="020B0604020202020204" pitchFamily="34" charset="0"/>
-                          <a:cs typeface="Arial" panose="020B0604020202020204" pitchFamily="34" charset="0"/>
-                        </a:rPr>
-                        <a:t>1.12 (0.47,2.66)</a:t>
-                      </a:r>
-                      <a:endParaRPr lang="en-US" sz="1400" dirty="0">
-                        <a:latin typeface="Arial" panose="020B0604020202020204" pitchFamily="34" charset="0"/>
-                        <a:cs typeface="Arial" panose="020B0604020202020204" pitchFamily="34" charset="0"/>
-                      </a:endParaRPr>
+                        <a:rPr lang="en-US" sz="1400" dirty="0">
+                          <a:latin typeface="Arial" panose="020B0604020202020204" pitchFamily="34" charset="0"/>
+                          <a:cs typeface="Arial" panose="020B0604020202020204" pitchFamily="34" charset="0"/>
+                        </a:rPr>
+                        <a:t>1.15 (0.47,2.66)</a:t>
+                      </a:r>
                     </a:p>
                   </a:txBody>
                   <a:tcPr/>
@@ -4867,16 +4658,12 @@
                     <a:p>
                       <a:pPr algn="ctr"/>
                       <a:r>
-                        <a:rPr lang="en-US" sz="1400" dirty="0" smtClean="0">
+                        <a:rPr lang="en-US" sz="1400" dirty="0">
                           <a:latin typeface="Arial" panose="020B0604020202020204" pitchFamily="34" charset="0"/>
                           <a:cs typeface="Arial" panose="020B0604020202020204" pitchFamily="34" charset="0"/>
                         </a:rPr>
                         <a:t>0.73 (0.32,1.66)</a:t>
                       </a:r>
-                      <a:endParaRPr lang="en-US" sz="1400" dirty="0">
-                        <a:latin typeface="Arial" panose="020B0604020202020204" pitchFamily="34" charset="0"/>
-                        <a:cs typeface="Arial" panose="020B0604020202020204" pitchFamily="34" charset="0"/>
-                      </a:endParaRPr>
                     </a:p>
                   </a:txBody>
                   <a:tcPr/>
@@ -4888,16 +4675,12 @@
                     <a:p>
                       <a:pPr algn="ctr"/>
                       <a:r>
-                        <a:rPr lang="en-US" sz="1400" dirty="0" smtClean="0">
+                        <a:rPr lang="en-US" sz="1400" dirty="0">
                           <a:latin typeface="Arial" panose="020B0604020202020204" pitchFamily="34" charset="0"/>
                           <a:cs typeface="Arial" panose="020B0604020202020204" pitchFamily="34" charset="0"/>
                         </a:rPr>
                         <a:t>0.75 (0.32,1.74)</a:t>
                       </a:r>
-                      <a:endParaRPr lang="en-US" sz="1400" dirty="0">
-                        <a:latin typeface="Arial" panose="020B0604020202020204" pitchFamily="34" charset="0"/>
-                        <a:cs typeface="Arial" panose="020B0604020202020204" pitchFamily="34" charset="0"/>
-                      </a:endParaRPr>
                     </a:p>
                   </a:txBody>
                   <a:tcPr/>
@@ -4909,16 +4692,12 @@
                     <a:p>
                       <a:pPr algn="ctr"/>
                       <a:r>
-                        <a:rPr lang="en-US" sz="1400" dirty="0" smtClean="0">
+                        <a:rPr lang="en-US" sz="1400" dirty="0">
                           <a:latin typeface="Arial" panose="020B0604020202020204" pitchFamily="34" charset="0"/>
                           <a:cs typeface="Arial" panose="020B0604020202020204" pitchFamily="34" charset="0"/>
                         </a:rPr>
                         <a:t>0.64 (0.24,1.76)</a:t>
                       </a:r>
-                      <a:endParaRPr lang="en-US" sz="1400" dirty="0">
-                        <a:latin typeface="Arial" panose="020B0604020202020204" pitchFamily="34" charset="0"/>
-                        <a:cs typeface="Arial" panose="020B0604020202020204" pitchFamily="34" charset="0"/>
-                      </a:endParaRPr>
                     </a:p>
                   </a:txBody>
                   <a:tcPr/>
@@ -4936,12 +4715,147 @@
                     <a:lstStyle/>
                     <a:p>
                       <a:r>
-                        <a:rPr lang="en-US" sz="1400" dirty="0" smtClean="0">
+                        <a:rPr lang="en-US" sz="1400" dirty="0">
                           <a:latin typeface="Arial" panose="020B0604020202020204" pitchFamily="34" charset="0"/>
                           <a:cs typeface="Arial" panose="020B0604020202020204" pitchFamily="34" charset="0"/>
                         </a:rPr>
                         <a:t>Age</a:t>
                       </a:r>
+                    </a:p>
+                  </a:txBody>
+                  <a:tcPr/>
+                </a:tc>
+                <a:tc>
+                  <a:txBody>
+                    <a:bodyPr/>
+                    <a:lstStyle/>
+                    <a:p>
+                      <a:pPr algn="ctr"/>
+                      <a:r>
+                        <a:rPr lang="en-US" sz="1400" dirty="0">
+                          <a:latin typeface="Arial" panose="020B0604020202020204" pitchFamily="34" charset="0"/>
+                          <a:cs typeface="Arial" panose="020B0604020202020204" pitchFamily="34" charset="0"/>
+                        </a:rPr>
+                        <a:t>0.99 (0.95,1.03)</a:t>
+                      </a:r>
+                    </a:p>
+                  </a:txBody>
+                  <a:tcPr/>
+                </a:tc>
+                <a:tc>
+                  <a:txBody>
+                    <a:bodyPr/>
+                    <a:lstStyle/>
+                    <a:p>
+                      <a:pPr algn="ctr"/>
+                      <a:r>
+                        <a:rPr lang="en-US" sz="1400" dirty="0">
+                          <a:latin typeface="Arial" panose="020B0604020202020204" pitchFamily="34" charset="0"/>
+                          <a:cs typeface="Arial" panose="020B0604020202020204" pitchFamily="34" charset="0"/>
+                        </a:rPr>
+                        <a:t>0.98 (0.94, 1.03)</a:t>
+                      </a:r>
+                    </a:p>
+                  </a:txBody>
+                  <a:tcPr/>
+                </a:tc>
+                <a:tc>
+                  <a:txBody>
+                    <a:bodyPr/>
+                    <a:lstStyle/>
+                    <a:p>
+                      <a:pPr algn="ctr"/>
+                      <a:r>
+                        <a:rPr lang="en-US" sz="1400" dirty="0">
+                          <a:latin typeface="Arial" panose="020B0604020202020204" pitchFamily="34" charset="0"/>
+                          <a:cs typeface="Arial" panose="020B0604020202020204" pitchFamily="34" charset="0"/>
+                        </a:rPr>
+                        <a:t>0.98 (0.95,1.02)</a:t>
+                      </a:r>
+                    </a:p>
+                  </a:txBody>
+                  <a:tcPr/>
+                </a:tc>
+                <a:tc>
+                  <a:txBody>
+                    <a:bodyPr/>
+                    <a:lstStyle/>
+                    <a:p>
+                      <a:pPr algn="ctr"/>
+                      <a:r>
+                        <a:rPr lang="en-US" sz="1400" dirty="0">
+                          <a:latin typeface="Arial" panose="020B0604020202020204" pitchFamily="34" charset="0"/>
+                          <a:cs typeface="Arial" panose="020B0604020202020204" pitchFamily="34" charset="0"/>
+                        </a:rPr>
+                        <a:t>1.02 (0.97,1.06)</a:t>
+                      </a:r>
+                    </a:p>
+                  </a:txBody>
+                  <a:tcPr/>
+                </a:tc>
+                <a:tc>
+                  <a:txBody>
+                    <a:bodyPr/>
+                    <a:lstStyle/>
+                    <a:p>
+                      <a:pPr algn="ctr"/>
+                      <a:r>
+                        <a:rPr lang="en-US" sz="1400" dirty="0">
+                          <a:latin typeface="Arial" panose="020B0604020202020204" pitchFamily="34" charset="0"/>
+                          <a:cs typeface="Arial" panose="020B0604020202020204" pitchFamily="34" charset="0"/>
+                        </a:rPr>
+                        <a:t>1.02 (0.97,1.06)</a:t>
+                      </a:r>
+                    </a:p>
+                  </a:txBody>
+                  <a:tcPr/>
+                </a:tc>
+                <a:tc>
+                  <a:txBody>
+                    <a:bodyPr/>
+                    <a:lstStyle/>
+                    <a:p>
+                      <a:pPr algn="ctr"/>
+                      <a:r>
+                        <a:rPr lang="en-US" sz="1400" dirty="0">
+                          <a:latin typeface="Arial" panose="020B0604020202020204" pitchFamily="34" charset="0"/>
+                          <a:cs typeface="Arial" panose="020B0604020202020204" pitchFamily="34" charset="0"/>
+                        </a:rPr>
+                        <a:t>1.02 (0.97,1.07)</a:t>
+                      </a:r>
+                    </a:p>
+                  </a:txBody>
+                  <a:tcPr/>
+                </a:tc>
+                <a:extLst>
+                  <a:ext uri="{0D108BD9-81ED-4DB2-BD59-A6C34878D82A}">
+                    <a16:rowId xmlns:a16="http://schemas.microsoft.com/office/drawing/2014/main" val="3691451287"/>
+                  </a:ext>
+                </a:extLst>
+              </a:tr>
+              <a:tr h="0">
+                <a:tc>
+                  <a:txBody>
+                    <a:bodyPr/>
+                    <a:lstStyle/>
+                    <a:p>
+                      <a:r>
+                        <a:rPr lang="en-US" sz="1400" dirty="0">
+                          <a:latin typeface="Arial" panose="020B0604020202020204" pitchFamily="34" charset="0"/>
+                          <a:cs typeface="Arial" panose="020B0604020202020204" pitchFamily="34" charset="0"/>
+                        </a:rPr>
+                        <a:t>Caspase-3 </a:t>
+                      </a:r>
+                    </a:p>
+                  </a:txBody>
+                  <a:tcPr/>
+                </a:tc>
+                <a:tc>
+                  <a:txBody>
+                    <a:bodyPr/>
+                    <a:lstStyle/>
+                    <a:p>
+                      <a:pPr algn="ctr"/>
                       <a:endParaRPr lang="en-US" sz="1400" dirty="0">
                         <a:latin typeface="Arial" panose="020B0604020202020204" pitchFamily="34" charset="0"/>
                         <a:cs typeface="Arial" panose="020B0604020202020204" pitchFamily="34" charset="0"/>
@@ -4956,13 +4870,6 @@
                     <a:lstStyle/>
                     <a:p>
                       <a:pPr algn="ctr"/>
-                      <a:r>
-                        <a:rPr lang="en-US" sz="1400" dirty="0" smtClean="0">
-                          <a:latin typeface="Arial" panose="020B0604020202020204" pitchFamily="34" charset="0"/>
-                          <a:cs typeface="Arial" panose="020B0604020202020204" pitchFamily="34" charset="0"/>
-                        </a:rPr>
-                        <a:t>0.99 (0.95,1.03)</a:t>
-                      </a:r>
                       <a:endParaRPr lang="en-US" sz="1400" dirty="0">
                         <a:latin typeface="Arial" panose="020B0604020202020204" pitchFamily="34" charset="0"/>
                         <a:cs typeface="Arial" panose="020B0604020202020204" pitchFamily="34" charset="0"/>
@@ -4977,13 +4884,6 @@
                     <a:lstStyle/>
                     <a:p>
                       <a:pPr algn="ctr"/>
-                      <a:r>
-                        <a:rPr lang="en-US" sz="1400" dirty="0" smtClean="0">
-                          <a:latin typeface="Arial" panose="020B0604020202020204" pitchFamily="34" charset="0"/>
-                          <a:cs typeface="Arial" panose="020B0604020202020204" pitchFamily="34" charset="0"/>
-                        </a:rPr>
-                        <a:t>0.98 (0.94, 1.03)</a:t>
-                      </a:r>
                       <a:endParaRPr lang="en-US" sz="1400" dirty="0">
                         <a:latin typeface="Arial" panose="020B0604020202020204" pitchFamily="34" charset="0"/>
                         <a:cs typeface="Arial" panose="020B0604020202020204" pitchFamily="34" charset="0"/>
@@ -4998,13 +4898,6 @@
                     <a:lstStyle/>
                     <a:p>
                       <a:pPr algn="ctr"/>
-                      <a:r>
-                        <a:rPr lang="en-US" sz="1400" dirty="0" smtClean="0">
-                          <a:latin typeface="Arial" panose="020B0604020202020204" pitchFamily="34" charset="0"/>
-                          <a:cs typeface="Arial" panose="020B0604020202020204" pitchFamily="34" charset="0"/>
-                        </a:rPr>
-                        <a:t>0.98 (0.95,1.02)</a:t>
-                      </a:r>
                       <a:endParaRPr lang="en-US" sz="1400" dirty="0">
                         <a:latin typeface="Arial" panose="020B0604020202020204" pitchFamily="34" charset="0"/>
                         <a:cs typeface="Arial" panose="020B0604020202020204" pitchFamily="34" charset="0"/>
@@ -5019,13 +4912,6 @@
                     <a:lstStyle/>
                     <a:p>
                       <a:pPr algn="ctr"/>
-                      <a:r>
-                        <a:rPr lang="en-US" sz="1400" dirty="0" smtClean="0">
-                          <a:latin typeface="Arial" panose="020B0604020202020204" pitchFamily="34" charset="0"/>
-                          <a:cs typeface="Arial" panose="020B0604020202020204" pitchFamily="34" charset="0"/>
-                        </a:rPr>
-                        <a:t>1.02 (0.97,1.06)</a:t>
-                      </a:r>
                       <a:endParaRPr lang="en-US" sz="1400" dirty="0">
                         <a:latin typeface="Arial" panose="020B0604020202020204" pitchFamily="34" charset="0"/>
                         <a:cs typeface="Arial" panose="020B0604020202020204" pitchFamily="34" charset="0"/>
@@ -5040,13 +4926,6 @@
                     <a:lstStyle/>
                     <a:p>
                       <a:pPr algn="ctr"/>
-                      <a:r>
-                        <a:rPr lang="en-US" sz="1400" dirty="0" smtClean="0">
-                          <a:latin typeface="Arial" panose="020B0604020202020204" pitchFamily="34" charset="0"/>
-                          <a:cs typeface="Arial" panose="020B0604020202020204" pitchFamily="34" charset="0"/>
-                        </a:rPr>
-                        <a:t>1.02 (0.97,1.06)</a:t>
-                      </a:r>
                       <a:endParaRPr lang="en-US" sz="1400" dirty="0">
                         <a:latin typeface="Arial" panose="020B0604020202020204" pitchFamily="34" charset="0"/>
                         <a:cs typeface="Arial" panose="020B0604020202020204" pitchFamily="34" charset="0"/>
@@ -5055,30 +4934,9 @@
                   </a:txBody>
                   <a:tcPr/>
                 </a:tc>
-                <a:tc>
-                  <a:txBody>
-                    <a:bodyPr/>
-                    <a:lstStyle/>
-                    <a:p>
-                      <a:pPr algn="ctr"/>
-                      <a:r>
-                        <a:rPr lang="en-US" sz="1400" dirty="0" smtClean="0">
-                          <a:latin typeface="Arial" panose="020B0604020202020204" pitchFamily="34" charset="0"/>
-                          <a:cs typeface="Arial" panose="020B0604020202020204" pitchFamily="34" charset="0"/>
-                        </a:rPr>
-                        <a:t>1.02 (0.97,1.07)</a:t>
-                      </a:r>
-                      <a:endParaRPr lang="en-US" sz="1400" dirty="0">
-                        <a:latin typeface="Arial" panose="020B0604020202020204" pitchFamily="34" charset="0"/>
-                        <a:cs typeface="Arial" panose="020B0604020202020204" pitchFamily="34" charset="0"/>
-                      </a:endParaRPr>
-                    </a:p>
-                  </a:txBody>
-                  <a:tcPr/>
-                </a:tc>
                 <a:extLst>
                   <a:ext uri="{0D108BD9-81ED-4DB2-BD59-A6C34878D82A}">
-                    <a16:rowId xmlns:a16="http://schemas.microsoft.com/office/drawing/2014/main" val="3691451287"/>
+                    <a16:rowId xmlns:a16="http://schemas.microsoft.com/office/drawing/2014/main" val="3914792621"/>
                   </a:ext>
                 </a:extLst>
               </a:tr>
@@ -5109,10 +4967,9 @@
           <a:lstStyle/>
           <a:p>
             <a:r>
-              <a:rPr lang="en-US" b="1" u="sng" dirty="0" smtClean="0"/>
+              <a:rPr lang="en-US" b="1" u="sng" dirty="0"/>
               <a:t>MK2 expression and death at 1 year in TCGA-LUAD</a:t>
             </a:r>
-            <a:endParaRPr lang="en-US" b="1" u="sng" dirty="0"/>
           </a:p>
         </p:txBody>
       </p:sp>
@@ -5124,7 +4981,7 @@
         </p:nvSpPr>
         <p:spPr>
           <a:xfrm>
-            <a:off x="218249" y="3034742"/>
+            <a:off x="218249" y="3355869"/>
             <a:ext cx="11578705" cy="1323439"/>
           </a:xfrm>
           <a:prstGeom prst="rect">
@@ -5139,14 +4996,14 @@
           <a:lstStyle/>
           <a:p>
             <a:r>
-              <a:rPr lang="en-US" sz="1200" baseline="30000" dirty="0" smtClean="0">
+              <a:rPr lang="en-US" sz="1200" baseline="30000" dirty="0">
                 <a:latin typeface="Arial" panose="020B0604020202020204" pitchFamily="34" charset="0"/>
                 <a:cs typeface="Arial" panose="020B0604020202020204" pitchFamily="34" charset="0"/>
               </a:rPr>
               <a:t>a</a:t>
             </a:r>
             <a:r>
-              <a:rPr lang="en-US" sz="1200" dirty="0" smtClean="0">
+              <a:rPr lang="en-US" sz="1200" dirty="0">
                 <a:latin typeface="Arial" panose="020B0604020202020204" pitchFamily="34" charset="0"/>
                 <a:cs typeface="Arial" panose="020B0604020202020204" pitchFamily="34" charset="0"/>
               </a:rPr>
@@ -5166,71 +5023,36 @@
                 <a:latin typeface="Arial" panose="020B0604020202020204" pitchFamily="34" charset="0"/>
                 <a:cs typeface="Arial" panose="020B0604020202020204" pitchFamily="34" charset="0"/>
               </a:rPr>
-              <a:t> Model </a:t>
-            </a:r>
-            <a:r>
-              <a:rPr lang="en-US" sz="1200" dirty="0" smtClean="0">
+              <a:t> Model 2: Cox Proportional hazards modeling of time to death, right censored at 1 year, as a function of high MK2 expression (</a:t>
+            </a:r>
+            <a:r>
+              <a:rPr lang="en-US" sz="1200" dirty="0" err="1">
                 <a:latin typeface="Arial" panose="020B0604020202020204" pitchFamily="34" charset="0"/>
                 <a:cs typeface="Arial" panose="020B0604020202020204" pitchFamily="34" charset="0"/>
               </a:rPr>
-              <a:t>2: </a:t>
+              <a:t>dichomotous</a:t>
             </a:r>
             <a:r>
               <a:rPr lang="en-US" sz="1200" dirty="0">
                 <a:latin typeface="Arial" panose="020B0604020202020204" pitchFamily="34" charset="0"/>
                 <a:cs typeface="Arial" panose="020B0604020202020204" pitchFamily="34" charset="0"/>
               </a:rPr>
-              <a:t>Cox Proportional hazards modeling of time to death, right censored at 1 year, as a function of </a:t>
-            </a:r>
-            <a:r>
-              <a:rPr lang="en-US" sz="1200" dirty="0" smtClean="0">
+              <a:t>: top 1/3 vs bottom 2/3 of transcript expression), adjusted for age, sex and smoking status</a:t>
+            </a:r>
+          </a:p>
+          <a:p>
+            <a:r>
+              <a:rPr lang="en-US" sz="1200" baseline="30000" dirty="0">
                 <a:latin typeface="Arial" panose="020B0604020202020204" pitchFamily="34" charset="0"/>
                 <a:cs typeface="Arial" panose="020B0604020202020204" pitchFamily="34" charset="0"/>
               </a:rPr>
-              <a:t>high MK2 expression (</a:t>
-            </a:r>
-            <a:r>
-              <a:rPr lang="en-US" sz="1200" dirty="0" err="1" smtClean="0">
-                <a:latin typeface="Arial" panose="020B0604020202020204" pitchFamily="34" charset="0"/>
-                <a:cs typeface="Arial" panose="020B0604020202020204" pitchFamily="34" charset="0"/>
-              </a:rPr>
-              <a:t>dichomotous</a:t>
-            </a:r>
-            <a:r>
-              <a:rPr lang="en-US" sz="1200" dirty="0" smtClean="0">
-                <a:latin typeface="Arial" panose="020B0604020202020204" pitchFamily="34" charset="0"/>
-                <a:cs typeface="Arial" panose="020B0604020202020204" pitchFamily="34" charset="0"/>
-              </a:rPr>
-              <a:t>: top 1/3 vs bottom 2/3 of transcript expression), </a:t>
+              <a:t>c</a:t>
             </a:r>
             <a:r>
               <a:rPr lang="en-US" sz="1200" dirty="0">
                 <a:latin typeface="Arial" panose="020B0604020202020204" pitchFamily="34" charset="0"/>
                 <a:cs typeface="Arial" panose="020B0604020202020204" pitchFamily="34" charset="0"/>
               </a:rPr>
-              <a:t>adjusted for age, sex and smoking </a:t>
-            </a:r>
-            <a:r>
-              <a:rPr lang="en-US" sz="1200" dirty="0" smtClean="0">
-                <a:latin typeface="Arial" panose="020B0604020202020204" pitchFamily="34" charset="0"/>
-                <a:cs typeface="Arial" panose="020B0604020202020204" pitchFamily="34" charset="0"/>
-              </a:rPr>
-              <a:t>status</a:t>
-            </a:r>
-          </a:p>
-          <a:p>
-            <a:r>
-              <a:rPr lang="en-US" sz="1200" baseline="30000" dirty="0" smtClean="0">
-                <a:latin typeface="Arial" panose="020B0604020202020204" pitchFamily="34" charset="0"/>
-                <a:cs typeface="Arial" panose="020B0604020202020204" pitchFamily="34" charset="0"/>
-              </a:rPr>
-              <a:t>c</a:t>
-            </a:r>
-            <a:r>
-              <a:rPr lang="en-US" sz="1200" dirty="0" smtClean="0">
-                <a:latin typeface="Arial" panose="020B0604020202020204" pitchFamily="34" charset="0"/>
-                <a:cs typeface="Arial" panose="020B0604020202020204" pitchFamily="34" charset="0"/>
-              </a:rPr>
               <a:t> Model 3: Logistic regression modeling death at one year as a function of high MK2 expression, adjusted for age, sex, and smoking status</a:t>
             </a:r>
             <a:endParaRPr lang="en-US" sz="1200" baseline="30000" dirty="0">
@@ -5240,14 +5062,14 @@
           </a:p>
           <a:p>
             <a:r>
-              <a:rPr lang="en-US" sz="1200" baseline="30000" dirty="0" smtClean="0">
+              <a:rPr lang="en-US" sz="1200" baseline="30000" dirty="0">
                 <a:latin typeface="Arial" panose="020B0604020202020204" pitchFamily="34" charset="0"/>
                 <a:cs typeface="Arial" panose="020B0604020202020204" pitchFamily="34" charset="0"/>
               </a:rPr>
               <a:t>d </a:t>
             </a:r>
             <a:r>
-              <a:rPr lang="en-US" sz="1200" dirty="0" smtClean="0">
+              <a:rPr lang="en-US" sz="1200" dirty="0">
                 <a:latin typeface="Arial" panose="020B0604020202020204" pitchFamily="34" charset="0"/>
                 <a:cs typeface="Arial" panose="020B0604020202020204" pitchFamily="34" charset="0"/>
               </a:rPr>
@@ -5256,26 +5078,22 @@
           </a:p>
           <a:p>
             <a:r>
-              <a:rPr lang="en-US" sz="1200" baseline="30000" dirty="0" smtClean="0">
+              <a:rPr lang="en-US" sz="1200" baseline="30000" dirty="0">
                 <a:latin typeface="Arial" panose="020B0604020202020204" pitchFamily="34" charset="0"/>
                 <a:cs typeface="Arial" panose="020B0604020202020204" pitchFamily="34" charset="0"/>
               </a:rPr>
               <a:t>e </a:t>
             </a:r>
             <a:r>
-              <a:rPr lang="en-US" sz="1200" dirty="0" smtClean="0">
+              <a:rPr lang="en-US" sz="1200" dirty="0">
                 <a:latin typeface="Arial" panose="020B0604020202020204" pitchFamily="34" charset="0"/>
                 <a:cs typeface="Arial" panose="020B0604020202020204" pitchFamily="34" charset="0"/>
               </a:rPr>
               <a:t>Top 1/3 of MK2 transcript levels (reference: bottom 2/3)</a:t>
             </a:r>
-            <a:endParaRPr lang="en-US" sz="1200" dirty="0">
-              <a:latin typeface="Arial" panose="020B0604020202020204" pitchFamily="34" charset="0"/>
-              <a:cs typeface="Arial" panose="020B0604020202020204" pitchFamily="34" charset="0"/>
-            </a:endParaRPr>
-          </a:p>
-          <a:p>
-            <a:endParaRPr lang="en-US" sz="1200" baseline="30000" dirty="0" smtClean="0">
+          </a:p>
+          <a:p>
+            <a:endParaRPr lang="en-US" sz="1200" baseline="30000" dirty="0">
               <a:latin typeface="Arial" panose="020B0604020202020204" pitchFamily="34" charset="0"/>
               <a:cs typeface="Arial" panose="020B0604020202020204" pitchFamily="34" charset="0"/>
             </a:endParaRPr>
@@ -5292,13 +5110,6 @@
   <p:clrMapOvr>
     <a:masterClrMapping/>
   </p:clrMapOvr>
-  <p:timing>
-    <p:tnLst>
-      <p:par>
-        <p:cTn id="1" dur="indefinite" restart="never" nodeType="tmRoot"/>
-      </p:par>
-    </p:tnLst>
-  </p:timing>
 </p:sld>
 </file>
 
@@ -5321,7 +5132,13 @@
       </p:grpSpPr>
       <p:pic>
         <p:nvPicPr>
-          <p:cNvPr id="7" name="Picture 6"/>
+          <p:cNvPr id="64" name="Picture 63">
+            <a:extLst>
+              <a:ext uri="{FF2B5EF4-FFF2-40B4-BE49-F238E27FC236}">
+                <a16:creationId xmlns:a16="http://schemas.microsoft.com/office/drawing/2014/main" id="{77C7FD16-BF4C-4A46-B74F-FC04E40930E1}"/>
+              </a:ext>
+            </a:extLst>
+          </p:cNvPr>
           <p:cNvPicPr>
             <a:picLocks noChangeAspect="1"/>
           </p:cNvPicPr>
@@ -5329,13 +5146,13 @@
         </p:nvPicPr>
         <p:blipFill rotWithShape="1">
           <a:blip r:embed="rId2"/>
-          <a:srcRect t="10873"/>
+          <a:srcRect t="6586"/>
           <a:stretch/>
         </p:blipFill>
         <p:spPr>
           <a:xfrm>
-            <a:off x="150482" y="482398"/>
-            <a:ext cx="5535874" cy="3044961"/>
+            <a:off x="2685756" y="3665510"/>
+            <a:ext cx="3822480" cy="3192490"/>
           </a:xfrm>
           <a:prstGeom prst="rect">
             <a:avLst/>
@@ -5344,7 +5161,13 @@
       </p:pic>
       <p:pic>
         <p:nvPicPr>
-          <p:cNvPr id="8" name="Picture 7"/>
+          <p:cNvPr id="63" name="Picture 62">
+            <a:extLst>
+              <a:ext uri="{FF2B5EF4-FFF2-40B4-BE49-F238E27FC236}">
+                <a16:creationId xmlns:a16="http://schemas.microsoft.com/office/drawing/2014/main" id="{90E4B83B-52F2-4931-8E17-D247AC24C294}"/>
+              </a:ext>
+            </a:extLst>
+          </p:cNvPr>
           <p:cNvPicPr>
             <a:picLocks noChangeAspect="1"/>
           </p:cNvPicPr>
@@ -5352,43 +5175,186 @@
         </p:nvPicPr>
         <p:blipFill rotWithShape="1">
           <a:blip r:embed="rId3"/>
-          <a:srcRect t="11138"/>
+          <a:srcRect t="6537"/>
           <a:stretch/>
         </p:blipFill>
         <p:spPr>
           <a:xfrm>
-            <a:off x="150482" y="3809504"/>
-            <a:ext cx="5720116" cy="3136919"/>
+            <a:off x="2723576" y="476739"/>
+            <a:ext cx="3784660" cy="3162567"/>
           </a:xfrm>
           <a:prstGeom prst="rect">
             <a:avLst/>
           </a:prstGeom>
         </p:spPr>
       </p:pic>
+      <p:sp>
+        <p:nvSpPr>
+          <p:cNvPr id="18" name="TextBox 17"/>
+          <p:cNvSpPr txBox="1"/>
+          <p:nvPr/>
+        </p:nvSpPr>
+        <p:spPr>
+          <a:xfrm>
+            <a:off x="3236848" y="4758652"/>
+            <a:ext cx="1489510" cy="276999"/>
+          </a:xfrm>
+          <a:prstGeom prst="rect">
+            <a:avLst/>
+          </a:prstGeom>
+          <a:noFill/>
+        </p:spPr>
+        <p:txBody>
+          <a:bodyPr wrap="none" rtlCol="0">
+            <a:spAutoFit/>
+          </a:bodyPr>
+          <a:lstStyle/>
+          <a:p>
+            <a:r>
+              <a:rPr lang="en-US" sz="1200" dirty="0">
+                <a:latin typeface="Arial" panose="020B0604020202020204" pitchFamily="34" charset="0"/>
+                <a:cs typeface="Arial" panose="020B0604020202020204" pitchFamily="34" charset="0"/>
+              </a:rPr>
+              <a:t>Late Stage NSCLC</a:t>
+            </a:r>
+          </a:p>
+        </p:txBody>
+      </p:sp>
+      <p:sp>
+        <p:nvSpPr>
+          <p:cNvPr id="2" name="TextBox 1"/>
+          <p:cNvSpPr txBox="1"/>
+          <p:nvPr/>
+        </p:nvSpPr>
+        <p:spPr>
+          <a:xfrm>
+            <a:off x="2991573" y="79614"/>
+            <a:ext cx="3207929" cy="307777"/>
+          </a:xfrm>
+          <a:prstGeom prst="rect">
+            <a:avLst/>
+          </a:prstGeom>
+          <a:noFill/>
+        </p:spPr>
+        <p:txBody>
+          <a:bodyPr wrap="none" rtlCol="0">
+            <a:spAutoFit/>
+          </a:bodyPr>
+          <a:lstStyle/>
+          <a:p>
+            <a:r>
+              <a:rPr lang="en-US" sz="1400" b="1" u="sng" dirty="0">
+                <a:latin typeface="Arial" panose="020B0604020202020204" pitchFamily="34" charset="0"/>
+                <a:cs typeface="Arial" panose="020B0604020202020204" pitchFamily="34" charset="0"/>
+              </a:rPr>
+              <a:t>Model 2: Cox Proportional Hazards </a:t>
+            </a:r>
+          </a:p>
+        </p:txBody>
+      </p:sp>
+      <p:pic>
+        <p:nvPicPr>
+          <p:cNvPr id="45" name="Picture 44">
+            <a:extLst>
+              <a:ext uri="{FF2B5EF4-FFF2-40B4-BE49-F238E27FC236}">
+                <a16:creationId xmlns:a16="http://schemas.microsoft.com/office/drawing/2014/main" id="{72095FAE-338E-4CD8-87A8-DC62B7820224}"/>
+              </a:ext>
+            </a:extLst>
+          </p:cNvPr>
+          <p:cNvPicPr>
+            <a:picLocks noChangeAspect="1"/>
+          </p:cNvPicPr>
+          <p:nvPr/>
+        </p:nvPicPr>
+        <p:blipFill rotWithShape="1">
+          <a:blip r:embed="rId4"/>
+          <a:srcRect l="-854" t="130" r="40282" b="2635"/>
+          <a:stretch/>
+        </p:blipFill>
+        <p:spPr>
+          <a:xfrm>
+            <a:off x="6650744" y="474887"/>
+            <a:ext cx="2346734" cy="6125937"/>
+          </a:xfrm>
+          <a:prstGeom prst="rect">
+            <a:avLst/>
+          </a:prstGeom>
+        </p:spPr>
+      </p:pic>
+      <p:sp>
+        <p:nvSpPr>
+          <p:cNvPr id="47" name="TextBox 46">
+            <a:extLst>
+              <a:ext uri="{FF2B5EF4-FFF2-40B4-BE49-F238E27FC236}">
+                <a16:creationId xmlns:a16="http://schemas.microsoft.com/office/drawing/2014/main" id="{47A6B067-A94C-4713-A3E1-3C55C5D6E85E}"/>
+              </a:ext>
+            </a:extLst>
+          </p:cNvPr>
+          <p:cNvSpPr txBox="1"/>
+          <p:nvPr/>
+        </p:nvSpPr>
+        <p:spPr>
+          <a:xfrm>
+            <a:off x="6684835" y="76192"/>
+            <a:ext cx="2667718" cy="307777"/>
+          </a:xfrm>
+          <a:prstGeom prst="rect">
+            <a:avLst/>
+          </a:prstGeom>
+          <a:noFill/>
+        </p:spPr>
+        <p:txBody>
+          <a:bodyPr wrap="none" rtlCol="0">
+            <a:spAutoFit/>
+          </a:bodyPr>
+          <a:lstStyle/>
+          <a:p>
+            <a:r>
+              <a:rPr lang="en-US" sz="1400" b="1" u="sng" dirty="0">
+                <a:latin typeface="Arial" panose="020B0604020202020204" pitchFamily="34" charset="0"/>
+                <a:cs typeface="Arial" panose="020B0604020202020204" pitchFamily="34" charset="0"/>
+              </a:rPr>
+              <a:t>Model 3: Logistic Regression</a:t>
+            </a:r>
+          </a:p>
+        </p:txBody>
+      </p:sp>
       <p:grpSp>
         <p:nvGrpSpPr>
-          <p:cNvPr id="9" name="Group 8"/>
+          <p:cNvPr id="48" name="Group 47">
+            <a:extLst>
+              <a:ext uri="{FF2B5EF4-FFF2-40B4-BE49-F238E27FC236}">
+                <a16:creationId xmlns:a16="http://schemas.microsoft.com/office/drawing/2014/main" id="{672A79EA-42B1-41AE-B6A0-F4143C09C4AB}"/>
+              </a:ext>
+            </a:extLst>
+          </p:cNvPr>
           <p:cNvGrpSpPr/>
           <p:nvPr/>
         </p:nvGrpSpPr>
         <p:grpSpPr>
           <a:xfrm>
-            <a:off x="945848" y="1839185"/>
-            <a:ext cx="2998856" cy="523220"/>
-            <a:chOff x="1088966" y="4983725"/>
-            <a:chExt cx="2998856" cy="523220"/>
+            <a:off x="7156148" y="535854"/>
+            <a:ext cx="1698822" cy="430887"/>
+            <a:chOff x="1088965" y="4983725"/>
+            <a:chExt cx="1698822" cy="430887"/>
           </a:xfrm>
         </p:grpSpPr>
         <p:sp>
           <p:nvSpPr>
-            <p:cNvPr id="10" name="TextBox 9"/>
+            <p:cNvPr id="49" name="TextBox 48">
+              <a:extLst>
+                <a:ext uri="{FF2B5EF4-FFF2-40B4-BE49-F238E27FC236}">
+                  <a16:creationId xmlns:a16="http://schemas.microsoft.com/office/drawing/2014/main" id="{5E523855-314A-4D79-92A8-7FAAF1974C46}"/>
+                </a:ext>
+              </a:extLst>
+            </p:cNvPr>
             <p:cNvSpPr txBox="1"/>
             <p:nvPr/>
           </p:nvSpPr>
           <p:spPr>
             <a:xfrm>
               <a:off x="1206905" y="4983725"/>
-              <a:ext cx="2880917" cy="523220"/>
+              <a:ext cx="1580882" cy="430887"/>
             </a:xfrm>
             <a:prstGeom prst="rect">
               <a:avLst/>
@@ -5402,7 +5368,183 @@
             <a:lstStyle/>
             <a:p>
               <a:r>
-                <a:rPr lang="en-US" sz="1400" dirty="0" smtClean="0">
+                <a:rPr lang="en-US" sz="1100" dirty="0">
+                  <a:latin typeface="Arial" panose="020B0604020202020204" pitchFamily="34" charset="0"/>
+                  <a:cs typeface="Arial" panose="020B0604020202020204" pitchFamily="34" charset="0"/>
+                </a:rPr>
+                <a:t>High MK2 Expression </a:t>
+              </a:r>
+            </a:p>
+            <a:p>
+              <a:r>
+                <a:rPr lang="en-US" sz="1100" dirty="0">
+                  <a:latin typeface="Arial" panose="020B0604020202020204" pitchFamily="34" charset="0"/>
+                  <a:cs typeface="Arial" panose="020B0604020202020204" pitchFamily="34" charset="0"/>
+                </a:rPr>
+                <a:t>Low MK2 Expression</a:t>
+              </a:r>
+            </a:p>
+          </p:txBody>
+        </p:sp>
+        <p:sp>
+          <p:nvSpPr>
+            <p:cNvPr id="50" name="Rectangle 49">
+              <a:extLst>
+                <a:ext uri="{FF2B5EF4-FFF2-40B4-BE49-F238E27FC236}">
+                  <a16:creationId xmlns:a16="http://schemas.microsoft.com/office/drawing/2014/main" id="{48C20700-92F9-4134-AED4-EC17443537A5}"/>
+                </a:ext>
+              </a:extLst>
+            </p:cNvPr>
+            <p:cNvSpPr/>
+            <p:nvPr/>
+          </p:nvSpPr>
+          <p:spPr>
+            <a:xfrm>
+              <a:off x="1088965" y="5039336"/>
+              <a:ext cx="149630" cy="133004"/>
+            </a:xfrm>
+            <a:prstGeom prst="rect">
+              <a:avLst/>
+            </a:prstGeom>
+            <a:solidFill>
+              <a:srgbClr val="FA9790"/>
+            </a:solidFill>
+            <a:ln>
+              <a:solidFill>
+                <a:schemeClr val="tx1"/>
+              </a:solidFill>
+            </a:ln>
+          </p:spPr>
+          <p:style>
+            <a:lnRef idx="2">
+              <a:schemeClr val="accent1">
+                <a:shade val="50000"/>
+              </a:schemeClr>
+            </a:lnRef>
+            <a:fillRef idx="1">
+              <a:schemeClr val="accent1"/>
+            </a:fillRef>
+            <a:effectRef idx="0">
+              <a:schemeClr val="accent1"/>
+            </a:effectRef>
+            <a:fontRef idx="minor">
+              <a:schemeClr val="lt1"/>
+            </a:fontRef>
+          </p:style>
+          <p:txBody>
+            <a:bodyPr rtlCol="0" anchor="ctr"/>
+            <a:lstStyle/>
+            <a:p>
+              <a:pPr algn="ctr"/>
+              <a:endParaRPr lang="en-US" sz="1100"/>
+            </a:p>
+          </p:txBody>
+        </p:sp>
+        <p:sp>
+          <p:nvSpPr>
+            <p:cNvPr id="51" name="Rectangle 50">
+              <a:extLst>
+                <a:ext uri="{FF2B5EF4-FFF2-40B4-BE49-F238E27FC236}">
+                  <a16:creationId xmlns:a16="http://schemas.microsoft.com/office/drawing/2014/main" id="{BC339FCE-4B53-493A-9D92-DAE010CB59BE}"/>
+                </a:ext>
+              </a:extLst>
+            </p:cNvPr>
+            <p:cNvSpPr/>
+            <p:nvPr/>
+          </p:nvSpPr>
+          <p:spPr>
+            <a:xfrm>
+              <a:off x="1088965" y="5227583"/>
+              <a:ext cx="149628" cy="122669"/>
+            </a:xfrm>
+            <a:prstGeom prst="rect">
+              <a:avLst/>
+            </a:prstGeom>
+            <a:solidFill>
+              <a:srgbClr val="48D1D5"/>
+            </a:solidFill>
+            <a:ln>
+              <a:solidFill>
+                <a:schemeClr val="tx1"/>
+              </a:solidFill>
+            </a:ln>
+          </p:spPr>
+          <p:style>
+            <a:lnRef idx="2">
+              <a:schemeClr val="accent1">
+                <a:shade val="50000"/>
+              </a:schemeClr>
+            </a:lnRef>
+            <a:fillRef idx="1">
+              <a:schemeClr val="accent1"/>
+            </a:fillRef>
+            <a:effectRef idx="0">
+              <a:schemeClr val="accent1"/>
+            </a:effectRef>
+            <a:fontRef idx="minor">
+              <a:schemeClr val="lt1"/>
+            </a:fontRef>
+          </p:style>
+          <p:txBody>
+            <a:bodyPr rtlCol="0" anchor="ctr"/>
+            <a:lstStyle/>
+            <a:p>
+              <a:pPr algn="ctr"/>
+              <a:endParaRPr lang="en-US" sz="1100"/>
+            </a:p>
+          </p:txBody>
+        </p:sp>
+      </p:grpSp>
+      <p:grpSp>
+        <p:nvGrpSpPr>
+          <p:cNvPr id="53" name="Group 52">
+            <a:extLst>
+              <a:ext uri="{FF2B5EF4-FFF2-40B4-BE49-F238E27FC236}">
+                <a16:creationId xmlns:a16="http://schemas.microsoft.com/office/drawing/2014/main" id="{C3B94133-CDE3-496F-8795-5E3260AE4E60}"/>
+              </a:ext>
+            </a:extLst>
+          </p:cNvPr>
+          <p:cNvGrpSpPr/>
+          <p:nvPr/>
+        </p:nvGrpSpPr>
+        <p:grpSpPr>
+          <a:xfrm>
+            <a:off x="3368004" y="1677351"/>
+            <a:ext cx="2380254" cy="430887"/>
+            <a:chOff x="1088966" y="4992161"/>
+            <a:chExt cx="2380254" cy="430887"/>
+          </a:xfrm>
+        </p:grpSpPr>
+        <p:sp>
+          <p:nvSpPr>
+            <p:cNvPr id="54" name="TextBox 53">
+              <a:extLst>
+                <a:ext uri="{FF2B5EF4-FFF2-40B4-BE49-F238E27FC236}">
+                  <a16:creationId xmlns:a16="http://schemas.microsoft.com/office/drawing/2014/main" id="{C2257279-0D49-4A82-B351-FA812BDBCF66}"/>
+                </a:ext>
+              </a:extLst>
+            </p:cNvPr>
+            <p:cNvSpPr txBox="1"/>
+            <p:nvPr/>
+          </p:nvSpPr>
+          <p:spPr>
+            <a:xfrm>
+              <a:off x="1163781" y="4992161"/>
+              <a:ext cx="2305439" cy="430887"/>
+            </a:xfrm>
+            <a:prstGeom prst="rect">
+              <a:avLst/>
+            </a:prstGeom>
+            <a:noFill/>
+          </p:spPr>
+          <p:txBody>
+            <a:bodyPr wrap="none" rtlCol="0">
+              <a:spAutoFit/>
+            </a:bodyPr>
+            <a:lstStyle/>
+            <a:p>
+              <a:r>
+                <a:rPr lang="en-US" sz="1100" dirty="0">
                   <a:latin typeface="Arial" panose="020B0604020202020204" pitchFamily="34" charset="0"/>
                   <a:cs typeface="Arial" panose="020B0604020202020204" pitchFamily="34" charset="0"/>
                 </a:rPr>
@@ -5411,22 +5553,24 @@
             </a:p>
             <a:p>
               <a:r>
-                <a:rPr lang="en-US" sz="1400" dirty="0" smtClean="0">
+                <a:rPr lang="en-US" sz="1100" dirty="0">
                   <a:latin typeface="Arial" panose="020B0604020202020204" pitchFamily="34" charset="0"/>
                   <a:cs typeface="Arial" panose="020B0604020202020204" pitchFamily="34" charset="0"/>
                 </a:rPr>
                 <a:t>Low MK2 Expression (bottom 2/3)</a:t>
               </a:r>
-              <a:endParaRPr lang="en-US" sz="1400" dirty="0">
-                <a:latin typeface="Arial" panose="020B0604020202020204" pitchFamily="34" charset="0"/>
-                <a:cs typeface="Arial" panose="020B0604020202020204" pitchFamily="34" charset="0"/>
-              </a:endParaRPr>
             </a:p>
           </p:txBody>
         </p:sp>
         <p:sp>
           <p:nvSpPr>
-            <p:cNvPr id="11" name="Rectangle 10"/>
+            <p:cNvPr id="55" name="Rectangle 54">
+              <a:extLst>
+                <a:ext uri="{FF2B5EF4-FFF2-40B4-BE49-F238E27FC236}">
+                  <a16:creationId xmlns:a16="http://schemas.microsoft.com/office/drawing/2014/main" id="{A775F8CE-71CD-43BF-AF29-B42EE04E5B88}"/>
+                </a:ext>
+              </a:extLst>
+            </p:cNvPr>
             <p:cNvSpPr/>
             <p:nvPr/>
           </p:nvSpPr>
@@ -5468,13 +5612,19 @@
             <a:lstStyle/>
             <a:p>
               <a:pPr algn="ctr"/>
-              <a:endParaRPr lang="en-US"/>
+              <a:endParaRPr lang="en-US" sz="1100"/>
             </a:p>
           </p:txBody>
         </p:sp>
         <p:sp>
           <p:nvSpPr>
-            <p:cNvPr id="12" name="Rectangle 11"/>
+            <p:cNvPr id="56" name="Rectangle 55">
+              <a:extLst>
+                <a:ext uri="{FF2B5EF4-FFF2-40B4-BE49-F238E27FC236}">
+                  <a16:creationId xmlns:a16="http://schemas.microsoft.com/office/drawing/2014/main" id="{221A978B-42A9-45E2-91AD-0BE682FFD582}"/>
+                </a:ext>
+              </a:extLst>
+            </p:cNvPr>
             <p:cNvSpPr/>
             <p:nvPr/>
           </p:nvSpPr>
@@ -5516,35 +5666,85 @@
             <a:lstStyle/>
             <a:p>
               <a:pPr algn="ctr"/>
-              <a:endParaRPr lang="en-US"/>
+              <a:endParaRPr lang="en-US" sz="1100"/>
             </a:p>
           </p:txBody>
         </p:sp>
       </p:grpSp>
+      <p:sp>
+        <p:nvSpPr>
+          <p:cNvPr id="57" name="TextBox 56">
+            <a:extLst>
+              <a:ext uri="{FF2B5EF4-FFF2-40B4-BE49-F238E27FC236}">
+                <a16:creationId xmlns:a16="http://schemas.microsoft.com/office/drawing/2014/main" id="{FE71FF13-8790-4652-819A-CCA881DF0331}"/>
+              </a:ext>
+            </a:extLst>
+          </p:cNvPr>
+          <p:cNvSpPr txBox="1"/>
+          <p:nvPr/>
+        </p:nvSpPr>
+        <p:spPr>
+          <a:xfrm>
+            <a:off x="3254480" y="1421675"/>
+            <a:ext cx="1471878" cy="261610"/>
+          </a:xfrm>
+          <a:prstGeom prst="rect">
+            <a:avLst/>
+          </a:prstGeom>
+          <a:noFill/>
+        </p:spPr>
+        <p:txBody>
+          <a:bodyPr wrap="none" rtlCol="0">
+            <a:spAutoFit/>
+          </a:bodyPr>
+          <a:lstStyle/>
+          <a:p>
+            <a:r>
+              <a:rPr lang="en-US" sz="1100" dirty="0">
+                <a:latin typeface="Arial" panose="020B0604020202020204" pitchFamily="34" charset="0"/>
+                <a:cs typeface="Arial" panose="020B0604020202020204" pitchFamily="34" charset="0"/>
+              </a:rPr>
+              <a:t>Early Stage NSCLC </a:t>
+            </a:r>
+          </a:p>
+        </p:txBody>
+      </p:sp>
       <p:grpSp>
         <p:nvGrpSpPr>
-          <p:cNvPr id="13" name="Group 12"/>
+          <p:cNvPr id="65" name="Group 64">
+            <a:extLst>
+              <a:ext uri="{FF2B5EF4-FFF2-40B4-BE49-F238E27FC236}">
+                <a16:creationId xmlns:a16="http://schemas.microsoft.com/office/drawing/2014/main" id="{F63405A6-1DC2-4586-8EAB-A445EA761B8D}"/>
+              </a:ext>
+            </a:extLst>
+          </p:cNvPr>
           <p:cNvGrpSpPr/>
           <p:nvPr/>
         </p:nvGrpSpPr>
         <p:grpSpPr>
           <a:xfrm>
-            <a:off x="1018735" y="4991104"/>
-            <a:ext cx="3030546" cy="523220"/>
-            <a:chOff x="1088966" y="4984544"/>
-            <a:chExt cx="3030546" cy="523220"/>
+            <a:off x="3368004" y="5061855"/>
+            <a:ext cx="2380254" cy="430887"/>
+            <a:chOff x="1088966" y="4992161"/>
+            <a:chExt cx="2380254" cy="430887"/>
           </a:xfrm>
         </p:grpSpPr>
         <p:sp>
           <p:nvSpPr>
-            <p:cNvPr id="14" name="TextBox 13"/>
+            <p:cNvPr id="66" name="TextBox 65">
+              <a:extLst>
+                <a:ext uri="{FF2B5EF4-FFF2-40B4-BE49-F238E27FC236}">
+                  <a16:creationId xmlns:a16="http://schemas.microsoft.com/office/drawing/2014/main" id="{B06479F9-6FC5-4050-AD75-CF72B20A9A31}"/>
+                </a:ext>
+              </a:extLst>
+            </p:cNvPr>
             <p:cNvSpPr txBox="1"/>
             <p:nvPr/>
           </p:nvSpPr>
           <p:spPr>
             <a:xfrm>
-              <a:off x="1238595" y="4984544"/>
-              <a:ext cx="2880917" cy="523220"/>
+              <a:off x="1163781" y="4992161"/>
+              <a:ext cx="2305439" cy="430887"/>
             </a:xfrm>
             <a:prstGeom prst="rect">
               <a:avLst/>
@@ -5558,7 +5758,7 @@
             <a:lstStyle/>
             <a:p>
               <a:r>
-                <a:rPr lang="en-US" sz="1400" dirty="0" smtClean="0">
+                <a:rPr lang="en-US" sz="1100" dirty="0">
                   <a:latin typeface="Arial" panose="020B0604020202020204" pitchFamily="34" charset="0"/>
                   <a:cs typeface="Arial" panose="020B0604020202020204" pitchFamily="34" charset="0"/>
                 </a:rPr>
@@ -5567,22 +5767,24 @@
             </a:p>
             <a:p>
               <a:r>
-                <a:rPr lang="en-US" sz="1400" dirty="0" smtClean="0">
+                <a:rPr lang="en-US" sz="1100" dirty="0">
                   <a:latin typeface="Arial" panose="020B0604020202020204" pitchFamily="34" charset="0"/>
                   <a:cs typeface="Arial" panose="020B0604020202020204" pitchFamily="34" charset="0"/>
                 </a:rPr>
                 <a:t>Low MK2 Expression (bottom 2/3)</a:t>
               </a:r>
-              <a:endParaRPr lang="en-US" sz="1400" dirty="0">
-                <a:latin typeface="Arial" panose="020B0604020202020204" pitchFamily="34" charset="0"/>
-                <a:cs typeface="Arial" panose="020B0604020202020204" pitchFamily="34" charset="0"/>
-              </a:endParaRPr>
             </a:p>
           </p:txBody>
         </p:sp>
         <p:sp>
           <p:nvSpPr>
-            <p:cNvPr id="15" name="Rectangle 14"/>
+            <p:cNvPr id="67" name="Rectangle 66">
+              <a:extLst>
+                <a:ext uri="{FF2B5EF4-FFF2-40B4-BE49-F238E27FC236}">
+                  <a16:creationId xmlns:a16="http://schemas.microsoft.com/office/drawing/2014/main" id="{E8D2C22E-6059-4290-A54B-AD070CB80E7A}"/>
+                </a:ext>
+              </a:extLst>
+            </p:cNvPr>
             <p:cNvSpPr/>
             <p:nvPr/>
           </p:nvSpPr>
@@ -5624,13 +5826,19 @@
             <a:lstStyle/>
             <a:p>
               <a:pPr algn="ctr"/>
-              <a:endParaRPr lang="en-US"/>
+              <a:endParaRPr lang="en-US" sz="1100"/>
             </a:p>
           </p:txBody>
         </p:sp>
         <p:sp>
           <p:nvSpPr>
-            <p:cNvPr id="16" name="Rectangle 15"/>
+            <p:cNvPr id="68" name="Rectangle 67">
+              <a:extLst>
+                <a:ext uri="{FF2B5EF4-FFF2-40B4-BE49-F238E27FC236}">
+                  <a16:creationId xmlns:a16="http://schemas.microsoft.com/office/drawing/2014/main" id="{DD93E088-B6E9-4228-8F06-BEC795257BC4}"/>
+                </a:ext>
+              </a:extLst>
+            </p:cNvPr>
             <p:cNvSpPr/>
             <p:nvPr/>
           </p:nvSpPr>
@@ -5672,578 +5880,11 @@
             <a:lstStyle/>
             <a:p>
               <a:pPr algn="ctr"/>
-              <a:endParaRPr lang="en-US"/>
+              <a:endParaRPr lang="en-US" sz="1100"/>
             </a:p>
           </p:txBody>
         </p:sp>
       </p:grpSp>
-      <p:sp>
-        <p:nvSpPr>
-          <p:cNvPr id="17" name="TextBox 16"/>
-          <p:cNvSpPr txBox="1"/>
-          <p:nvPr/>
-        </p:nvSpPr>
-        <p:spPr>
-          <a:xfrm>
-            <a:off x="2287444" y="409613"/>
-            <a:ext cx="1584088" cy="276999"/>
-          </a:xfrm>
-          <a:prstGeom prst="rect">
-            <a:avLst/>
-          </a:prstGeom>
-          <a:noFill/>
-        </p:spPr>
-        <p:txBody>
-          <a:bodyPr wrap="none" rtlCol="0">
-            <a:spAutoFit/>
-          </a:bodyPr>
-          <a:lstStyle/>
-          <a:p>
-            <a:r>
-              <a:rPr lang="en-US" sz="1200" dirty="0" smtClean="0">
-                <a:latin typeface="Arial" panose="020B0604020202020204" pitchFamily="34" charset="0"/>
-                <a:cs typeface="Arial" panose="020B0604020202020204" pitchFamily="34" charset="0"/>
-              </a:rPr>
-              <a:t>Early Stage NSCLC </a:t>
-            </a:r>
-            <a:endParaRPr lang="en-US" sz="1200" dirty="0">
-              <a:latin typeface="Arial" panose="020B0604020202020204" pitchFamily="34" charset="0"/>
-              <a:cs typeface="Arial" panose="020B0604020202020204" pitchFamily="34" charset="0"/>
-            </a:endParaRPr>
-          </a:p>
-        </p:txBody>
-      </p:sp>
-      <p:sp>
-        <p:nvSpPr>
-          <p:cNvPr id="18" name="TextBox 17"/>
-          <p:cNvSpPr txBox="1"/>
-          <p:nvPr/>
-        </p:nvSpPr>
-        <p:spPr>
-          <a:xfrm>
-            <a:off x="2265785" y="3682771"/>
-            <a:ext cx="1489510" cy="276999"/>
-          </a:xfrm>
-          <a:prstGeom prst="rect">
-            <a:avLst/>
-          </a:prstGeom>
-          <a:noFill/>
-        </p:spPr>
-        <p:txBody>
-          <a:bodyPr wrap="none" rtlCol="0">
-            <a:spAutoFit/>
-          </a:bodyPr>
-          <a:lstStyle/>
-          <a:p>
-            <a:r>
-              <a:rPr lang="en-US" sz="1200" dirty="0" smtClean="0">
-                <a:latin typeface="Arial" panose="020B0604020202020204" pitchFamily="34" charset="0"/>
-                <a:cs typeface="Arial" panose="020B0604020202020204" pitchFamily="34" charset="0"/>
-              </a:rPr>
-              <a:t>Late Stage NSCLC</a:t>
-            </a:r>
-            <a:endParaRPr lang="en-US" sz="1200" dirty="0">
-              <a:latin typeface="Arial" panose="020B0604020202020204" pitchFamily="34" charset="0"/>
-              <a:cs typeface="Arial" panose="020B0604020202020204" pitchFamily="34" charset="0"/>
-            </a:endParaRPr>
-          </a:p>
-        </p:txBody>
-      </p:sp>
-      <p:sp>
-        <p:nvSpPr>
-          <p:cNvPr id="2" name="TextBox 1"/>
-          <p:cNvSpPr txBox="1"/>
-          <p:nvPr/>
-        </p:nvSpPr>
-        <p:spPr>
-          <a:xfrm>
-            <a:off x="481092" y="35848"/>
-            <a:ext cx="3207929" cy="307777"/>
-          </a:xfrm>
-          <a:prstGeom prst="rect">
-            <a:avLst/>
-          </a:prstGeom>
-          <a:noFill/>
-        </p:spPr>
-        <p:txBody>
-          <a:bodyPr wrap="none" rtlCol="0">
-            <a:spAutoFit/>
-          </a:bodyPr>
-          <a:lstStyle/>
-          <a:p>
-            <a:r>
-              <a:rPr lang="en-US" sz="1400" b="1" u="sng" dirty="0" smtClean="0">
-                <a:latin typeface="Arial" panose="020B0604020202020204" pitchFamily="34" charset="0"/>
-                <a:cs typeface="Arial" panose="020B0604020202020204" pitchFamily="34" charset="0"/>
-              </a:rPr>
-              <a:t>Model 2: Cox Proportional Hazards </a:t>
-            </a:r>
-            <a:endParaRPr lang="en-US" sz="1400" b="1" u="sng" dirty="0">
-              <a:latin typeface="Arial" panose="020B0604020202020204" pitchFamily="34" charset="0"/>
-              <a:cs typeface="Arial" panose="020B0604020202020204" pitchFamily="34" charset="0"/>
-            </a:endParaRPr>
-          </a:p>
-        </p:txBody>
-      </p:sp>
-      <p:sp>
-        <p:nvSpPr>
-          <p:cNvPr id="19" name="TextBox 18"/>
-          <p:cNvSpPr txBox="1"/>
-          <p:nvPr/>
-        </p:nvSpPr>
-        <p:spPr>
-          <a:xfrm>
-            <a:off x="6815464" y="35847"/>
-            <a:ext cx="2667718" cy="307777"/>
-          </a:xfrm>
-          <a:prstGeom prst="rect">
-            <a:avLst/>
-          </a:prstGeom>
-          <a:noFill/>
-        </p:spPr>
-        <p:txBody>
-          <a:bodyPr wrap="none" rtlCol="0">
-            <a:spAutoFit/>
-          </a:bodyPr>
-          <a:lstStyle/>
-          <a:p>
-            <a:r>
-              <a:rPr lang="en-US" sz="1400" b="1" u="sng" dirty="0" smtClean="0">
-                <a:latin typeface="Arial" panose="020B0604020202020204" pitchFamily="34" charset="0"/>
-                <a:cs typeface="Arial" panose="020B0604020202020204" pitchFamily="34" charset="0"/>
-              </a:rPr>
-              <a:t>Model 3: Logistic Regression</a:t>
-            </a:r>
-            <a:endParaRPr lang="en-US" sz="1400" b="1" u="sng" dirty="0">
-              <a:latin typeface="Arial" panose="020B0604020202020204" pitchFamily="34" charset="0"/>
-              <a:cs typeface="Arial" panose="020B0604020202020204" pitchFamily="34" charset="0"/>
-            </a:endParaRPr>
-          </a:p>
-        </p:txBody>
-      </p:sp>
-      <p:sp>
-        <p:nvSpPr>
-          <p:cNvPr id="21" name="TextBox 20"/>
-          <p:cNvSpPr txBox="1"/>
-          <p:nvPr/>
-        </p:nvSpPr>
-        <p:spPr>
-          <a:xfrm>
-            <a:off x="7121747" y="3314100"/>
-            <a:ext cx="465192" cy="276999"/>
-          </a:xfrm>
-          <a:prstGeom prst="rect">
-            <a:avLst/>
-          </a:prstGeom>
-          <a:noFill/>
-        </p:spPr>
-        <p:txBody>
-          <a:bodyPr wrap="none" rtlCol="0">
-            <a:spAutoFit/>
-          </a:bodyPr>
-          <a:lstStyle/>
-          <a:p>
-            <a:r>
-              <a:rPr lang="en-US" sz="1200" dirty="0" smtClean="0">
-                <a:latin typeface="Arial" panose="020B0604020202020204" pitchFamily="34" charset="0"/>
-                <a:cs typeface="Arial" panose="020B0604020202020204" pitchFamily="34" charset="0"/>
-              </a:rPr>
-              <a:t>Low</a:t>
-            </a:r>
-            <a:endParaRPr lang="en-US" sz="1200" dirty="0">
-              <a:latin typeface="Arial" panose="020B0604020202020204" pitchFamily="34" charset="0"/>
-              <a:cs typeface="Arial" panose="020B0604020202020204" pitchFamily="34" charset="0"/>
-            </a:endParaRPr>
-          </a:p>
-        </p:txBody>
-      </p:sp>
-      <p:sp>
-        <p:nvSpPr>
-          <p:cNvPr id="22" name="TextBox 21"/>
-          <p:cNvSpPr txBox="1"/>
-          <p:nvPr/>
-        </p:nvSpPr>
-        <p:spPr>
-          <a:xfrm>
-            <a:off x="9599415" y="3306383"/>
-            <a:ext cx="498855" cy="276999"/>
-          </a:xfrm>
-          <a:prstGeom prst="rect">
-            <a:avLst/>
-          </a:prstGeom>
-          <a:noFill/>
-        </p:spPr>
-        <p:txBody>
-          <a:bodyPr wrap="none" rtlCol="0">
-            <a:spAutoFit/>
-          </a:bodyPr>
-          <a:lstStyle/>
-          <a:p>
-            <a:r>
-              <a:rPr lang="en-US" sz="1200" dirty="0" smtClean="0">
-                <a:latin typeface="Arial" panose="020B0604020202020204" pitchFamily="34" charset="0"/>
-                <a:cs typeface="Arial" panose="020B0604020202020204" pitchFamily="34" charset="0"/>
-              </a:rPr>
-              <a:t>High</a:t>
-            </a:r>
-            <a:endParaRPr lang="en-US" sz="1200" dirty="0">
-              <a:latin typeface="Arial" panose="020B0604020202020204" pitchFamily="34" charset="0"/>
-              <a:cs typeface="Arial" panose="020B0604020202020204" pitchFamily="34" charset="0"/>
-            </a:endParaRPr>
-          </a:p>
-        </p:txBody>
-      </p:sp>
-      <p:sp>
-        <p:nvSpPr>
-          <p:cNvPr id="23" name="TextBox 22"/>
-          <p:cNvSpPr txBox="1"/>
-          <p:nvPr/>
-        </p:nvSpPr>
-        <p:spPr>
-          <a:xfrm>
-            <a:off x="7992002" y="3306384"/>
-            <a:ext cx="1301959" cy="276999"/>
-          </a:xfrm>
-          <a:prstGeom prst="rect">
-            <a:avLst/>
-          </a:prstGeom>
-          <a:noFill/>
-        </p:spPr>
-        <p:txBody>
-          <a:bodyPr wrap="none" rtlCol="0">
-            <a:spAutoFit/>
-          </a:bodyPr>
-          <a:lstStyle/>
-          <a:p>
-            <a:r>
-              <a:rPr lang="en-US" sz="1200" dirty="0" smtClean="0">
-                <a:latin typeface="Arial" panose="020B0604020202020204" pitchFamily="34" charset="0"/>
-                <a:cs typeface="Arial" panose="020B0604020202020204" pitchFamily="34" charset="0"/>
-              </a:rPr>
-              <a:t>MK2 Expression</a:t>
-            </a:r>
-            <a:endParaRPr lang="en-US" sz="1200" dirty="0">
-              <a:latin typeface="Arial" panose="020B0604020202020204" pitchFamily="34" charset="0"/>
-              <a:cs typeface="Arial" panose="020B0604020202020204" pitchFamily="34" charset="0"/>
-            </a:endParaRPr>
-          </a:p>
-        </p:txBody>
-      </p:sp>
-      <p:sp>
-        <p:nvSpPr>
-          <p:cNvPr id="24" name="TextBox 23"/>
-          <p:cNvSpPr txBox="1"/>
-          <p:nvPr/>
-        </p:nvSpPr>
-        <p:spPr>
-          <a:xfrm rot="16200000">
-            <a:off x="5690516" y="1608352"/>
-            <a:ext cx="1644660" cy="461665"/>
-          </a:xfrm>
-          <a:prstGeom prst="rect">
-            <a:avLst/>
-          </a:prstGeom>
-          <a:noFill/>
-        </p:spPr>
-        <p:txBody>
-          <a:bodyPr wrap="square" rtlCol="0">
-            <a:spAutoFit/>
-          </a:bodyPr>
-          <a:lstStyle/>
-          <a:p>
-            <a:pPr algn="ctr"/>
-            <a:r>
-              <a:rPr lang="en-US" sz="1200" dirty="0" smtClean="0">
-                <a:latin typeface="Arial" panose="020B0604020202020204" pitchFamily="34" charset="0"/>
-                <a:cs typeface="Arial" panose="020B0604020202020204" pitchFamily="34" charset="0"/>
-              </a:rPr>
-              <a:t>Predicted probability of death at one year</a:t>
-            </a:r>
-            <a:endParaRPr lang="en-US" sz="1200" dirty="0">
-              <a:latin typeface="Arial" panose="020B0604020202020204" pitchFamily="34" charset="0"/>
-              <a:cs typeface="Arial" panose="020B0604020202020204" pitchFamily="34" charset="0"/>
-            </a:endParaRPr>
-          </a:p>
-        </p:txBody>
-      </p:sp>
-      <p:sp>
-        <p:nvSpPr>
-          <p:cNvPr id="25" name="TextBox 24"/>
-          <p:cNvSpPr txBox="1"/>
-          <p:nvPr/>
-        </p:nvSpPr>
-        <p:spPr>
-          <a:xfrm>
-            <a:off x="7611516" y="351340"/>
-            <a:ext cx="1540806" cy="276999"/>
-          </a:xfrm>
-          <a:prstGeom prst="rect">
-            <a:avLst/>
-          </a:prstGeom>
-          <a:noFill/>
-        </p:spPr>
-        <p:txBody>
-          <a:bodyPr wrap="none" rtlCol="0">
-            <a:spAutoFit/>
-          </a:bodyPr>
-          <a:lstStyle/>
-          <a:p>
-            <a:r>
-              <a:rPr lang="en-US" sz="1200" dirty="0" smtClean="0">
-                <a:latin typeface="Arial" panose="020B0604020202020204" pitchFamily="34" charset="0"/>
-                <a:cs typeface="Arial" panose="020B0604020202020204" pitchFamily="34" charset="0"/>
-              </a:rPr>
-              <a:t>Early Stage NSCLC</a:t>
-            </a:r>
-            <a:endParaRPr lang="en-US" sz="1200" dirty="0">
-              <a:latin typeface="Arial" panose="020B0604020202020204" pitchFamily="34" charset="0"/>
-              <a:cs typeface="Arial" panose="020B0604020202020204" pitchFamily="34" charset="0"/>
-            </a:endParaRPr>
-          </a:p>
-        </p:txBody>
-      </p:sp>
-      <p:pic>
-        <p:nvPicPr>
-          <p:cNvPr id="3" name="Picture 2"/>
-          <p:cNvPicPr>
-            <a:picLocks noChangeAspect="1"/>
-          </p:cNvPicPr>
-          <p:nvPr/>
-        </p:nvPicPr>
-        <p:blipFill rotWithShape="1">
-          <a:blip r:embed="rId4"/>
-          <a:srcRect l="7161" t="14502" b="14441"/>
-          <a:stretch/>
-        </p:blipFill>
-        <p:spPr>
-          <a:xfrm>
-            <a:off x="6716684" y="590204"/>
-            <a:ext cx="3687040" cy="2754315"/>
-          </a:xfrm>
-          <a:prstGeom prst="rect">
-            <a:avLst/>
-          </a:prstGeom>
-        </p:spPr>
-      </p:pic>
-      <p:grpSp>
-        <p:nvGrpSpPr>
-          <p:cNvPr id="32" name="Group 31"/>
-          <p:cNvGrpSpPr/>
-          <p:nvPr/>
-        </p:nvGrpSpPr>
-        <p:grpSpPr>
-          <a:xfrm>
-            <a:off x="6275634" y="3984489"/>
-            <a:ext cx="4121711" cy="2900544"/>
-            <a:chOff x="6282013" y="3735334"/>
-            <a:chExt cx="4121711" cy="2900544"/>
-          </a:xfrm>
-        </p:grpSpPr>
-        <p:pic>
-          <p:nvPicPr>
-            <p:cNvPr id="27" name="Picture 26"/>
-            <p:cNvPicPr>
-              <a:picLocks noChangeAspect="1"/>
-            </p:cNvPicPr>
-            <p:nvPr/>
-          </p:nvPicPr>
-          <p:blipFill rotWithShape="1">
-            <a:blip r:embed="rId5"/>
-            <a:srcRect l="6743" t="14862" b="14229"/>
-            <a:stretch/>
-          </p:blipFill>
-          <p:spPr>
-            <a:xfrm>
-              <a:off x="6700058" y="3735334"/>
-              <a:ext cx="3703666" cy="2748593"/>
-            </a:xfrm>
-            <a:prstGeom prst="rect">
-              <a:avLst/>
-            </a:prstGeom>
-          </p:spPr>
-        </p:pic>
-        <p:sp>
-          <p:nvSpPr>
-            <p:cNvPr id="28" name="TextBox 27"/>
-            <p:cNvSpPr txBox="1"/>
-            <p:nvPr/>
-          </p:nvSpPr>
-          <p:spPr>
-            <a:xfrm>
-              <a:off x="7121747" y="6358879"/>
-              <a:ext cx="465192" cy="276999"/>
-            </a:xfrm>
-            <a:prstGeom prst="rect">
-              <a:avLst/>
-            </a:prstGeom>
-            <a:noFill/>
-          </p:spPr>
-          <p:txBody>
-            <a:bodyPr wrap="none" rtlCol="0">
-              <a:spAutoFit/>
-            </a:bodyPr>
-            <a:lstStyle/>
-            <a:p>
-              <a:r>
-                <a:rPr lang="en-US" sz="1200" dirty="0" smtClean="0">
-                  <a:latin typeface="Arial" panose="020B0604020202020204" pitchFamily="34" charset="0"/>
-                  <a:cs typeface="Arial" panose="020B0604020202020204" pitchFamily="34" charset="0"/>
-                </a:rPr>
-                <a:t>Low</a:t>
-              </a:r>
-              <a:endParaRPr lang="en-US" sz="1200" dirty="0">
-                <a:latin typeface="Arial" panose="020B0604020202020204" pitchFamily="34" charset="0"/>
-                <a:cs typeface="Arial" panose="020B0604020202020204" pitchFamily="34" charset="0"/>
-              </a:endParaRPr>
-            </a:p>
-          </p:txBody>
-        </p:sp>
-        <p:sp>
-          <p:nvSpPr>
-            <p:cNvPr id="29" name="TextBox 28"/>
-            <p:cNvSpPr txBox="1"/>
-            <p:nvPr/>
-          </p:nvSpPr>
-          <p:spPr>
-            <a:xfrm>
-              <a:off x="9599415" y="6351162"/>
-              <a:ext cx="498855" cy="276999"/>
-            </a:xfrm>
-            <a:prstGeom prst="rect">
-              <a:avLst/>
-            </a:prstGeom>
-            <a:noFill/>
-          </p:spPr>
-          <p:txBody>
-            <a:bodyPr wrap="none" rtlCol="0">
-              <a:spAutoFit/>
-            </a:bodyPr>
-            <a:lstStyle/>
-            <a:p>
-              <a:r>
-                <a:rPr lang="en-US" sz="1200" dirty="0" smtClean="0">
-                  <a:latin typeface="Arial" panose="020B0604020202020204" pitchFamily="34" charset="0"/>
-                  <a:cs typeface="Arial" panose="020B0604020202020204" pitchFamily="34" charset="0"/>
-                </a:rPr>
-                <a:t>High</a:t>
-              </a:r>
-              <a:endParaRPr lang="en-US" sz="1200" dirty="0">
-                <a:latin typeface="Arial" panose="020B0604020202020204" pitchFamily="34" charset="0"/>
-                <a:cs typeface="Arial" panose="020B0604020202020204" pitchFamily="34" charset="0"/>
-              </a:endParaRPr>
-            </a:p>
-          </p:txBody>
-        </p:sp>
-        <p:sp>
-          <p:nvSpPr>
-            <p:cNvPr id="30" name="TextBox 29"/>
-            <p:cNvSpPr txBox="1"/>
-            <p:nvPr/>
-          </p:nvSpPr>
-          <p:spPr>
-            <a:xfrm>
-              <a:off x="7992002" y="6351163"/>
-              <a:ext cx="1301959" cy="276999"/>
-            </a:xfrm>
-            <a:prstGeom prst="rect">
-              <a:avLst/>
-            </a:prstGeom>
-            <a:noFill/>
-          </p:spPr>
-          <p:txBody>
-            <a:bodyPr wrap="none" rtlCol="0">
-              <a:spAutoFit/>
-            </a:bodyPr>
-            <a:lstStyle/>
-            <a:p>
-              <a:r>
-                <a:rPr lang="en-US" sz="1200" dirty="0" smtClean="0">
-                  <a:latin typeface="Arial" panose="020B0604020202020204" pitchFamily="34" charset="0"/>
-                  <a:cs typeface="Arial" panose="020B0604020202020204" pitchFamily="34" charset="0"/>
-                </a:rPr>
-                <a:t>MK2 Expression</a:t>
-              </a:r>
-              <a:endParaRPr lang="en-US" sz="1200" dirty="0">
-                <a:latin typeface="Arial" panose="020B0604020202020204" pitchFamily="34" charset="0"/>
-                <a:cs typeface="Arial" panose="020B0604020202020204" pitchFamily="34" charset="0"/>
-              </a:endParaRPr>
-            </a:p>
-          </p:txBody>
-        </p:sp>
-        <p:sp>
-          <p:nvSpPr>
-            <p:cNvPr id="31" name="TextBox 30"/>
-            <p:cNvSpPr txBox="1"/>
-            <p:nvPr/>
-          </p:nvSpPr>
-          <p:spPr>
-            <a:xfrm rot="16200000">
-              <a:off x="5690516" y="4653131"/>
-              <a:ext cx="1644660" cy="461665"/>
-            </a:xfrm>
-            <a:prstGeom prst="rect">
-              <a:avLst/>
-            </a:prstGeom>
-            <a:noFill/>
-          </p:spPr>
-          <p:txBody>
-            <a:bodyPr wrap="square" rtlCol="0">
-              <a:spAutoFit/>
-            </a:bodyPr>
-            <a:lstStyle/>
-            <a:p>
-              <a:pPr algn="ctr"/>
-              <a:r>
-                <a:rPr lang="en-US" sz="1200" dirty="0" smtClean="0">
-                  <a:latin typeface="Arial" panose="020B0604020202020204" pitchFamily="34" charset="0"/>
-                  <a:cs typeface="Arial" panose="020B0604020202020204" pitchFamily="34" charset="0"/>
-                </a:rPr>
-                <a:t>Predicted probability of death at one year</a:t>
-              </a:r>
-              <a:endParaRPr lang="en-US" sz="1200" dirty="0">
-                <a:latin typeface="Arial" panose="020B0604020202020204" pitchFamily="34" charset="0"/>
-                <a:cs typeface="Arial" panose="020B0604020202020204" pitchFamily="34" charset="0"/>
-              </a:endParaRPr>
-            </a:p>
-          </p:txBody>
-        </p:sp>
-      </p:grpSp>
-      <p:sp>
-        <p:nvSpPr>
-          <p:cNvPr id="33" name="TextBox 32"/>
-          <p:cNvSpPr txBox="1"/>
-          <p:nvPr/>
-        </p:nvSpPr>
-        <p:spPr>
-          <a:xfrm>
-            <a:off x="7746776" y="3707490"/>
-            <a:ext cx="1489510" cy="276999"/>
-          </a:xfrm>
-          <a:prstGeom prst="rect">
-            <a:avLst/>
-          </a:prstGeom>
-          <a:noFill/>
-        </p:spPr>
-        <p:txBody>
-          <a:bodyPr wrap="none" rtlCol="0">
-            <a:spAutoFit/>
-          </a:bodyPr>
-          <a:lstStyle/>
-          <a:p>
-            <a:r>
-              <a:rPr lang="en-US" sz="1200" dirty="0" smtClean="0">
-                <a:latin typeface="Arial" panose="020B0604020202020204" pitchFamily="34" charset="0"/>
-                <a:cs typeface="Arial" panose="020B0604020202020204" pitchFamily="34" charset="0"/>
-              </a:rPr>
-              <a:t>Late Stage NSCLC</a:t>
-            </a:r>
-            <a:endParaRPr lang="en-US" sz="1200" dirty="0">
-              <a:latin typeface="Arial" panose="020B0604020202020204" pitchFamily="34" charset="0"/>
-              <a:cs typeface="Arial" panose="020B0604020202020204" pitchFamily="34" charset="0"/>
-            </a:endParaRPr>
-          </a:p>
-        </p:txBody>
-      </p:sp>
     </p:spTree>
     <p:extLst>
       <p:ext uri="{BB962C8B-B14F-4D97-AF65-F5344CB8AC3E}">
@@ -6254,530 +5895,10 @@
   <p:clrMapOvr>
     <a:masterClrMapping/>
   </p:clrMapOvr>
-  <p:timing>
-    <p:tnLst>
-      <p:par>
-        <p:cTn id="1" dur="indefinite" restart="never" nodeType="tmRoot"/>
-      </p:par>
-    </p:tnLst>
-  </p:timing>
 </p:sld>
 </file>
 
 <file path=ppt/slides/slide4.xml><?xml version="1.0" encoding="utf-8"?>
-<p:sld xmlns:a="http://schemas.openxmlformats.org/drawingml/2006/main" xmlns:r="http://schemas.openxmlformats.org/officeDocument/2006/relationships" xmlns:p="http://schemas.openxmlformats.org/presentationml/2006/main">
-  <p:cSld>
-    <p:spTree>
-      <p:nvGrpSpPr>
-        <p:cNvPr id="1" name=""/>
-        <p:cNvGrpSpPr/>
-        <p:nvPr/>
-      </p:nvGrpSpPr>
-      <p:grpSpPr>
-        <a:xfrm>
-          <a:off x="0" y="0"/>
-          <a:ext cx="0" cy="0"/>
-          <a:chOff x="0" y="0"/>
-          <a:chExt cx="0" cy="0"/>
-        </a:xfrm>
-      </p:grpSpPr>
-      <p:pic>
-        <p:nvPicPr>
-          <p:cNvPr id="4" name="Picture 3"/>
-          <p:cNvPicPr>
-            <a:picLocks noChangeAspect="1"/>
-          </p:cNvPicPr>
-          <p:nvPr/>
-        </p:nvPicPr>
-        <p:blipFill rotWithShape="1">
-          <a:blip r:embed="rId2"/>
-          <a:srcRect t="10873"/>
-          <a:stretch/>
-        </p:blipFill>
-        <p:spPr>
-          <a:xfrm>
-            <a:off x="166254" y="1594919"/>
-            <a:ext cx="5535874" cy="3044961"/>
-          </a:xfrm>
-          <a:prstGeom prst="rect">
-            <a:avLst/>
-          </a:prstGeom>
-        </p:spPr>
-      </p:pic>
-      <p:pic>
-        <p:nvPicPr>
-          <p:cNvPr id="6" name="Picture 5"/>
-          <p:cNvPicPr>
-            <a:picLocks noChangeAspect="1"/>
-          </p:cNvPicPr>
-          <p:nvPr/>
-        </p:nvPicPr>
-        <p:blipFill rotWithShape="1">
-          <a:blip r:embed="rId3"/>
-          <a:srcRect t="11138"/>
-          <a:stretch/>
-        </p:blipFill>
-        <p:spPr>
-          <a:xfrm>
-            <a:off x="5851200" y="1499065"/>
-            <a:ext cx="5720116" cy="3136919"/>
-          </a:xfrm>
-          <a:prstGeom prst="rect">
-            <a:avLst/>
-          </a:prstGeom>
-        </p:spPr>
-      </p:pic>
-      <p:grpSp>
-        <p:nvGrpSpPr>
-          <p:cNvPr id="10" name="Group 9"/>
-          <p:cNvGrpSpPr/>
-          <p:nvPr/>
-        </p:nvGrpSpPr>
-        <p:grpSpPr>
-          <a:xfrm>
-            <a:off x="1188718" y="2690659"/>
-            <a:ext cx="2955732" cy="523220"/>
-            <a:chOff x="1088966" y="4992161"/>
-            <a:chExt cx="2955732" cy="523220"/>
-          </a:xfrm>
-        </p:grpSpPr>
-        <p:sp>
-          <p:nvSpPr>
-            <p:cNvPr id="7" name="TextBox 6"/>
-            <p:cNvSpPr txBox="1"/>
-            <p:nvPr/>
-          </p:nvSpPr>
-          <p:spPr>
-            <a:xfrm>
-              <a:off x="1163781" y="4992161"/>
-              <a:ext cx="2880917" cy="523220"/>
-            </a:xfrm>
-            <a:prstGeom prst="rect">
-              <a:avLst/>
-            </a:prstGeom>
-            <a:noFill/>
-          </p:spPr>
-          <p:txBody>
-            <a:bodyPr wrap="none" rtlCol="0">
-              <a:spAutoFit/>
-            </a:bodyPr>
-            <a:lstStyle/>
-            <a:p>
-              <a:r>
-                <a:rPr lang="en-US" sz="1400" dirty="0" smtClean="0">
-                  <a:latin typeface="Arial" panose="020B0604020202020204" pitchFamily="34" charset="0"/>
-                  <a:cs typeface="Arial" panose="020B0604020202020204" pitchFamily="34" charset="0"/>
-                </a:rPr>
-                <a:t>High MK2 Expression (top 1/3)</a:t>
-              </a:r>
-            </a:p>
-            <a:p>
-              <a:r>
-                <a:rPr lang="en-US" sz="1400" dirty="0" smtClean="0">
-                  <a:latin typeface="Arial" panose="020B0604020202020204" pitchFamily="34" charset="0"/>
-                  <a:cs typeface="Arial" panose="020B0604020202020204" pitchFamily="34" charset="0"/>
-                </a:rPr>
-                <a:t>Low MK2 Expression (bottom 2/3)</a:t>
-              </a:r>
-              <a:endParaRPr lang="en-US" sz="1400" dirty="0">
-                <a:latin typeface="Arial" panose="020B0604020202020204" pitchFamily="34" charset="0"/>
-                <a:cs typeface="Arial" panose="020B0604020202020204" pitchFamily="34" charset="0"/>
-              </a:endParaRPr>
-            </a:p>
-          </p:txBody>
-        </p:sp>
-        <p:sp>
-          <p:nvSpPr>
-            <p:cNvPr id="8" name="Rectangle 7"/>
-            <p:cNvSpPr/>
-            <p:nvPr/>
-          </p:nvSpPr>
-          <p:spPr>
-            <a:xfrm>
-              <a:off x="1088966" y="5074037"/>
-              <a:ext cx="149630" cy="133004"/>
-            </a:xfrm>
-            <a:prstGeom prst="rect">
-              <a:avLst/>
-            </a:prstGeom>
-            <a:solidFill>
-              <a:srgbClr val="B3ECED"/>
-            </a:solidFill>
-            <a:ln>
-              <a:solidFill>
-                <a:schemeClr val="tx1"/>
-              </a:solidFill>
-            </a:ln>
-          </p:spPr>
-          <p:style>
-            <a:lnRef idx="2">
-              <a:schemeClr val="accent1">
-                <a:shade val="50000"/>
-              </a:schemeClr>
-            </a:lnRef>
-            <a:fillRef idx="1">
-              <a:schemeClr val="accent1"/>
-            </a:fillRef>
-            <a:effectRef idx="0">
-              <a:schemeClr val="accent1"/>
-            </a:effectRef>
-            <a:fontRef idx="minor">
-              <a:schemeClr val="lt1"/>
-            </a:fontRef>
-          </p:style>
-          <p:txBody>
-            <a:bodyPr rtlCol="0" anchor="ctr"/>
-            <a:lstStyle/>
-            <a:p>
-              <a:pPr algn="ctr"/>
-              <a:endParaRPr lang="en-US"/>
-            </a:p>
-          </p:txBody>
-        </p:sp>
-        <p:sp>
-          <p:nvSpPr>
-            <p:cNvPr id="9" name="Rectangle 8"/>
-            <p:cNvSpPr/>
-            <p:nvPr/>
-          </p:nvSpPr>
-          <p:spPr>
-            <a:xfrm>
-              <a:off x="1088967" y="5288917"/>
-              <a:ext cx="149628" cy="122669"/>
-            </a:xfrm>
-            <a:prstGeom prst="rect">
-              <a:avLst/>
-            </a:prstGeom>
-            <a:solidFill>
-              <a:srgbClr val="FDD6D3"/>
-            </a:solidFill>
-            <a:ln>
-              <a:solidFill>
-                <a:schemeClr val="tx1"/>
-              </a:solidFill>
-            </a:ln>
-          </p:spPr>
-          <p:style>
-            <a:lnRef idx="2">
-              <a:schemeClr val="accent1">
-                <a:shade val="50000"/>
-              </a:schemeClr>
-            </a:lnRef>
-            <a:fillRef idx="1">
-              <a:schemeClr val="accent1"/>
-            </a:fillRef>
-            <a:effectRef idx="0">
-              <a:schemeClr val="accent1"/>
-            </a:effectRef>
-            <a:fontRef idx="minor">
-              <a:schemeClr val="lt1"/>
-            </a:fontRef>
-          </p:style>
-          <p:txBody>
-            <a:bodyPr rtlCol="0" anchor="ctr"/>
-            <a:lstStyle/>
-            <a:p>
-              <a:pPr algn="ctr"/>
-              <a:endParaRPr lang="en-US"/>
-            </a:p>
-          </p:txBody>
-        </p:sp>
-      </p:grpSp>
-      <p:grpSp>
-        <p:nvGrpSpPr>
-          <p:cNvPr id="11" name="Group 10"/>
-          <p:cNvGrpSpPr/>
-          <p:nvPr/>
-        </p:nvGrpSpPr>
-        <p:grpSpPr>
-          <a:xfrm>
-            <a:off x="6677889" y="2686743"/>
-            <a:ext cx="2955732" cy="523220"/>
-            <a:chOff x="1088966" y="4992161"/>
-            <a:chExt cx="2955732" cy="523220"/>
-          </a:xfrm>
-        </p:grpSpPr>
-        <p:sp>
-          <p:nvSpPr>
-            <p:cNvPr id="12" name="TextBox 11"/>
-            <p:cNvSpPr txBox="1"/>
-            <p:nvPr/>
-          </p:nvSpPr>
-          <p:spPr>
-            <a:xfrm>
-              <a:off x="1163781" y="4992161"/>
-              <a:ext cx="2880917" cy="523220"/>
-            </a:xfrm>
-            <a:prstGeom prst="rect">
-              <a:avLst/>
-            </a:prstGeom>
-            <a:noFill/>
-          </p:spPr>
-          <p:txBody>
-            <a:bodyPr wrap="none" rtlCol="0">
-              <a:spAutoFit/>
-            </a:bodyPr>
-            <a:lstStyle/>
-            <a:p>
-              <a:r>
-                <a:rPr lang="en-US" sz="1400" dirty="0" smtClean="0">
-                  <a:latin typeface="Arial" panose="020B0604020202020204" pitchFamily="34" charset="0"/>
-                  <a:cs typeface="Arial" panose="020B0604020202020204" pitchFamily="34" charset="0"/>
-                </a:rPr>
-                <a:t>High MK2 Expression (top 1/3)</a:t>
-              </a:r>
-            </a:p>
-            <a:p>
-              <a:r>
-                <a:rPr lang="en-US" sz="1400" dirty="0" smtClean="0">
-                  <a:latin typeface="Arial" panose="020B0604020202020204" pitchFamily="34" charset="0"/>
-                  <a:cs typeface="Arial" panose="020B0604020202020204" pitchFamily="34" charset="0"/>
-                </a:rPr>
-                <a:t>Low MK2 Expression (bottom 2/3)</a:t>
-              </a:r>
-              <a:endParaRPr lang="en-US" sz="1400" dirty="0">
-                <a:latin typeface="Arial" panose="020B0604020202020204" pitchFamily="34" charset="0"/>
-                <a:cs typeface="Arial" panose="020B0604020202020204" pitchFamily="34" charset="0"/>
-              </a:endParaRPr>
-            </a:p>
-          </p:txBody>
-        </p:sp>
-        <p:sp>
-          <p:nvSpPr>
-            <p:cNvPr id="13" name="Rectangle 12"/>
-            <p:cNvSpPr/>
-            <p:nvPr/>
-          </p:nvSpPr>
-          <p:spPr>
-            <a:xfrm>
-              <a:off x="1088966" y="5074037"/>
-              <a:ext cx="149630" cy="133004"/>
-            </a:xfrm>
-            <a:prstGeom prst="rect">
-              <a:avLst/>
-            </a:prstGeom>
-            <a:solidFill>
-              <a:srgbClr val="B3ECED"/>
-            </a:solidFill>
-            <a:ln>
-              <a:solidFill>
-                <a:schemeClr val="tx1"/>
-              </a:solidFill>
-            </a:ln>
-          </p:spPr>
-          <p:style>
-            <a:lnRef idx="2">
-              <a:schemeClr val="accent1">
-                <a:shade val="50000"/>
-              </a:schemeClr>
-            </a:lnRef>
-            <a:fillRef idx="1">
-              <a:schemeClr val="accent1"/>
-            </a:fillRef>
-            <a:effectRef idx="0">
-              <a:schemeClr val="accent1"/>
-            </a:effectRef>
-            <a:fontRef idx="minor">
-              <a:schemeClr val="lt1"/>
-            </a:fontRef>
-          </p:style>
-          <p:txBody>
-            <a:bodyPr rtlCol="0" anchor="ctr"/>
-            <a:lstStyle/>
-            <a:p>
-              <a:pPr algn="ctr"/>
-              <a:endParaRPr lang="en-US"/>
-            </a:p>
-          </p:txBody>
-        </p:sp>
-        <p:sp>
-          <p:nvSpPr>
-            <p:cNvPr id="14" name="Rectangle 13"/>
-            <p:cNvSpPr/>
-            <p:nvPr/>
-          </p:nvSpPr>
-          <p:spPr>
-            <a:xfrm>
-              <a:off x="1088967" y="5288917"/>
-              <a:ext cx="149628" cy="122669"/>
-            </a:xfrm>
-            <a:prstGeom prst="rect">
-              <a:avLst/>
-            </a:prstGeom>
-            <a:solidFill>
-              <a:srgbClr val="FDD6D3"/>
-            </a:solidFill>
-            <a:ln>
-              <a:solidFill>
-                <a:schemeClr val="tx1"/>
-              </a:solidFill>
-            </a:ln>
-          </p:spPr>
-          <p:style>
-            <a:lnRef idx="2">
-              <a:schemeClr val="accent1">
-                <a:shade val="50000"/>
-              </a:schemeClr>
-            </a:lnRef>
-            <a:fillRef idx="1">
-              <a:schemeClr val="accent1"/>
-            </a:fillRef>
-            <a:effectRef idx="0">
-              <a:schemeClr val="accent1"/>
-            </a:effectRef>
-            <a:fontRef idx="minor">
-              <a:schemeClr val="lt1"/>
-            </a:fontRef>
-          </p:style>
-          <p:txBody>
-            <a:bodyPr rtlCol="0" anchor="ctr"/>
-            <a:lstStyle/>
-            <a:p>
-              <a:pPr algn="ctr"/>
-              <a:endParaRPr lang="en-US"/>
-            </a:p>
-          </p:txBody>
-        </p:sp>
-      </p:grpSp>
-      <p:sp>
-        <p:nvSpPr>
-          <p:cNvPr id="15" name="TextBox 14"/>
-          <p:cNvSpPr txBox="1"/>
-          <p:nvPr/>
-        </p:nvSpPr>
-        <p:spPr>
-          <a:xfrm>
-            <a:off x="2265409" y="1260741"/>
-            <a:ext cx="1879041" cy="307777"/>
-          </a:xfrm>
-          <a:prstGeom prst="rect">
-            <a:avLst/>
-          </a:prstGeom>
-          <a:noFill/>
-        </p:spPr>
-        <p:txBody>
-          <a:bodyPr wrap="none" rtlCol="0">
-            <a:spAutoFit/>
-          </a:bodyPr>
-          <a:lstStyle/>
-          <a:p>
-            <a:r>
-              <a:rPr lang="en-US" sz="1400" b="1" u="sng" dirty="0" smtClean="0">
-                <a:latin typeface="Arial" panose="020B0604020202020204" pitchFamily="34" charset="0"/>
-                <a:cs typeface="Arial" panose="020B0604020202020204" pitchFamily="34" charset="0"/>
-              </a:rPr>
-              <a:t>Early Stage NSCLC </a:t>
-            </a:r>
-            <a:endParaRPr lang="en-US" sz="1400" b="1" u="sng" dirty="0">
-              <a:latin typeface="Arial" panose="020B0604020202020204" pitchFamily="34" charset="0"/>
-              <a:cs typeface="Arial" panose="020B0604020202020204" pitchFamily="34" charset="0"/>
-            </a:endParaRPr>
-          </a:p>
-        </p:txBody>
-      </p:sp>
-      <p:sp>
-        <p:nvSpPr>
-          <p:cNvPr id="16" name="TextBox 15"/>
-          <p:cNvSpPr txBox="1"/>
-          <p:nvPr/>
-        </p:nvSpPr>
-        <p:spPr>
-          <a:xfrm>
-            <a:off x="7979023" y="1210846"/>
-            <a:ext cx="1757212" cy="307777"/>
-          </a:xfrm>
-          <a:prstGeom prst="rect">
-            <a:avLst/>
-          </a:prstGeom>
-          <a:noFill/>
-        </p:spPr>
-        <p:txBody>
-          <a:bodyPr wrap="none" rtlCol="0">
-            <a:spAutoFit/>
-          </a:bodyPr>
-          <a:lstStyle/>
-          <a:p>
-            <a:r>
-              <a:rPr lang="en-US" sz="1400" b="1" u="sng" dirty="0" smtClean="0">
-                <a:latin typeface="Arial" panose="020B0604020202020204" pitchFamily="34" charset="0"/>
-                <a:cs typeface="Arial" panose="020B0604020202020204" pitchFamily="34" charset="0"/>
-              </a:rPr>
-              <a:t>Late Stage NSCLC</a:t>
-            </a:r>
-            <a:endParaRPr lang="en-US" sz="1400" b="1" u="sng" dirty="0">
-              <a:latin typeface="Arial" panose="020B0604020202020204" pitchFamily="34" charset="0"/>
-              <a:cs typeface="Arial" panose="020B0604020202020204" pitchFamily="34" charset="0"/>
-            </a:endParaRPr>
-          </a:p>
-        </p:txBody>
-      </p:sp>
-      <p:sp>
-        <p:nvSpPr>
-          <p:cNvPr id="17" name="TextBox 16"/>
-          <p:cNvSpPr txBox="1"/>
-          <p:nvPr/>
-        </p:nvSpPr>
-        <p:spPr>
-          <a:xfrm>
-            <a:off x="573578" y="4767736"/>
-            <a:ext cx="11330247" cy="646331"/>
-          </a:xfrm>
-          <a:prstGeom prst="rect">
-            <a:avLst/>
-          </a:prstGeom>
-          <a:noFill/>
-        </p:spPr>
-        <p:txBody>
-          <a:bodyPr wrap="square" rtlCol="0">
-            <a:spAutoFit/>
-          </a:bodyPr>
-          <a:lstStyle/>
-          <a:p>
-            <a:r>
-              <a:rPr lang="en-US" dirty="0" smtClean="0"/>
-              <a:t>Kaplan-Meier curves showing percent survival from 0 to 1 year for patients with high-expression (top </a:t>
-            </a:r>
-            <a:r>
-              <a:rPr lang="en-US" dirty="0" err="1" smtClean="0"/>
-              <a:t>tertile</a:t>
-            </a:r>
-            <a:r>
-              <a:rPr lang="en-US" dirty="0" smtClean="0"/>
-              <a:t> of transcript level) vs. low expression (bottom </a:t>
-            </a:r>
-            <a:r>
-              <a:rPr lang="en-US" dirty="0" err="1" smtClean="0"/>
-              <a:t>tertile</a:t>
-            </a:r>
-            <a:r>
-              <a:rPr lang="en-US" dirty="0" smtClean="0"/>
-              <a:t> of transcript level) of MK2 in early- and late- stage NSCLC</a:t>
-            </a:r>
-            <a:endParaRPr lang="en-US" dirty="0"/>
-          </a:p>
-        </p:txBody>
-      </p:sp>
-    </p:spTree>
-    <p:extLst>
-      <p:ext uri="{BB962C8B-B14F-4D97-AF65-F5344CB8AC3E}">
-        <p14:creationId xmlns:p14="http://schemas.microsoft.com/office/powerpoint/2010/main" val="2603016290"/>
-      </p:ext>
-    </p:extLst>
-  </p:cSld>
-  <p:clrMapOvr>
-    <a:masterClrMapping/>
-  </p:clrMapOvr>
-  <p:timing>
-    <p:tnLst>
-      <p:par>
-        <p:cTn id="1" dur="indefinite" restart="never" nodeType="tmRoot"/>
-      </p:par>
-    </p:tnLst>
-  </p:timing>
-</p:sld>
-</file>
-
-<file path=ppt/slides/slide5.xml><?xml version="1.0" encoding="utf-8"?>
 <p:sld xmlns:a="http://schemas.openxmlformats.org/drawingml/2006/main" xmlns:r="http://schemas.openxmlformats.org/officeDocument/2006/relationships" xmlns:p="http://schemas.openxmlformats.org/presentationml/2006/main">
   <p:cSld>
     <p:spTree>
@@ -6876,16 +5997,12 @@
                     <a:lstStyle/>
                     <a:p>
                       <a:r>
-                        <a:rPr lang="en-US" sz="1400" dirty="0" smtClean="0">
+                        <a:rPr lang="en-US" sz="1400" dirty="0">
                           <a:latin typeface="Arial" panose="020B0604020202020204" pitchFamily="34" charset="0"/>
                           <a:cs typeface="Arial" panose="020B0604020202020204" pitchFamily="34" charset="0"/>
                         </a:rPr>
                         <a:t>Model type</a:t>
                       </a:r>
-                      <a:endParaRPr lang="en-US" sz="1400" dirty="0">
-                        <a:latin typeface="Arial" panose="020B0604020202020204" pitchFamily="34" charset="0"/>
-                        <a:cs typeface="Arial" panose="020B0604020202020204" pitchFamily="34" charset="0"/>
-                      </a:endParaRPr>
                     </a:p>
                   </a:txBody>
                   <a:tcPr/>
@@ -6897,12 +6014,21 @@
                     <a:p>
                       <a:pPr algn="ctr"/>
                       <a:r>
-                        <a:rPr lang="en-US" sz="1400" b="0" dirty="0" smtClean="0">
+                        <a:rPr lang="en-US" sz="1400" b="0" dirty="0">
                           <a:latin typeface="Arial" panose="020B0604020202020204" pitchFamily="34" charset="0"/>
                           <a:cs typeface="Arial" panose="020B0604020202020204" pitchFamily="34" charset="0"/>
                         </a:rPr>
                         <a:t>Early Stage</a:t>
                       </a:r>
+                    </a:p>
+                  </a:txBody>
+                  <a:tcPr/>
+                </a:tc>
+                <a:tc hMerge="1">
+                  <a:txBody>
+                    <a:bodyPr/>
+                    <a:lstStyle/>
+                    <a:p>
                       <a:endParaRPr lang="en-US" sz="1400" b="0" dirty="0">
                         <a:latin typeface="Arial" panose="020B0604020202020204" pitchFamily="34" charset="0"/>
                         <a:cs typeface="Arial" panose="020B0604020202020204" pitchFamily="34" charset="0"/>
@@ -6916,6 +6042,7 @@
                     <a:bodyPr/>
                     <a:lstStyle/>
                     <a:p>
+                      <a:pPr algn="ctr"/>
                       <a:endParaRPr lang="en-US" sz="1400" b="0" dirty="0">
                         <a:latin typeface="Arial" panose="020B0604020202020204" pitchFamily="34" charset="0"/>
                         <a:cs typeface="Arial" panose="020B0604020202020204" pitchFamily="34" charset="0"/>
@@ -6924,20 +6051,6 @@
                   </a:txBody>
                   <a:tcPr/>
                 </a:tc>
-                <a:tc hMerge="1">
-                  <a:txBody>
-                    <a:bodyPr/>
-                    <a:lstStyle/>
-                    <a:p>
-                      <a:pPr algn="ctr"/>
-                      <a:endParaRPr lang="en-US" sz="1400" b="0" dirty="0">
-                        <a:latin typeface="Arial" panose="020B0604020202020204" pitchFamily="34" charset="0"/>
-                        <a:cs typeface="Arial" panose="020B0604020202020204" pitchFamily="34" charset="0"/>
-                      </a:endParaRPr>
-                    </a:p>
-                  </a:txBody>
-                  <a:tcPr/>
-                </a:tc>
                 <a:tc gridSpan="3">
                   <a:txBody>
                     <a:bodyPr/>
@@ -6945,16 +6058,12 @@
                     <a:p>
                       <a:pPr algn="ctr"/>
                       <a:r>
-                        <a:rPr lang="en-US" sz="1400" b="0" dirty="0" smtClean="0">
+                        <a:rPr lang="en-US" sz="1400" b="0" dirty="0">
                           <a:latin typeface="Arial" panose="020B0604020202020204" pitchFamily="34" charset="0"/>
                           <a:cs typeface="Arial" panose="020B0604020202020204" pitchFamily="34" charset="0"/>
                         </a:rPr>
                         <a:t>Late Stage</a:t>
                       </a:r>
-                      <a:endParaRPr lang="en-US" sz="1400" b="0" dirty="0">
-                        <a:latin typeface="Arial" panose="020B0604020202020204" pitchFamily="34" charset="0"/>
-                        <a:cs typeface="Arial" panose="020B0604020202020204" pitchFamily="34" charset="0"/>
-                      </a:endParaRPr>
                     </a:p>
                   </a:txBody>
                   <a:tcPr/>
@@ -7000,16 +6109,12 @@
                     <a:lstStyle/>
                     <a:p>
                       <a:r>
-                        <a:rPr lang="en-US" sz="1400" dirty="0" smtClean="0">
+                        <a:rPr lang="en-US" sz="1400" dirty="0">
                           <a:latin typeface="Arial" panose="020B0604020202020204" pitchFamily="34" charset="0"/>
                           <a:cs typeface="Arial" panose="020B0604020202020204" pitchFamily="34" charset="0"/>
                         </a:rPr>
                         <a:t>Variable</a:t>
                       </a:r>
-                      <a:endParaRPr lang="en-US" sz="1400" dirty="0">
-                        <a:latin typeface="Arial" panose="020B0604020202020204" pitchFamily="34" charset="0"/>
-                        <a:cs typeface="Arial" panose="020B0604020202020204" pitchFamily="34" charset="0"/>
-                      </a:endParaRPr>
                     </a:p>
                   </a:txBody>
                   <a:tcPr/>
@@ -7021,14 +6126,14 @@
                     <a:p>
                       <a:pPr algn="ctr"/>
                       <a:r>
-                        <a:rPr lang="en-US" sz="1400" b="1" dirty="0" smtClean="0">
+                        <a:rPr lang="en-US" sz="1400" b="1" dirty="0">
                           <a:latin typeface="Arial" panose="020B0604020202020204" pitchFamily="34" charset="0"/>
                           <a:cs typeface="Arial" panose="020B0604020202020204" pitchFamily="34" charset="0"/>
                         </a:rPr>
                         <a:t>Model 1</a:t>
                       </a:r>
                       <a:r>
-                        <a:rPr lang="en-US" sz="1400" b="1" baseline="30000" dirty="0" smtClean="0">
+                        <a:rPr lang="en-US" sz="1400" b="1" baseline="30000" dirty="0">
                           <a:latin typeface="Arial" panose="020B0604020202020204" pitchFamily="34" charset="0"/>
                           <a:cs typeface="Arial" panose="020B0604020202020204" pitchFamily="34" charset="0"/>
                         </a:rPr>
@@ -7038,14 +6143,14 @@
                     <a:p>
                       <a:pPr algn="ctr"/>
                       <a:r>
-                        <a:rPr lang="en-US" sz="1400" b="0" dirty="0" smtClean="0">
+                        <a:rPr lang="en-US" sz="1400" b="0" dirty="0">
                           <a:latin typeface="Arial" panose="020B0604020202020204" pitchFamily="34" charset="0"/>
                           <a:cs typeface="Arial" panose="020B0604020202020204" pitchFamily="34" charset="0"/>
                         </a:rPr>
                         <a:t>HR</a:t>
                       </a:r>
                       <a:r>
-                        <a:rPr lang="en-US" sz="1400" b="0" baseline="0" dirty="0" smtClean="0">
+                        <a:rPr lang="en-US" sz="1400" b="0" baseline="0" dirty="0">
                           <a:latin typeface="Arial" panose="020B0604020202020204" pitchFamily="34" charset="0"/>
                           <a:cs typeface="Arial" panose="020B0604020202020204" pitchFamily="34" charset="0"/>
                         </a:rPr>
@@ -7066,21 +6171,21 @@
                     <a:p>
                       <a:pPr algn="ctr"/>
                       <a:r>
-                        <a:rPr lang="en-US" sz="1400" b="1" dirty="0" smtClean="0">
+                        <a:rPr lang="en-US" sz="1400" b="1" dirty="0">
                           <a:latin typeface="Arial" panose="020B0604020202020204" pitchFamily="34" charset="0"/>
                           <a:cs typeface="Arial" panose="020B0604020202020204" pitchFamily="34" charset="0"/>
                         </a:rPr>
                         <a:t>Model</a:t>
                       </a:r>
                       <a:r>
-                        <a:rPr lang="en-US" sz="1400" b="1" baseline="0" dirty="0" smtClean="0">
+                        <a:rPr lang="en-US" sz="1400" b="1" baseline="0" dirty="0">
                           <a:latin typeface="Arial" panose="020B0604020202020204" pitchFamily="34" charset="0"/>
                           <a:cs typeface="Arial" panose="020B0604020202020204" pitchFamily="34" charset="0"/>
                         </a:rPr>
                         <a:t> 2</a:t>
                       </a:r>
                       <a:r>
-                        <a:rPr lang="en-US" sz="1400" b="1" baseline="30000" dirty="0" smtClean="0">
+                        <a:rPr lang="en-US" sz="1400" b="1" baseline="30000" dirty="0">
                           <a:latin typeface="Arial" panose="020B0604020202020204" pitchFamily="34" charset="0"/>
                           <a:cs typeface="Arial" panose="020B0604020202020204" pitchFamily="34" charset="0"/>
                         </a:rPr>
@@ -7090,14 +6195,14 @@
                     <a:p>
                       <a:pPr algn="ctr"/>
                       <a:r>
-                        <a:rPr lang="en-US" sz="1400" b="0" dirty="0" smtClean="0">
+                        <a:rPr lang="en-US" sz="1400" b="0" dirty="0">
                           <a:latin typeface="Arial" panose="020B0604020202020204" pitchFamily="34" charset="0"/>
                           <a:cs typeface="Arial" panose="020B0604020202020204" pitchFamily="34" charset="0"/>
                         </a:rPr>
                         <a:t>HR</a:t>
                       </a:r>
                       <a:r>
-                        <a:rPr lang="en-US" sz="1400" b="0" baseline="0" dirty="0" smtClean="0">
+                        <a:rPr lang="en-US" sz="1400" b="0" baseline="0" dirty="0">
                           <a:latin typeface="Arial" panose="020B0604020202020204" pitchFamily="34" charset="0"/>
                           <a:cs typeface="Arial" panose="020B0604020202020204" pitchFamily="34" charset="0"/>
                         </a:rPr>
@@ -7118,14 +6223,14 @@
                     <a:p>
                       <a:pPr algn="ctr"/>
                       <a:r>
-                        <a:rPr lang="en-US" sz="1400" b="1" dirty="0" smtClean="0">
+                        <a:rPr lang="en-US" sz="1400" b="1" dirty="0">
                           <a:latin typeface="Arial" panose="020B0604020202020204" pitchFamily="34" charset="0"/>
                           <a:cs typeface="Arial" panose="020B0604020202020204" pitchFamily="34" charset="0"/>
                         </a:rPr>
                         <a:t>Model 3</a:t>
                       </a:r>
                       <a:r>
-                        <a:rPr lang="en-US" sz="1400" b="1" baseline="30000" dirty="0" smtClean="0">
+                        <a:rPr lang="en-US" sz="1400" b="1" baseline="30000" dirty="0">
                           <a:latin typeface="Arial" panose="020B0604020202020204" pitchFamily="34" charset="0"/>
                           <a:cs typeface="Arial" panose="020B0604020202020204" pitchFamily="34" charset="0"/>
                         </a:rPr>
@@ -7135,16 +6240,12 @@
                     <a:p>
                       <a:pPr algn="ctr"/>
                       <a:r>
-                        <a:rPr lang="en-US" sz="1400" b="0" baseline="0" dirty="0" smtClean="0">
+                        <a:rPr lang="en-US" sz="1400" b="0" baseline="0" dirty="0">
                           <a:latin typeface="Arial" panose="020B0604020202020204" pitchFamily="34" charset="0"/>
                           <a:cs typeface="Arial" panose="020B0604020202020204" pitchFamily="34" charset="0"/>
                         </a:rPr>
                         <a:t>OR (95% CI)</a:t>
                       </a:r>
-                      <a:endParaRPr lang="en-US" sz="1400" b="0" baseline="0" dirty="0">
-                        <a:latin typeface="Arial" panose="020B0604020202020204" pitchFamily="34" charset="0"/>
-                        <a:cs typeface="Arial" panose="020B0604020202020204" pitchFamily="34" charset="0"/>
-                      </a:endParaRPr>
                     </a:p>
                   </a:txBody>
                   <a:tcPr/>
@@ -7156,14 +6257,14 @@
                     <a:p>
                       <a:pPr algn="ctr"/>
                       <a:r>
-                        <a:rPr lang="en-US" sz="1400" b="1" dirty="0" smtClean="0">
+                        <a:rPr lang="en-US" sz="1400" b="1" dirty="0">
                           <a:latin typeface="Arial" panose="020B0604020202020204" pitchFamily="34" charset="0"/>
                           <a:cs typeface="Arial" panose="020B0604020202020204" pitchFamily="34" charset="0"/>
                         </a:rPr>
                         <a:t>Model</a:t>
                       </a:r>
                       <a:r>
-                        <a:rPr lang="en-US" sz="1400" b="1" baseline="0" dirty="0" smtClean="0">
+                        <a:rPr lang="en-US" sz="1400" b="1" baseline="0" dirty="0">
                           <a:latin typeface="Arial" panose="020B0604020202020204" pitchFamily="34" charset="0"/>
                           <a:cs typeface="Arial" panose="020B0604020202020204" pitchFamily="34" charset="0"/>
                         </a:rPr>
@@ -7173,7 +6274,7 @@
                     <a:p>
                       <a:pPr algn="ctr"/>
                       <a:r>
-                        <a:rPr lang="en-US" sz="1400" b="0" baseline="0" dirty="0" smtClean="0">
+                        <a:rPr lang="en-US" sz="1400" b="0" baseline="0" dirty="0">
                           <a:latin typeface="Arial" panose="020B0604020202020204" pitchFamily="34" charset="0"/>
                           <a:cs typeface="Arial" panose="020B0604020202020204" pitchFamily="34" charset="0"/>
                         </a:rPr>
@@ -7194,14 +6295,14 @@
                     <a:p>
                       <a:pPr algn="ctr"/>
                       <a:r>
-                        <a:rPr lang="en-US" sz="1400" b="1" dirty="0" smtClean="0">
+                        <a:rPr lang="en-US" sz="1400" b="1" dirty="0">
                           <a:latin typeface="Arial" panose="020B0604020202020204" pitchFamily="34" charset="0"/>
                           <a:cs typeface="Arial" panose="020B0604020202020204" pitchFamily="34" charset="0"/>
                         </a:rPr>
                         <a:t>Model</a:t>
                       </a:r>
                       <a:r>
-                        <a:rPr lang="en-US" sz="1400" b="1" baseline="0" dirty="0" smtClean="0">
+                        <a:rPr lang="en-US" sz="1400" b="1" baseline="0" dirty="0">
                           <a:latin typeface="Arial" panose="020B0604020202020204" pitchFamily="34" charset="0"/>
                           <a:cs typeface="Arial" panose="020B0604020202020204" pitchFamily="34" charset="0"/>
                         </a:rPr>
@@ -7211,7 +6312,7 @@
                     <a:p>
                       <a:pPr algn="ctr"/>
                       <a:r>
-                        <a:rPr lang="en-US" sz="1400" b="0" baseline="0" dirty="0" smtClean="0">
+                        <a:rPr lang="en-US" sz="1400" b="0" baseline="0" dirty="0">
                           <a:latin typeface="Arial" panose="020B0604020202020204" pitchFamily="34" charset="0"/>
                           <a:cs typeface="Arial" panose="020B0604020202020204" pitchFamily="34" charset="0"/>
                         </a:rPr>
@@ -7232,14 +6333,14 @@
                     <a:p>
                       <a:pPr algn="ctr"/>
                       <a:r>
-                        <a:rPr lang="en-US" sz="1400" b="1" dirty="0" smtClean="0">
+                        <a:rPr lang="en-US" sz="1400" b="1" dirty="0">
                           <a:latin typeface="Arial" panose="020B0604020202020204" pitchFamily="34" charset="0"/>
                           <a:cs typeface="Arial" panose="020B0604020202020204" pitchFamily="34" charset="0"/>
                         </a:rPr>
                         <a:t>Model 3</a:t>
                       </a:r>
                       <a:r>
-                        <a:rPr lang="en-US" sz="1400" b="1" baseline="30000" dirty="0" smtClean="0">
+                        <a:rPr lang="en-US" sz="1400" b="1" baseline="30000" dirty="0">
                           <a:latin typeface="Arial" panose="020B0604020202020204" pitchFamily="34" charset="0"/>
                           <a:cs typeface="Arial" panose="020B0604020202020204" pitchFamily="34" charset="0"/>
                         </a:rPr>
@@ -7249,7 +6350,7 @@
                     <a:p>
                       <a:pPr algn="ctr"/>
                       <a:r>
-                        <a:rPr lang="en-US" sz="1400" b="0" baseline="0" dirty="0" smtClean="0">
+                        <a:rPr lang="en-US" sz="1400" b="0" baseline="0" dirty="0">
                           <a:latin typeface="Arial" panose="020B0604020202020204" pitchFamily="34" charset="0"/>
                           <a:cs typeface="Arial" panose="020B0604020202020204" pitchFamily="34" charset="0"/>
                         </a:rPr>
@@ -7276,14 +6377,14 @@
                     <a:lstStyle/>
                     <a:p>
                       <a:r>
-                        <a:rPr lang="en-US" sz="1400" dirty="0" smtClean="0">
+                        <a:rPr lang="en-US" sz="1400" dirty="0">
                           <a:latin typeface="Arial" panose="020B0604020202020204" pitchFamily="34" charset="0"/>
                           <a:cs typeface="Arial" panose="020B0604020202020204" pitchFamily="34" charset="0"/>
                         </a:rPr>
                         <a:t>MK2</a:t>
                       </a:r>
                       <a:r>
-                        <a:rPr lang="en-US" sz="1400" baseline="0" dirty="0" smtClean="0">
+                        <a:rPr lang="en-US" sz="1400" baseline="0" dirty="0">
                           <a:latin typeface="Arial" panose="020B0604020202020204" pitchFamily="34" charset="0"/>
                           <a:cs typeface="Arial" panose="020B0604020202020204" pitchFamily="34" charset="0"/>
                         </a:rPr>
@@ -7304,14 +6405,14 @@
                     <a:p>
                       <a:pPr algn="ctr"/>
                       <a:r>
-                        <a:rPr lang="en-US" sz="1400" b="1" dirty="0" smtClean="0">
+                        <a:rPr lang="en-US" sz="1400" b="1" dirty="0">
                           <a:latin typeface="Arial" panose="020B0604020202020204" pitchFamily="34" charset="0"/>
                           <a:cs typeface="Arial" panose="020B0604020202020204" pitchFamily="34" charset="0"/>
                         </a:rPr>
                         <a:t>0.76 (0.58, 0.99)</a:t>
                       </a:r>
                       <a:r>
-                        <a:rPr lang="en-US" sz="1400" b="0" baseline="30000" dirty="0" smtClean="0">
+                        <a:rPr lang="en-US" sz="1400" b="0" baseline="30000" dirty="0">
                           <a:latin typeface="Arial" panose="020B0604020202020204" pitchFamily="34" charset="0"/>
                           <a:cs typeface="Arial" panose="020B0604020202020204" pitchFamily="34" charset="0"/>
                         </a:rPr>
@@ -7332,16 +6433,12 @@
                     <a:p>
                       <a:pPr algn="ctr"/>
                       <a:r>
-                        <a:rPr lang="en-US" sz="1400" b="1" dirty="0" smtClean="0">
+                        <a:rPr lang="en-US" sz="1400" b="1" dirty="0">
                           <a:latin typeface="Arial" panose="020B0604020202020204" pitchFamily="34" charset="0"/>
                           <a:cs typeface="Arial" panose="020B0604020202020204" pitchFamily="34" charset="0"/>
                         </a:rPr>
                         <a:t>-</a:t>
                       </a:r>
-                      <a:endParaRPr lang="en-US" sz="1400" b="1" dirty="0">
-                        <a:latin typeface="Arial" panose="020B0604020202020204" pitchFamily="34" charset="0"/>
-                        <a:cs typeface="Arial" panose="020B0604020202020204" pitchFamily="34" charset="0"/>
-                      </a:endParaRPr>
                     </a:p>
                   </a:txBody>
                   <a:tcPr/>
@@ -7353,16 +6450,12 @@
                     <a:p>
                       <a:pPr algn="ctr"/>
                       <a:r>
-                        <a:rPr lang="en-US" sz="1400" b="1" dirty="0" smtClean="0">
+                        <a:rPr lang="en-US" sz="1400" b="1" dirty="0">
                           <a:latin typeface="Arial" panose="020B0604020202020204" pitchFamily="34" charset="0"/>
                           <a:cs typeface="Arial" panose="020B0604020202020204" pitchFamily="34" charset="0"/>
                         </a:rPr>
                         <a:t>-</a:t>
                       </a:r>
-                      <a:endParaRPr lang="en-US" sz="1400" b="1" dirty="0">
-                        <a:latin typeface="Arial" panose="020B0604020202020204" pitchFamily="34" charset="0"/>
-                        <a:cs typeface="Arial" panose="020B0604020202020204" pitchFamily="34" charset="0"/>
-                      </a:endParaRPr>
                     </a:p>
                   </a:txBody>
                   <a:tcPr/>
@@ -7374,14 +6467,14 @@
                     <a:p>
                       <a:pPr algn="ctr"/>
                       <a:r>
-                        <a:rPr lang="en-US" sz="1400" b="0" dirty="0" smtClean="0">
+                        <a:rPr lang="en-US" sz="1400" b="0" dirty="0">
                           <a:latin typeface="Arial" panose="020B0604020202020204" pitchFamily="34" charset="0"/>
                           <a:cs typeface="Arial" panose="020B0604020202020204" pitchFamily="34" charset="0"/>
                         </a:rPr>
                         <a:t>0.87 (0.64,1.27)</a:t>
                       </a:r>
                       <a:r>
-                        <a:rPr lang="en-US" sz="1400" b="0" baseline="30000" dirty="0" smtClean="0">
+                        <a:rPr lang="en-US" sz="1400" b="0" baseline="30000" dirty="0">
                           <a:latin typeface="Arial" panose="020B0604020202020204" pitchFamily="34" charset="0"/>
                           <a:cs typeface="Arial" panose="020B0604020202020204" pitchFamily="34" charset="0"/>
                         </a:rPr>
@@ -7402,16 +6495,12 @@
                     <a:p>
                       <a:pPr algn="ctr"/>
                       <a:r>
-                        <a:rPr lang="en-US" sz="1400" b="1" dirty="0" smtClean="0">
+                        <a:rPr lang="en-US" sz="1400" b="1" dirty="0">
                           <a:latin typeface="Arial" panose="020B0604020202020204" pitchFamily="34" charset="0"/>
                           <a:cs typeface="Arial" panose="020B0604020202020204" pitchFamily="34" charset="0"/>
                         </a:rPr>
                         <a:t>-</a:t>
                       </a:r>
-                      <a:endParaRPr lang="en-US" sz="1400" b="1" dirty="0">
-                        <a:latin typeface="Arial" panose="020B0604020202020204" pitchFamily="34" charset="0"/>
-                        <a:cs typeface="Arial" panose="020B0604020202020204" pitchFamily="34" charset="0"/>
-                      </a:endParaRPr>
                     </a:p>
                   </a:txBody>
                   <a:tcPr/>
@@ -7423,16 +6512,12 @@
                     <a:p>
                       <a:pPr algn="ctr"/>
                       <a:r>
-                        <a:rPr lang="en-US" sz="1400" b="1" dirty="0" smtClean="0">
+                        <a:rPr lang="en-US" sz="1400" b="1" dirty="0">
                           <a:latin typeface="Arial" panose="020B0604020202020204" pitchFamily="34" charset="0"/>
                           <a:cs typeface="Arial" panose="020B0604020202020204" pitchFamily="34" charset="0"/>
                         </a:rPr>
                         <a:t>-</a:t>
                       </a:r>
-                      <a:endParaRPr lang="en-US" sz="1400" b="1" dirty="0">
-                        <a:latin typeface="Arial" panose="020B0604020202020204" pitchFamily="34" charset="0"/>
-                        <a:cs typeface="Arial" panose="020B0604020202020204" pitchFamily="34" charset="0"/>
-                      </a:endParaRPr>
                     </a:p>
                   </a:txBody>
                   <a:tcPr/>
@@ -7450,28 +6535,28 @@
                     <a:lstStyle/>
                     <a:p>
                       <a:r>
-                        <a:rPr lang="en-US" sz="1400" dirty="0" smtClean="0">
+                        <a:rPr lang="en-US" sz="1400" dirty="0">
                           <a:latin typeface="Arial" panose="020B0604020202020204" pitchFamily="34" charset="0"/>
                           <a:cs typeface="Arial" panose="020B0604020202020204" pitchFamily="34" charset="0"/>
                         </a:rPr>
                         <a:t>High MK2</a:t>
                       </a:r>
                       <a:r>
-                        <a:rPr lang="en-US" sz="1400" baseline="0" dirty="0" smtClean="0">
+                        <a:rPr lang="en-US" sz="1400" baseline="0" dirty="0">
                           <a:latin typeface="Arial" panose="020B0604020202020204" pitchFamily="34" charset="0"/>
                           <a:cs typeface="Arial" panose="020B0604020202020204" pitchFamily="34" charset="0"/>
                         </a:rPr>
                         <a:t> </a:t>
                       </a:r>
                       <a:r>
-                        <a:rPr lang="en-US" sz="1400" baseline="0" dirty="0" err="1" smtClean="0">
+                        <a:rPr lang="en-US" sz="1400" baseline="0" dirty="0" err="1">
                           <a:latin typeface="Arial" panose="020B0604020202020204" pitchFamily="34" charset="0"/>
                           <a:cs typeface="Arial" panose="020B0604020202020204" pitchFamily="34" charset="0"/>
                         </a:rPr>
                         <a:t>expression</a:t>
                       </a:r>
                       <a:r>
-                        <a:rPr lang="en-US" sz="1400" baseline="30000" dirty="0" err="1" smtClean="0">
+                        <a:rPr lang="en-US" sz="1400" baseline="30000" dirty="0" err="1">
                           <a:latin typeface="Arial" panose="020B0604020202020204" pitchFamily="34" charset="0"/>
                           <a:cs typeface="Arial" panose="020B0604020202020204" pitchFamily="34" charset="0"/>
                         </a:rPr>
@@ -7492,16 +6577,12 @@
                     <a:p>
                       <a:pPr algn="ctr"/>
                       <a:r>
-                        <a:rPr lang="en-US" sz="1400" b="1" dirty="0" smtClean="0">
+                        <a:rPr lang="en-US" sz="1400" b="1" dirty="0">
                           <a:latin typeface="Arial" panose="020B0604020202020204" pitchFamily="34" charset="0"/>
                           <a:cs typeface="Arial" panose="020B0604020202020204" pitchFamily="34" charset="0"/>
                         </a:rPr>
                         <a:t>-</a:t>
                       </a:r>
-                      <a:endParaRPr lang="en-US" sz="1400" b="1" dirty="0">
-                        <a:latin typeface="Arial" panose="020B0604020202020204" pitchFamily="34" charset="0"/>
-                        <a:cs typeface="Arial" panose="020B0604020202020204" pitchFamily="34" charset="0"/>
-                      </a:endParaRPr>
                     </a:p>
                   </a:txBody>
                   <a:tcPr/>
@@ -7513,16 +6594,12 @@
                     <a:p>
                       <a:pPr algn="ctr"/>
                       <a:r>
-                        <a:rPr lang="en-US" sz="1400" b="1" dirty="0" smtClean="0">
+                        <a:rPr lang="en-US" sz="1400" b="1" dirty="0">
                           <a:latin typeface="Arial" panose="020B0604020202020204" pitchFamily="34" charset="0"/>
                           <a:cs typeface="Arial" panose="020B0604020202020204" pitchFamily="34" charset="0"/>
                         </a:rPr>
                         <a:t>0.27 (0.09-0.79)</a:t>
                       </a:r>
-                      <a:endParaRPr lang="en-US" sz="1400" b="1" dirty="0">
-                        <a:latin typeface="Arial" panose="020B0604020202020204" pitchFamily="34" charset="0"/>
-                        <a:cs typeface="Arial" panose="020B0604020202020204" pitchFamily="34" charset="0"/>
-                      </a:endParaRPr>
                     </a:p>
                   </a:txBody>
                   <a:tcPr/>
@@ -7534,16 +6611,12 @@
                     <a:p>
                       <a:pPr algn="ctr"/>
                       <a:r>
-                        <a:rPr lang="en-US" sz="1400" b="1" dirty="0" smtClean="0">
+                        <a:rPr lang="en-US" sz="1400" b="1" dirty="0">
                           <a:latin typeface="Arial" panose="020B0604020202020204" pitchFamily="34" charset="0"/>
                           <a:cs typeface="Arial" panose="020B0604020202020204" pitchFamily="34" charset="0"/>
                         </a:rPr>
                         <a:t>0.25 (0.08,0.76)</a:t>
                       </a:r>
-                      <a:endParaRPr lang="en-US" sz="1400" b="1" dirty="0">
-                        <a:latin typeface="Arial" panose="020B0604020202020204" pitchFamily="34" charset="0"/>
-                        <a:cs typeface="Arial" panose="020B0604020202020204" pitchFamily="34" charset="0"/>
-                      </a:endParaRPr>
                     </a:p>
                   </a:txBody>
                   <a:tcPr/>
@@ -7555,11 +6628,35 @@
                     <a:p>
                       <a:pPr algn="ctr"/>
                       <a:r>
-                        <a:rPr lang="en-US" sz="1400" dirty="0" smtClean="0">
+                        <a:rPr lang="en-US" sz="1400" dirty="0">
                           <a:latin typeface="Arial" panose="020B0604020202020204" pitchFamily="34" charset="0"/>
                           <a:cs typeface="Arial" panose="020B0604020202020204" pitchFamily="34" charset="0"/>
                         </a:rPr>
                         <a:t>-</a:t>
+                      </a:r>
+                    </a:p>
+                  </a:txBody>
+                  <a:tcPr/>
+                </a:tc>
+                <a:tc>
+                  <a:txBody>
+                    <a:bodyPr/>
+                    <a:lstStyle/>
+                    <a:p>
+                      <a:pPr algn="ctr"/>
+                      <a:r>
+                        <a:rPr lang="en-US" sz="1400" dirty="0">
+                          <a:latin typeface="Arial" panose="020B0604020202020204" pitchFamily="34" charset="0"/>
+                          <a:cs typeface="Arial" panose="020B0604020202020204" pitchFamily="34" charset="0"/>
+                        </a:rPr>
+                        <a:t>0.55</a:t>
+                      </a:r>
+                      <a:r>
+                        <a:rPr lang="en-US" sz="1400" baseline="0" dirty="0">
+                          <a:latin typeface="Arial" panose="020B0604020202020204" pitchFamily="34" charset="0"/>
+                          <a:cs typeface="Arial" panose="020B0604020202020204" pitchFamily="34" charset="0"/>
+                        </a:rPr>
+                        <a:t> (0.17,1.73)</a:t>
                       </a:r>
                       <a:endParaRPr lang="en-US" sz="1400" dirty="0">
                         <a:latin typeface="Arial" panose="020B0604020202020204" pitchFamily="34" charset="0"/>
@@ -7576,44 +6673,12 @@
                     <a:p>
                       <a:pPr algn="ctr"/>
                       <a:r>
-                        <a:rPr lang="en-US" sz="1400" dirty="0" smtClean="0">
-                          <a:latin typeface="Arial" panose="020B0604020202020204" pitchFamily="34" charset="0"/>
-                          <a:cs typeface="Arial" panose="020B0604020202020204" pitchFamily="34" charset="0"/>
-                        </a:rPr>
-                        <a:t>0.55</a:t>
-                      </a:r>
-                      <a:r>
-                        <a:rPr lang="en-US" sz="1400" baseline="0" dirty="0" smtClean="0">
-                          <a:latin typeface="Arial" panose="020B0604020202020204" pitchFamily="34" charset="0"/>
-                          <a:cs typeface="Arial" panose="020B0604020202020204" pitchFamily="34" charset="0"/>
-                        </a:rPr>
-                        <a:t> (0.17,1.73)</a:t>
-                      </a:r>
-                      <a:endParaRPr lang="en-US" sz="1400" dirty="0">
-                        <a:latin typeface="Arial" panose="020B0604020202020204" pitchFamily="34" charset="0"/>
-                        <a:cs typeface="Arial" panose="020B0604020202020204" pitchFamily="34" charset="0"/>
-                      </a:endParaRPr>
-                    </a:p>
-                  </a:txBody>
-                  <a:tcPr/>
-                </a:tc>
-                <a:tc>
-                  <a:txBody>
-                    <a:bodyPr/>
-                    <a:lstStyle/>
-                    <a:p>
-                      <a:pPr algn="ctr"/>
-                      <a:r>
-                        <a:rPr lang="en-US" sz="1400" dirty="0" smtClean="0">
+                        <a:rPr lang="en-US" sz="1400" dirty="0">
                           <a:latin typeface="Arial" panose="020B0604020202020204" pitchFamily="34" charset="0"/>
                           <a:cs typeface="Arial" panose="020B0604020202020204" pitchFamily="34" charset="0"/>
                         </a:rPr>
                         <a:t>0.53 (0.14,1.64)</a:t>
                       </a:r>
-                      <a:endParaRPr lang="en-US" sz="1400" dirty="0">
-                        <a:latin typeface="Arial" panose="020B0604020202020204" pitchFamily="34" charset="0"/>
-                        <a:cs typeface="Arial" panose="020B0604020202020204" pitchFamily="34" charset="0"/>
-                      </a:endParaRPr>
                     </a:p>
                   </a:txBody>
                   <a:tcPr/>
@@ -7651,10 +6716,9 @@
           <a:lstStyle/>
           <a:p>
             <a:r>
-              <a:rPr lang="en-US" b="1" u="sng" dirty="0" smtClean="0"/>
+              <a:rPr lang="en-US" b="1" u="sng" dirty="0"/>
               <a:t>MK2 expression and death at 1 year in TCGA-LUAD</a:t>
             </a:r>
-            <a:endParaRPr lang="en-US" b="1" u="sng" dirty="0"/>
           </a:p>
         </p:txBody>
       </p:sp>
@@ -7681,14 +6745,14 @@
           <a:lstStyle/>
           <a:p>
             <a:r>
-              <a:rPr lang="en-US" sz="1200" baseline="30000" dirty="0" smtClean="0">
+              <a:rPr lang="en-US" sz="1200" baseline="30000" dirty="0">
                 <a:latin typeface="Arial" panose="020B0604020202020204" pitchFamily="34" charset="0"/>
                 <a:cs typeface="Arial" panose="020B0604020202020204" pitchFamily="34" charset="0"/>
               </a:rPr>
               <a:t>a</a:t>
             </a:r>
             <a:r>
-              <a:rPr lang="en-US" sz="1200" dirty="0" smtClean="0">
+              <a:rPr lang="en-US" sz="1200" dirty="0">
                 <a:latin typeface="Arial" panose="020B0604020202020204" pitchFamily="34" charset="0"/>
                 <a:cs typeface="Arial" panose="020B0604020202020204" pitchFamily="34" charset="0"/>
               </a:rPr>
@@ -7708,71 +6772,36 @@
                 <a:latin typeface="Arial" panose="020B0604020202020204" pitchFamily="34" charset="0"/>
                 <a:cs typeface="Arial" panose="020B0604020202020204" pitchFamily="34" charset="0"/>
               </a:rPr>
-              <a:t> Model </a:t>
-            </a:r>
-            <a:r>
-              <a:rPr lang="en-US" sz="1200" dirty="0" smtClean="0">
+              <a:t> Model 2: Cox Proportional hazards modeling of time to death, right censored at 1 year, as a function of high MK2 expression (</a:t>
+            </a:r>
+            <a:r>
+              <a:rPr lang="en-US" sz="1200" dirty="0" err="1">
                 <a:latin typeface="Arial" panose="020B0604020202020204" pitchFamily="34" charset="0"/>
                 <a:cs typeface="Arial" panose="020B0604020202020204" pitchFamily="34" charset="0"/>
               </a:rPr>
-              <a:t>2: </a:t>
+              <a:t>dichomotous</a:t>
             </a:r>
             <a:r>
               <a:rPr lang="en-US" sz="1200" dirty="0">
                 <a:latin typeface="Arial" panose="020B0604020202020204" pitchFamily="34" charset="0"/>
                 <a:cs typeface="Arial" panose="020B0604020202020204" pitchFamily="34" charset="0"/>
               </a:rPr>
-              <a:t>Cox Proportional hazards modeling of time to death, right censored at 1 year, as a function of </a:t>
-            </a:r>
-            <a:r>
-              <a:rPr lang="en-US" sz="1200" dirty="0" smtClean="0">
+              <a:t>: top 1/3 vs bottom 2/3 of transcript expression), adjusted for age, sex and smoking status</a:t>
+            </a:r>
+          </a:p>
+          <a:p>
+            <a:r>
+              <a:rPr lang="en-US" sz="1200" baseline="30000" dirty="0">
                 <a:latin typeface="Arial" panose="020B0604020202020204" pitchFamily="34" charset="0"/>
                 <a:cs typeface="Arial" panose="020B0604020202020204" pitchFamily="34" charset="0"/>
               </a:rPr>
-              <a:t>high MK2 expression (</a:t>
-            </a:r>
-            <a:r>
-              <a:rPr lang="en-US" sz="1200" dirty="0" err="1" smtClean="0">
-                <a:latin typeface="Arial" panose="020B0604020202020204" pitchFamily="34" charset="0"/>
-                <a:cs typeface="Arial" panose="020B0604020202020204" pitchFamily="34" charset="0"/>
-              </a:rPr>
-              <a:t>dichomotous</a:t>
-            </a:r>
-            <a:r>
-              <a:rPr lang="en-US" sz="1200" dirty="0" smtClean="0">
-                <a:latin typeface="Arial" panose="020B0604020202020204" pitchFamily="34" charset="0"/>
-                <a:cs typeface="Arial" panose="020B0604020202020204" pitchFamily="34" charset="0"/>
-              </a:rPr>
-              <a:t>: top 1/3 vs bottom 2/3 of transcript expression), </a:t>
+              <a:t>c</a:t>
             </a:r>
             <a:r>
               <a:rPr lang="en-US" sz="1200" dirty="0">
                 <a:latin typeface="Arial" panose="020B0604020202020204" pitchFamily="34" charset="0"/>
                 <a:cs typeface="Arial" panose="020B0604020202020204" pitchFamily="34" charset="0"/>
               </a:rPr>
-              <a:t>adjusted for age, sex and smoking </a:t>
-            </a:r>
-            <a:r>
-              <a:rPr lang="en-US" sz="1200" dirty="0" smtClean="0">
-                <a:latin typeface="Arial" panose="020B0604020202020204" pitchFamily="34" charset="0"/>
-                <a:cs typeface="Arial" panose="020B0604020202020204" pitchFamily="34" charset="0"/>
-              </a:rPr>
-              <a:t>status</a:t>
-            </a:r>
-          </a:p>
-          <a:p>
-            <a:r>
-              <a:rPr lang="en-US" sz="1200" baseline="30000" dirty="0" smtClean="0">
-                <a:latin typeface="Arial" panose="020B0604020202020204" pitchFamily="34" charset="0"/>
-                <a:cs typeface="Arial" panose="020B0604020202020204" pitchFamily="34" charset="0"/>
-              </a:rPr>
-              <a:t>c</a:t>
-            </a:r>
-            <a:r>
-              <a:rPr lang="en-US" sz="1200" dirty="0" smtClean="0">
-                <a:latin typeface="Arial" panose="020B0604020202020204" pitchFamily="34" charset="0"/>
-                <a:cs typeface="Arial" panose="020B0604020202020204" pitchFamily="34" charset="0"/>
-              </a:rPr>
               <a:t> Model 3: Logistic regression modeling death at one year as a function of high MK2 expression, adjusted for age, sex, and smoking status</a:t>
             </a:r>
             <a:endParaRPr lang="en-US" sz="1200" baseline="30000" dirty="0">
@@ -7782,14 +6811,14 @@
           </a:p>
           <a:p>
             <a:r>
-              <a:rPr lang="en-US" sz="1200" baseline="30000" dirty="0" smtClean="0">
+              <a:rPr lang="en-US" sz="1200" baseline="30000" dirty="0">
                 <a:latin typeface="Arial" panose="020B0604020202020204" pitchFamily="34" charset="0"/>
                 <a:cs typeface="Arial" panose="020B0604020202020204" pitchFamily="34" charset="0"/>
               </a:rPr>
               <a:t>d </a:t>
             </a:r>
             <a:r>
-              <a:rPr lang="en-US" sz="1200" dirty="0" smtClean="0">
+              <a:rPr lang="en-US" sz="1200" dirty="0">
                 <a:latin typeface="Arial" panose="020B0604020202020204" pitchFamily="34" charset="0"/>
                 <a:cs typeface="Arial" panose="020B0604020202020204" pitchFamily="34" charset="0"/>
               </a:rPr>
@@ -7798,26 +6827,22 @@
           </a:p>
           <a:p>
             <a:r>
-              <a:rPr lang="en-US" sz="1200" baseline="30000" dirty="0" smtClean="0">
+              <a:rPr lang="en-US" sz="1200" baseline="30000" dirty="0">
                 <a:latin typeface="Arial" panose="020B0604020202020204" pitchFamily="34" charset="0"/>
                 <a:cs typeface="Arial" panose="020B0604020202020204" pitchFamily="34" charset="0"/>
               </a:rPr>
               <a:t>e </a:t>
             </a:r>
             <a:r>
-              <a:rPr lang="en-US" sz="1200" dirty="0" smtClean="0">
+              <a:rPr lang="en-US" sz="1200" dirty="0">
                 <a:latin typeface="Arial" panose="020B0604020202020204" pitchFamily="34" charset="0"/>
                 <a:cs typeface="Arial" panose="020B0604020202020204" pitchFamily="34" charset="0"/>
               </a:rPr>
               <a:t>Top 1/3 of MK2 transcript levels (reference: bottom 2/3)</a:t>
             </a:r>
-            <a:endParaRPr lang="en-US" sz="1200" dirty="0">
-              <a:latin typeface="Arial" panose="020B0604020202020204" pitchFamily="34" charset="0"/>
-              <a:cs typeface="Arial" panose="020B0604020202020204" pitchFamily="34" charset="0"/>
-            </a:endParaRPr>
-          </a:p>
-          <a:p>
-            <a:endParaRPr lang="en-US" sz="1200" baseline="30000" dirty="0" smtClean="0">
+          </a:p>
+          <a:p>
+            <a:endParaRPr lang="en-US" sz="1200" baseline="30000" dirty="0">
               <a:latin typeface="Arial" panose="020B0604020202020204" pitchFamily="34" charset="0"/>
               <a:cs typeface="Arial" panose="020B0604020202020204" pitchFamily="34" charset="0"/>
             </a:endParaRPr>
@@ -7834,13 +6859,77 @@
   <p:clrMapOvr>
     <a:masterClrMapping/>
   </p:clrMapOvr>
-  <p:timing>
-    <p:tnLst>
-      <p:par>
-        <p:cTn id="1" dur="indefinite" restart="never" nodeType="tmRoot"/>
-      </p:par>
-    </p:tnLst>
-  </p:timing>
+</p:sld>
+</file>
+
+<file path=ppt/slides/slide5.xml><?xml version="1.0" encoding="utf-8"?>
+<p:sld xmlns:a="http://schemas.openxmlformats.org/drawingml/2006/main" xmlns:r="http://schemas.openxmlformats.org/officeDocument/2006/relationships" xmlns:p="http://schemas.openxmlformats.org/presentationml/2006/main">
+  <p:cSld>
+    <p:spTree>
+      <p:nvGrpSpPr>
+        <p:cNvPr id="1" name=""/>
+        <p:cNvGrpSpPr/>
+        <p:nvPr/>
+      </p:nvGrpSpPr>
+      <p:grpSpPr>
+        <a:xfrm>
+          <a:off x="0" y="0"/>
+          <a:ext cx="0" cy="0"/>
+          <a:chOff x="0" y="0"/>
+          <a:chExt cx="0" cy="0"/>
+        </a:xfrm>
+      </p:grpSpPr>
+      <p:sp>
+        <p:nvSpPr>
+          <p:cNvPr id="2" name="Title 1"/>
+          <p:cNvSpPr>
+            <a:spLocks noGrp="1"/>
+          </p:cNvSpPr>
+          <p:nvPr>
+            <p:ph type="title"/>
+          </p:nvPr>
+        </p:nvSpPr>
+        <p:spPr/>
+        <p:txBody>
+          <a:bodyPr/>
+          <a:lstStyle/>
+          <a:p>
+            <a:r>
+              <a:rPr lang="en-US" dirty="0"/>
+              <a:t>Data to be included in the supplemental</a:t>
+            </a:r>
+          </a:p>
+        </p:txBody>
+      </p:sp>
+      <p:sp>
+        <p:nvSpPr>
+          <p:cNvPr id="3" name="Content Placeholder 2"/>
+          <p:cNvSpPr>
+            <a:spLocks noGrp="1"/>
+          </p:cNvSpPr>
+          <p:nvPr>
+            <p:ph idx="1"/>
+          </p:nvPr>
+        </p:nvSpPr>
+        <p:spPr/>
+        <p:txBody>
+          <a:bodyPr/>
+          <a:lstStyle/>
+          <a:p>
+            <a:endParaRPr lang="en-US"/>
+          </a:p>
+        </p:txBody>
+      </p:sp>
+    </p:spTree>
+    <p:extLst>
+      <p:ext uri="{BB962C8B-B14F-4D97-AF65-F5344CB8AC3E}">
+        <p14:creationId xmlns:p14="http://schemas.microsoft.com/office/powerpoint/2010/main" val="2517123740"/>
+      </p:ext>
+    </p:extLst>
+  </p:cSld>
+  <p:clrMapOvr>
+    <a:masterClrMapping/>
+  </p:clrMapOvr>
 </p:sld>
 </file>
 
@@ -7861,23 +6950,46 @@
           <a:chExt cx="0" cy="0"/>
         </a:xfrm>
       </p:grpSpPr>
+      <p:pic>
+        <p:nvPicPr>
+          <p:cNvPr id="7" name="Picture 6">
+            <a:extLst>
+              <a:ext uri="{FF2B5EF4-FFF2-40B4-BE49-F238E27FC236}">
+                <a16:creationId xmlns:a16="http://schemas.microsoft.com/office/drawing/2014/main" id="{7A2E18DD-A0A8-4CFE-90DA-F157E47872E4}"/>
+              </a:ext>
+            </a:extLst>
+          </p:cNvPr>
+          <p:cNvPicPr>
+            <a:picLocks noChangeAspect="1"/>
+          </p:cNvPicPr>
+          <p:nvPr/>
+        </p:nvPicPr>
+        <p:blipFill>
+          <a:blip r:embed="rId2"/>
+          <a:stretch>
+            <a:fillRect/>
+          </a:stretch>
+        </p:blipFill>
+        <p:spPr>
+          <a:xfrm>
+            <a:off x="3125977" y="1061872"/>
+            <a:ext cx="6666667" cy="4114286"/>
+          </a:xfrm>
+          <a:prstGeom prst="rect">
+            <a:avLst/>
+          </a:prstGeom>
+        </p:spPr>
+      </p:pic>
     </p:spTree>
     <p:extLst>
       <p:ext uri="{BB962C8B-B14F-4D97-AF65-F5344CB8AC3E}">
-        <p14:creationId xmlns:p14="http://schemas.microsoft.com/office/powerpoint/2010/main" val="2886776149"/>
+        <p14:creationId xmlns:p14="http://schemas.microsoft.com/office/powerpoint/2010/main" val="2488604173"/>
       </p:ext>
     </p:extLst>
   </p:cSld>
   <p:clrMapOvr>
     <a:masterClrMapping/>
   </p:clrMapOvr>
-  <p:timing>
-    <p:tnLst>
-      <p:par>
-        <p:cTn id="1" dur="indefinite" restart="never" nodeType="tmRoot"/>
-      </p:par>
-    </p:tnLst>
-  </p:timing>
 </p:sld>
 </file>
 
@@ -7900,30 +7012,13 @@
       </p:grpSpPr>
       <p:sp>
         <p:nvSpPr>
-          <p:cNvPr id="2" name="Title 1"/>
-          <p:cNvSpPr>
-            <a:spLocks noGrp="1"/>
-          </p:cNvSpPr>
-          <p:nvPr>
-            <p:ph type="title"/>
-          </p:nvPr>
-        </p:nvSpPr>
-        <p:spPr/>
-        <p:txBody>
-          <a:bodyPr/>
-          <a:lstStyle/>
-          <a:p>
-            <a:r>
-              <a:rPr lang="en-US" dirty="0" smtClean="0"/>
-              <a:t>Data to be included in the supplemental</a:t>
-            </a:r>
-            <a:endParaRPr lang="en-US" dirty="0"/>
-          </a:p>
-        </p:txBody>
-      </p:sp>
-      <p:sp>
-        <p:nvSpPr>
-          <p:cNvPr id="3" name="Content Placeholder 2"/>
+          <p:cNvPr id="3" name="Content Placeholder 2">
+            <a:extLst>
+              <a:ext uri="{FF2B5EF4-FFF2-40B4-BE49-F238E27FC236}">
+                <a16:creationId xmlns:a16="http://schemas.microsoft.com/office/drawing/2014/main" id="{EEF456CC-E6C9-4EC3-8471-7A99FA8436AC}"/>
+              </a:ext>
+            </a:extLst>
+          </p:cNvPr>
           <p:cNvSpPr>
             <a:spLocks noGrp="1"/>
           </p:cNvSpPr>
@@ -7936,27 +7031,79 @@
           <a:bodyPr/>
           <a:lstStyle/>
           <a:p>
-            <a:endParaRPr lang="en-US"/>
-          </a:p>
-        </p:txBody>
-      </p:sp>
+            <a:endParaRPr lang="en-US" dirty="0"/>
+          </a:p>
+        </p:txBody>
+      </p:sp>
+      <p:pic>
+        <p:nvPicPr>
+          <p:cNvPr id="5" name="Picture 4">
+            <a:extLst>
+              <a:ext uri="{FF2B5EF4-FFF2-40B4-BE49-F238E27FC236}">
+                <a16:creationId xmlns:a16="http://schemas.microsoft.com/office/drawing/2014/main" id="{6DB306C6-94CE-4089-A21C-0FC6B13C0A32}"/>
+              </a:ext>
+            </a:extLst>
+          </p:cNvPr>
+          <p:cNvPicPr>
+            <a:picLocks noChangeAspect="1"/>
+          </p:cNvPicPr>
+          <p:nvPr/>
+        </p:nvPicPr>
+        <p:blipFill>
+          <a:blip r:embed="rId2"/>
+          <a:stretch>
+            <a:fillRect/>
+          </a:stretch>
+        </p:blipFill>
+        <p:spPr>
+          <a:xfrm>
+            <a:off x="4391441" y="1143257"/>
+            <a:ext cx="6666667" cy="4114286"/>
+          </a:xfrm>
+          <a:prstGeom prst="rect">
+            <a:avLst/>
+          </a:prstGeom>
+        </p:spPr>
+      </p:pic>
+      <p:pic>
+        <p:nvPicPr>
+          <p:cNvPr id="7" name="Picture 6">
+            <a:extLst>
+              <a:ext uri="{FF2B5EF4-FFF2-40B4-BE49-F238E27FC236}">
+                <a16:creationId xmlns:a16="http://schemas.microsoft.com/office/drawing/2014/main" id="{8B33C9EB-4187-4D8A-8C62-BF12BD709AAD}"/>
+              </a:ext>
+            </a:extLst>
+          </p:cNvPr>
+          <p:cNvPicPr>
+            <a:picLocks noChangeAspect="1"/>
+          </p:cNvPicPr>
+          <p:nvPr/>
+        </p:nvPicPr>
+        <p:blipFill rotWithShape="1">
+          <a:blip r:embed="rId3"/>
+          <a:srcRect t="9481" b="6624"/>
+          <a:stretch/>
+        </p:blipFill>
+        <p:spPr>
+          <a:xfrm>
+            <a:off x="715952" y="1318532"/>
+            <a:ext cx="3379797" cy="3722914"/>
+          </a:xfrm>
+          <a:prstGeom prst="rect">
+            <a:avLst/>
+          </a:prstGeom>
+        </p:spPr>
+      </p:pic>
     </p:spTree>
     <p:extLst>
       <p:ext uri="{BB962C8B-B14F-4D97-AF65-F5344CB8AC3E}">
-        <p14:creationId xmlns:p14="http://schemas.microsoft.com/office/powerpoint/2010/main" val="2517123740"/>
+        <p14:creationId xmlns:p14="http://schemas.microsoft.com/office/powerpoint/2010/main" val="3784262731"/>
       </p:ext>
     </p:extLst>
   </p:cSld>
   <p:clrMapOvr>
     <a:masterClrMapping/>
   </p:clrMapOvr>
-  <p:timing>
-    <p:tnLst>
-      <p:par>
-        <p:cTn id="1" dur="indefinite" restart="never" nodeType="tmRoot"/>
-      </p:par>
-    </p:tnLst>
-  </p:timing>
 </p:sld>
 </file>
 
@@ -7979,63 +7126,134 @@
       </p:grpSpPr>
       <p:sp>
         <p:nvSpPr>
-          <p:cNvPr id="2" name="Title 1"/>
-          <p:cNvSpPr>
-            <a:spLocks noGrp="1"/>
-          </p:cNvSpPr>
-          <p:nvPr>
-            <p:ph type="title"/>
-          </p:nvPr>
-        </p:nvSpPr>
-        <p:spPr/>
-        <p:txBody>
-          <a:bodyPr/>
+          <p:cNvPr id="5" name="TextBox 4"/>
+          <p:cNvSpPr txBox="1"/>
+          <p:nvPr/>
+        </p:nvSpPr>
+        <p:spPr>
+          <a:xfrm>
+            <a:off x="3200400" y="5486143"/>
+            <a:ext cx="6603999" cy="523220"/>
+          </a:xfrm>
+          <a:prstGeom prst="rect">
+            <a:avLst/>
+          </a:prstGeom>
+          <a:noFill/>
+        </p:spPr>
+        <p:txBody>
+          <a:bodyPr wrap="square" rtlCol="0">
+            <a:spAutoFit/>
+          </a:bodyPr>
           <a:lstStyle/>
           <a:p>
             <a:r>
-              <a:rPr lang="en-US" dirty="0" smtClean="0"/>
-              <a:t>Extra data – not included in supplemental</a:t>
-            </a:r>
-            <a:endParaRPr lang="en-US" dirty="0"/>
-          </a:p>
-        </p:txBody>
-      </p:sp>
-      <p:sp>
-        <p:nvSpPr>
-          <p:cNvPr id="3" name="Content Placeholder 2"/>
-          <p:cNvSpPr>
-            <a:spLocks noGrp="1"/>
-          </p:cNvSpPr>
-          <p:nvPr>
-            <p:ph idx="1"/>
-          </p:nvPr>
-        </p:nvSpPr>
-        <p:spPr/>
-        <p:txBody>
-          <a:bodyPr/>
+              <a:rPr lang="en-US" sz="1400" dirty="0">
+                <a:latin typeface="Arial" panose="020B0604020202020204" pitchFamily="34" charset="0"/>
+                <a:cs typeface="Arial" panose="020B0604020202020204" pitchFamily="34" charset="0"/>
+              </a:rPr>
+              <a:t>Graphs showing proportion of people who died within each quantile of MK2 expression in early- and late-stage NSCLC</a:t>
+            </a:r>
+          </a:p>
+        </p:txBody>
+      </p:sp>
+      <p:sp>
+        <p:nvSpPr>
+          <p:cNvPr id="6" name="TextBox 5"/>
+          <p:cNvSpPr txBox="1"/>
+          <p:nvPr/>
+        </p:nvSpPr>
+        <p:spPr>
+          <a:xfrm>
+            <a:off x="3784600" y="1075266"/>
+            <a:ext cx="1188210" cy="369332"/>
+          </a:xfrm>
+          <a:prstGeom prst="rect">
+            <a:avLst/>
+          </a:prstGeom>
+          <a:noFill/>
+        </p:spPr>
+        <p:txBody>
+          <a:bodyPr wrap="none" rtlCol="0">
+            <a:spAutoFit/>
+          </a:bodyPr>
           <a:lstStyle/>
           <a:p>
-            <a:endParaRPr lang="en-US"/>
-          </a:p>
-        </p:txBody>
-      </p:sp>
+            <a:r>
+              <a:rPr lang="en-US" dirty="0"/>
+              <a:t>Early stage</a:t>
+            </a:r>
+          </a:p>
+        </p:txBody>
+      </p:sp>
+      <p:sp>
+        <p:nvSpPr>
+          <p:cNvPr id="7" name="TextBox 6"/>
+          <p:cNvSpPr txBox="1"/>
+          <p:nvPr/>
+        </p:nvSpPr>
+        <p:spPr>
+          <a:xfrm>
+            <a:off x="7315200" y="1060190"/>
+            <a:ext cx="1128129" cy="369332"/>
+          </a:xfrm>
+          <a:prstGeom prst="rect">
+            <a:avLst/>
+          </a:prstGeom>
+          <a:noFill/>
+        </p:spPr>
+        <p:txBody>
+          <a:bodyPr wrap="none" rtlCol="0">
+            <a:spAutoFit/>
+          </a:bodyPr>
+          <a:lstStyle/>
+          <a:p>
+            <a:r>
+              <a:rPr lang="en-US" dirty="0"/>
+              <a:t>Late stage</a:t>
+            </a:r>
+          </a:p>
+        </p:txBody>
+      </p:sp>
+      <p:pic>
+        <p:nvPicPr>
+          <p:cNvPr id="3" name="Picture 2">
+            <a:extLst>
+              <a:ext uri="{FF2B5EF4-FFF2-40B4-BE49-F238E27FC236}">
+                <a16:creationId xmlns:a16="http://schemas.microsoft.com/office/drawing/2014/main" id="{83589A79-56C6-4309-A99E-029DA3D817F8}"/>
+              </a:ext>
+            </a:extLst>
+          </p:cNvPr>
+          <p:cNvPicPr>
+            <a:picLocks noChangeAspect="1"/>
+          </p:cNvPicPr>
+          <p:nvPr/>
+        </p:nvPicPr>
+        <p:blipFill>
+          <a:blip r:embed="rId2"/>
+          <a:stretch>
+            <a:fillRect/>
+          </a:stretch>
+        </p:blipFill>
+        <p:spPr>
+          <a:xfrm>
+            <a:off x="2762666" y="1371857"/>
+            <a:ext cx="6666667" cy="4114286"/>
+          </a:xfrm>
+          <a:prstGeom prst="rect">
+            <a:avLst/>
+          </a:prstGeom>
+        </p:spPr>
+      </p:pic>
     </p:spTree>
     <p:extLst>
       <p:ext uri="{BB962C8B-B14F-4D97-AF65-F5344CB8AC3E}">
-        <p14:creationId xmlns:p14="http://schemas.microsoft.com/office/powerpoint/2010/main" val="485843008"/>
+        <p14:creationId xmlns:p14="http://schemas.microsoft.com/office/powerpoint/2010/main" val="2012408562"/>
       </p:ext>
     </p:extLst>
   </p:cSld>
   <p:clrMapOvr>
     <a:masterClrMapping/>
   </p:clrMapOvr>
-  <p:timing>
-    <p:tnLst>
-      <p:par>
-        <p:cTn id="1" dur="indefinite" restart="never" nodeType="tmRoot"/>
-      </p:par>
-    </p:tnLst>
-  </p:timing>
 </p:sld>
 </file>
 
@@ -8056,112 +7274,57 @@
           <a:chExt cx="0" cy="0"/>
         </a:xfrm>
       </p:grpSpPr>
-      <p:pic>
-        <p:nvPicPr>
-          <p:cNvPr id="6" name="Picture 5"/>
-          <p:cNvPicPr>
-            <a:picLocks noChangeAspect="1"/>
-          </p:cNvPicPr>
-          <p:nvPr/>
-        </p:nvPicPr>
-        <p:blipFill rotWithShape="1">
-          <a:blip r:embed="rId2"/>
-          <a:srcRect b="11308"/>
-          <a:stretch/>
-        </p:blipFill>
-        <p:spPr>
-          <a:xfrm>
-            <a:off x="2613037" y="656962"/>
-            <a:ext cx="7274383" cy="3981667"/>
-          </a:xfrm>
-          <a:prstGeom prst="rect">
-            <a:avLst/>
-          </a:prstGeom>
-        </p:spPr>
-      </p:pic>
-      <p:sp>
-        <p:nvSpPr>
-          <p:cNvPr id="7" name="TextBox 6"/>
-          <p:cNvSpPr txBox="1"/>
-          <p:nvPr/>
-        </p:nvSpPr>
-        <p:spPr>
-          <a:xfrm>
-            <a:off x="2452254" y="4771248"/>
-            <a:ext cx="6650182" cy="2031325"/>
-          </a:xfrm>
-          <a:prstGeom prst="rect">
-            <a:avLst/>
-          </a:prstGeom>
-          <a:noFill/>
-        </p:spPr>
-        <p:txBody>
-          <a:bodyPr wrap="square" rtlCol="0">
-            <a:spAutoFit/>
-          </a:bodyPr>
+      <p:sp>
+        <p:nvSpPr>
+          <p:cNvPr id="2" name="Title 1"/>
+          <p:cNvSpPr>
+            <a:spLocks noGrp="1"/>
+          </p:cNvSpPr>
+          <p:nvPr>
+            <p:ph type="title"/>
+          </p:nvPr>
+        </p:nvSpPr>
+        <p:spPr/>
+        <p:txBody>
+          <a:bodyPr/>
           <a:lstStyle/>
           <a:p>
             <a:r>
-              <a:rPr lang="en-US" sz="1400" dirty="0" smtClean="0">
-                <a:latin typeface="Arial" panose="020B0604020202020204" pitchFamily="34" charset="0"/>
-                <a:cs typeface="Arial" panose="020B0604020202020204" pitchFamily="34" charset="0"/>
-              </a:rPr>
-              <a:t>Validation plot to make sure that censoring at one year was done properly. So, we have colored each patient’s vital status by alive or dead, and we have faceted by whether they were assigned as “Death in one year” or not. So, if our code worked, all patients who died in less than one year (blue color; y &lt; 365) should be classified as dead at one year (“1”). All patients who were alive in that time period should be classified as red and in the “0” column. After 365 days, everyone should have gotten a classification of “0” for death at one year, since they are all by definition still alive at 1 year, regardless of subsequent alive or dead status (color should mix, all colors in the “0” column). And that’s what we see…</a:t>
-            </a:r>
-            <a:endParaRPr lang="en-US" sz="1400" dirty="0">
-              <a:latin typeface="Arial" panose="020B0604020202020204" pitchFamily="34" charset="0"/>
-              <a:cs typeface="Arial" panose="020B0604020202020204" pitchFamily="34" charset="0"/>
-            </a:endParaRPr>
-          </a:p>
-        </p:txBody>
-      </p:sp>
-      <p:sp>
-        <p:nvSpPr>
-          <p:cNvPr id="8" name="TextBox 7"/>
-          <p:cNvSpPr txBox="1"/>
-          <p:nvPr/>
-        </p:nvSpPr>
-        <p:spPr>
-          <a:xfrm>
-            <a:off x="4060769" y="287630"/>
-            <a:ext cx="2739043" cy="369332"/>
-          </a:xfrm>
-          <a:prstGeom prst="rect">
-            <a:avLst/>
-          </a:prstGeom>
-          <a:noFill/>
-        </p:spPr>
-        <p:txBody>
-          <a:bodyPr wrap="square" rtlCol="0">
-            <a:spAutoFit/>
-          </a:bodyPr>
+              <a:rPr lang="en-US" dirty="0"/>
+              <a:t>Extra data – not included in supplemental</a:t>
+            </a:r>
+          </a:p>
+        </p:txBody>
+      </p:sp>
+      <p:sp>
+        <p:nvSpPr>
+          <p:cNvPr id="3" name="Content Placeholder 2"/>
+          <p:cNvSpPr>
+            <a:spLocks noGrp="1"/>
+          </p:cNvSpPr>
+          <p:nvPr>
+            <p:ph idx="1"/>
+          </p:nvPr>
+        </p:nvSpPr>
+        <p:spPr/>
+        <p:txBody>
+          <a:bodyPr/>
           <a:lstStyle/>
           <a:p>
-            <a:r>
-              <a:rPr lang="en-US" dirty="0" smtClean="0"/>
-              <a:t>Death at one year status </a:t>
-            </a:r>
-            <a:endParaRPr lang="en-US" dirty="0"/>
+            <a:endParaRPr lang="en-US"/>
           </a:p>
         </p:txBody>
       </p:sp>
     </p:spTree>
     <p:extLst>
       <p:ext uri="{BB962C8B-B14F-4D97-AF65-F5344CB8AC3E}">
-        <p14:creationId xmlns:p14="http://schemas.microsoft.com/office/powerpoint/2010/main" val="1795537270"/>
+        <p14:creationId xmlns:p14="http://schemas.microsoft.com/office/powerpoint/2010/main" val="485843008"/>
       </p:ext>
     </p:extLst>
   </p:cSld>
   <p:clrMapOvr>
     <a:masterClrMapping/>
   </p:clrMapOvr>
-  <p:timing>
-    <p:tnLst>
-      <p:par>
-        <p:cTn id="1" dur="indefinite" restart="never" nodeType="tmRoot"/>
-      </p:par>
-    </p:tnLst>
-  </p:timing>
 </p:sld>
 </file>
 
